--- a/Chapitre_01_Stabilite/TD_01_SysReeduc/images/Figures.pptx
+++ b/Chapitre_01_Stabilite/TD_01_SysReeduc/images/Figures.pptx
@@ -314,7 +314,7 @@
           <a:p>
             <a:fld id="{AA309A6D-C09C-4548-B29A-6CF363A7E532}" type="datetimeFigureOut">
               <a:rPr lang="fr-FR" smtClean="0"/>
-              <a:t>20/09/2018</a:t>
+              <a:t>25/09/2018</a:t>
             </a:fld>
             <a:endParaRPr lang="fr-BE"/>
           </a:p>
@@ -479,7 +479,7 @@
           <a:p>
             <a:fld id="{AA309A6D-C09C-4548-B29A-6CF363A7E532}" type="datetimeFigureOut">
               <a:rPr lang="fr-FR" smtClean="0"/>
-              <a:t>20/09/2018</a:t>
+              <a:t>25/09/2018</a:t>
             </a:fld>
             <a:endParaRPr lang="fr-BE"/>
           </a:p>
@@ -654,7 +654,7 @@
           <a:p>
             <a:fld id="{AA309A6D-C09C-4548-B29A-6CF363A7E532}" type="datetimeFigureOut">
               <a:rPr lang="fr-FR" smtClean="0"/>
-              <a:t>20/09/2018</a:t>
+              <a:t>25/09/2018</a:t>
             </a:fld>
             <a:endParaRPr lang="fr-BE"/>
           </a:p>
@@ -819,7 +819,7 @@
           <a:p>
             <a:fld id="{AA309A6D-C09C-4548-B29A-6CF363A7E532}" type="datetimeFigureOut">
               <a:rPr lang="fr-FR" smtClean="0"/>
-              <a:t>20/09/2018</a:t>
+              <a:t>25/09/2018</a:t>
             </a:fld>
             <a:endParaRPr lang="fr-BE"/>
           </a:p>
@@ -1060,7 +1060,7 @@
           <a:p>
             <a:fld id="{AA309A6D-C09C-4548-B29A-6CF363A7E532}" type="datetimeFigureOut">
               <a:rPr lang="fr-FR" smtClean="0"/>
-              <a:t>20/09/2018</a:t>
+              <a:t>25/09/2018</a:t>
             </a:fld>
             <a:endParaRPr lang="fr-BE"/>
           </a:p>
@@ -1343,7 +1343,7 @@
           <a:p>
             <a:fld id="{AA309A6D-C09C-4548-B29A-6CF363A7E532}" type="datetimeFigureOut">
               <a:rPr lang="fr-FR" smtClean="0"/>
-              <a:t>20/09/2018</a:t>
+              <a:t>25/09/2018</a:t>
             </a:fld>
             <a:endParaRPr lang="fr-BE"/>
           </a:p>
@@ -1760,7 +1760,7 @@
           <a:p>
             <a:fld id="{AA309A6D-C09C-4548-B29A-6CF363A7E532}" type="datetimeFigureOut">
               <a:rPr lang="fr-FR" smtClean="0"/>
-              <a:t>20/09/2018</a:t>
+              <a:t>25/09/2018</a:t>
             </a:fld>
             <a:endParaRPr lang="fr-BE"/>
           </a:p>
@@ -1873,7 +1873,7 @@
           <a:p>
             <a:fld id="{AA309A6D-C09C-4548-B29A-6CF363A7E532}" type="datetimeFigureOut">
               <a:rPr lang="fr-FR" smtClean="0"/>
-              <a:t>20/09/2018</a:t>
+              <a:t>25/09/2018</a:t>
             </a:fld>
             <a:endParaRPr lang="fr-BE"/>
           </a:p>
@@ -1963,7 +1963,7 @@
           <a:p>
             <a:fld id="{AA309A6D-C09C-4548-B29A-6CF363A7E532}" type="datetimeFigureOut">
               <a:rPr lang="fr-FR" smtClean="0"/>
-              <a:t>20/09/2018</a:t>
+              <a:t>25/09/2018</a:t>
             </a:fld>
             <a:endParaRPr lang="fr-BE"/>
           </a:p>
@@ -2235,7 +2235,7 @@
           <a:p>
             <a:fld id="{AA309A6D-C09C-4548-B29A-6CF363A7E532}" type="datetimeFigureOut">
               <a:rPr lang="fr-FR" smtClean="0"/>
-              <a:t>20/09/2018</a:t>
+              <a:t>25/09/2018</a:t>
             </a:fld>
             <a:endParaRPr lang="fr-BE"/>
           </a:p>
@@ -2483,7 +2483,7 @@
           <a:p>
             <a:fld id="{AA309A6D-C09C-4548-B29A-6CF363A7E532}" type="datetimeFigureOut">
               <a:rPr lang="fr-FR" smtClean="0"/>
-              <a:t>20/09/2018</a:t>
+              <a:t>25/09/2018</a:t>
             </a:fld>
             <a:endParaRPr lang="fr-BE"/>
           </a:p>
@@ -2691,7 +2691,7 @@
           <a:p>
             <a:fld id="{AA309A6D-C09C-4548-B29A-6CF363A7E532}" type="datetimeFigureOut">
               <a:rPr lang="fr-FR" smtClean="0"/>
-              <a:t>20/09/2018</a:t>
+              <a:t>25/09/2018</a:t>
             </a:fld>
             <a:endParaRPr lang="fr-BE"/>
           </a:p>
@@ -3117,40 +3117,42 @@
                       <m:jc m:val="centerGroup"/>
                     </m:oMathParaPr>
                     <m:oMath xmlns:m="http://schemas.openxmlformats.org/officeDocument/2006/math">
-                      <m:f>
-                        <m:fPr>
-                          <m:ctrlPr>
-                            <a:rPr lang="fr-FR" sz="1200" b="0" i="1" smtClean="0">
-                              <a:solidFill>
-                                <a:schemeClr val="tx1"/>
-                              </a:solidFill>
-                              <a:latin typeface="Cambria Math" panose="02040503050406030204" pitchFamily="18" charset="0"/>
-                            </a:rPr>
-                          </m:ctrlPr>
-                        </m:fPr>
-                        <m:num>
-                          <m:r>
-                            <a:rPr lang="fr-FR" sz="1200" b="0" i="1" smtClean="0">
-                              <a:solidFill>
-                                <a:schemeClr val="tx1"/>
-                              </a:solidFill>
-                              <a:latin typeface="Cambria Math" panose="02040503050406030204" pitchFamily="18" charset="0"/>
-                            </a:rPr>
-                            <m:t>1</m:t>
-                          </m:r>
-                        </m:num>
-                        <m:den>
-                          <m:r>
-                            <a:rPr lang="fr-FR" sz="1200" b="0" i="1" smtClean="0">
-                              <a:solidFill>
-                                <a:schemeClr val="tx1"/>
-                              </a:solidFill>
-                              <a:latin typeface="Cambria Math" panose="02040503050406030204" pitchFamily="18" charset="0"/>
-                            </a:rPr>
-                            <m:t>𝑅</m:t>
-                          </m:r>
-                        </m:den>
-                      </m:f>
+                      <m:r>
+                        <a:rPr lang="fr-FR" sz="1200" b="0" i="1" smtClean="0">
+                          <a:solidFill>
+                            <a:schemeClr val="tx1"/>
+                          </a:solidFill>
+                          <a:latin typeface="Cambria Math" panose="02040503050406030204" pitchFamily="18" charset="0"/>
+                        </a:rPr>
+                        <m:t>𝐶</m:t>
+                      </m:r>
+                      <m:r>
+                        <a:rPr lang="fr-FR" sz="1200" b="0" i="1" smtClean="0">
+                          <a:solidFill>
+                            <a:schemeClr val="tx1"/>
+                          </a:solidFill>
+                          <a:latin typeface="Cambria Math" panose="02040503050406030204" pitchFamily="18" charset="0"/>
+                        </a:rPr>
+                        <m:t>(</m:t>
+                      </m:r>
+                      <m:r>
+                        <a:rPr lang="fr-FR" sz="1200" b="0" i="1" smtClean="0">
+                          <a:solidFill>
+                            <a:schemeClr val="tx1"/>
+                          </a:solidFill>
+                          <a:latin typeface="Cambria Math" panose="02040503050406030204" pitchFamily="18" charset="0"/>
+                        </a:rPr>
+                        <m:t>𝑝</m:t>
+                      </m:r>
+                      <m:r>
+                        <a:rPr lang="fr-FR" sz="1200" b="0" i="1" smtClean="0">
+                          <a:solidFill>
+                            <a:schemeClr val="tx1"/>
+                          </a:solidFill>
+                          <a:latin typeface="Cambria Math" panose="02040503050406030204" pitchFamily="18" charset="0"/>
+                        </a:rPr>
+                        <m:t>)</m:t>
+                      </m:r>
                     </m:oMath>
                   </m:oMathPara>
                 </a14:m>
@@ -3184,484 +3186,6 @@
               </a:prstGeom>
               <a:blipFill>
                 <a:blip r:embed="rId2"/>
-                <a:stretch>
-                  <a:fillRect/>
-                </a:stretch>
-              </a:blipFill>
-              <a:ln w="12700">
-                <a:solidFill>
-                  <a:schemeClr val="tx1"/>
-                </a:solidFill>
-              </a:ln>
-            </p:spPr>
-            <p:txBody>
-              <a:bodyPr/>
-              <a:lstStyle/>
-              <a:p>
-                <a:r>
-                  <a:rPr lang="fr-FR">
-                    <a:noFill/>
-                  </a:rPr>
-                  <a:t> </a:t>
-                </a:r>
-              </a:p>
-            </p:txBody>
-          </p:sp>
-        </mc:Fallback>
-      </mc:AlternateContent>
-      <mc:AlternateContent xmlns:mc="http://schemas.openxmlformats.org/markup-compatibility/2006" xmlns:a14="http://schemas.microsoft.com/office/drawing/2010/main">
-        <mc:Choice Requires="a14">
-          <p:sp>
-            <p:nvSpPr>
-              <p:cNvPr id="5" name="Rectangle 4">
-                <a:extLst>
-                  <a:ext uri="{FF2B5EF4-FFF2-40B4-BE49-F238E27FC236}">
-                    <a16:creationId xmlns:a16="http://schemas.microsoft.com/office/drawing/2014/main" id="{039DAA0B-7F69-4889-B31F-D81508589A4C}"/>
-                  </a:ext>
-                </a:extLst>
-              </p:cNvPr>
-              <p:cNvSpPr/>
-              <p:nvPr/>
-            </p:nvSpPr>
-            <p:spPr>
-              <a:xfrm>
-                <a:off x="3131840" y="1300240"/>
-                <a:ext cx="720080" cy="432048"/>
-              </a:xfrm>
-              <a:prstGeom prst="rect">
-                <a:avLst/>
-              </a:prstGeom>
-              <a:noFill/>
-              <a:ln w="12700">
-                <a:solidFill>
-                  <a:schemeClr val="tx1"/>
-                </a:solidFill>
-              </a:ln>
-            </p:spPr>
-            <p:style>
-              <a:lnRef idx="2">
-                <a:schemeClr val="accent1">
-                  <a:shade val="50000"/>
-                </a:schemeClr>
-              </a:lnRef>
-              <a:fillRef idx="1">
-                <a:schemeClr val="accent1"/>
-              </a:fillRef>
-              <a:effectRef idx="0">
-                <a:schemeClr val="accent1"/>
-              </a:effectRef>
-              <a:fontRef idx="minor">
-                <a:schemeClr val="lt1"/>
-              </a:fontRef>
-            </p:style>
-            <p:txBody>
-              <a:bodyPr rtlCol="0" anchor="ctr"/>
-              <a:lstStyle/>
-              <a:p>
-                <a:pPr algn="ctr"/>
-                <a14:m>
-                  <m:oMathPara xmlns:m="http://schemas.openxmlformats.org/officeDocument/2006/math">
-                    <m:oMathParaPr>
-                      <m:jc m:val="centerGroup"/>
-                    </m:oMathParaPr>
-                    <m:oMath xmlns:m="http://schemas.openxmlformats.org/officeDocument/2006/math">
-                      <m:sSub>
-                        <m:sSubPr>
-                          <m:ctrlPr>
-                            <a:rPr lang="fr-FR" sz="1200" b="0" i="1" smtClean="0">
-                              <a:solidFill>
-                                <a:schemeClr val="tx1"/>
-                              </a:solidFill>
-                              <a:latin typeface="Cambria Math" panose="02040503050406030204" pitchFamily="18" charset="0"/>
-                            </a:rPr>
-                          </m:ctrlPr>
-                        </m:sSubPr>
-                        <m:e>
-                          <m:r>
-                            <a:rPr lang="fr-FR" sz="1200" b="0" i="1" smtClean="0">
-                              <a:solidFill>
-                                <a:schemeClr val="tx1"/>
-                              </a:solidFill>
-                              <a:latin typeface="Cambria Math" panose="02040503050406030204" pitchFamily="18" charset="0"/>
-                            </a:rPr>
-                            <m:t>𝑘</m:t>
-                          </m:r>
-                        </m:e>
-                        <m:sub>
-                          <m:r>
-                            <a:rPr lang="fr-FR" sz="1200" b="0" i="1" smtClean="0">
-                              <a:solidFill>
-                                <a:schemeClr val="tx1"/>
-                              </a:solidFill>
-                              <a:latin typeface="Cambria Math" panose="02040503050406030204" pitchFamily="18" charset="0"/>
-                            </a:rPr>
-                            <m:t>𝑡</m:t>
-                          </m:r>
-                        </m:sub>
-                      </m:sSub>
-                    </m:oMath>
-                  </m:oMathPara>
-                </a14:m>
-                <a:endParaRPr lang="fr-FR" sz="1200" dirty="0"/>
-              </a:p>
-            </p:txBody>
-          </p:sp>
-        </mc:Choice>
-        <mc:Fallback xmlns="">
-          <p:sp>
-            <p:nvSpPr>
-              <p:cNvPr id="5" name="Rectangle 4">
-                <a:extLst>
-                  <a:ext uri="{FF2B5EF4-FFF2-40B4-BE49-F238E27FC236}">
-                    <a16:creationId xmlns:a16="http://schemas.microsoft.com/office/drawing/2014/main" id="{039DAA0B-7F69-4889-B31F-D81508589A4C}"/>
-                  </a:ext>
-                </a:extLst>
-              </p:cNvPr>
-              <p:cNvSpPr>
-                <a:spLocks noRot="1" noChangeAspect="1" noMove="1" noResize="1" noEditPoints="1" noAdjustHandles="1" noChangeArrowheads="1" noChangeShapeType="1" noTextEdit="1"/>
-              </p:cNvSpPr>
-              <p:nvPr/>
-            </p:nvSpPr>
-            <p:spPr>
-              <a:xfrm>
-                <a:off x="3131840" y="1300240"/>
-                <a:ext cx="720080" cy="432048"/>
-              </a:xfrm>
-              <a:prstGeom prst="rect">
-                <a:avLst/>
-              </a:prstGeom>
-              <a:blipFill>
-                <a:blip r:embed="rId3"/>
-                <a:stretch>
-                  <a:fillRect/>
-                </a:stretch>
-              </a:blipFill>
-              <a:ln w="12700">
-                <a:solidFill>
-                  <a:schemeClr val="tx1"/>
-                </a:solidFill>
-              </a:ln>
-            </p:spPr>
-            <p:txBody>
-              <a:bodyPr/>
-              <a:lstStyle/>
-              <a:p>
-                <a:r>
-                  <a:rPr lang="fr-FR">
-                    <a:noFill/>
-                  </a:rPr>
-                  <a:t> </a:t>
-                </a:r>
-              </a:p>
-            </p:txBody>
-          </p:sp>
-        </mc:Fallback>
-      </mc:AlternateContent>
-      <mc:AlternateContent xmlns:mc="http://schemas.openxmlformats.org/markup-compatibility/2006" xmlns:a14="http://schemas.microsoft.com/office/drawing/2010/main">
-        <mc:Choice Requires="a14">
-          <p:sp>
-            <p:nvSpPr>
-              <p:cNvPr id="7" name="Rectangle 6">
-                <a:extLst>
-                  <a:ext uri="{FF2B5EF4-FFF2-40B4-BE49-F238E27FC236}">
-                    <a16:creationId xmlns:a16="http://schemas.microsoft.com/office/drawing/2014/main" id="{AEEACF32-3863-48CD-8127-7F81DFBDCD45}"/>
-                  </a:ext>
-                </a:extLst>
-              </p:cNvPr>
-              <p:cNvSpPr/>
-              <p:nvPr/>
-            </p:nvSpPr>
-            <p:spPr>
-              <a:xfrm>
-                <a:off x="4572002" y="1300240"/>
-                <a:ext cx="720080" cy="432048"/>
-              </a:xfrm>
-              <a:prstGeom prst="rect">
-                <a:avLst/>
-              </a:prstGeom>
-              <a:noFill/>
-              <a:ln w="12700">
-                <a:solidFill>
-                  <a:schemeClr val="tx1"/>
-                </a:solidFill>
-              </a:ln>
-            </p:spPr>
-            <p:style>
-              <a:lnRef idx="2">
-                <a:schemeClr val="accent1">
-                  <a:shade val="50000"/>
-                </a:schemeClr>
-              </a:lnRef>
-              <a:fillRef idx="1">
-                <a:schemeClr val="accent1"/>
-              </a:fillRef>
-              <a:effectRef idx="0">
-                <a:schemeClr val="accent1"/>
-              </a:effectRef>
-              <a:fontRef idx="minor">
-                <a:schemeClr val="lt1"/>
-              </a:fontRef>
-            </p:style>
-            <p:txBody>
-              <a:bodyPr rtlCol="0" anchor="ctr"/>
-              <a:lstStyle/>
-              <a:p>
-                <a:pPr algn="ctr"/>
-                <a14:m>
-                  <m:oMathPara xmlns:m="http://schemas.openxmlformats.org/officeDocument/2006/math">
-                    <m:oMathParaPr>
-                      <m:jc m:val="centerGroup"/>
-                    </m:oMathParaPr>
-                    <m:oMath xmlns:m="http://schemas.openxmlformats.org/officeDocument/2006/math">
-                      <m:f>
-                        <m:fPr>
-                          <m:ctrlPr>
-                            <a:rPr lang="fr-FR" sz="1200" b="0" i="1" smtClean="0">
-                              <a:solidFill>
-                                <a:schemeClr val="tx1"/>
-                              </a:solidFill>
-                              <a:latin typeface="Cambria Math" panose="02040503050406030204" pitchFamily="18" charset="0"/>
-                            </a:rPr>
-                          </m:ctrlPr>
-                        </m:fPr>
-                        <m:num>
-                          <m:r>
-                            <a:rPr lang="fr-FR" sz="1200" b="0" i="1" smtClean="0">
-                              <a:solidFill>
-                                <a:schemeClr val="tx1"/>
-                              </a:solidFill>
-                              <a:latin typeface="Cambria Math" panose="02040503050406030204" pitchFamily="18" charset="0"/>
-                            </a:rPr>
-                            <m:t>1</m:t>
-                          </m:r>
-                        </m:num>
-                        <m:den>
-                          <m:sSub>
-                            <m:sSubPr>
-                              <m:ctrlPr>
-                                <a:rPr lang="fr-FR" sz="1200" b="0" i="1" smtClean="0">
-                                  <a:solidFill>
-                                    <a:schemeClr val="tx1"/>
-                                  </a:solidFill>
-                                  <a:latin typeface="Cambria Math" panose="02040503050406030204" pitchFamily="18" charset="0"/>
-                                </a:rPr>
-                              </m:ctrlPr>
-                            </m:sSubPr>
-                            <m:e>
-                              <m:r>
-                                <a:rPr lang="fr-FR" sz="1200" b="0" i="1" smtClean="0">
-                                  <a:solidFill>
-                                    <a:schemeClr val="tx1"/>
-                                  </a:solidFill>
-                                  <a:latin typeface="Cambria Math" panose="02040503050406030204" pitchFamily="18" charset="0"/>
-                                </a:rPr>
-                                <m:t>𝐽</m:t>
-                              </m:r>
-                            </m:e>
-                            <m:sub>
-                              <m:r>
-                                <a:rPr lang="fr-FR" sz="1200" b="0" i="1" smtClean="0">
-                                  <a:solidFill>
-                                    <a:schemeClr val="tx1"/>
-                                  </a:solidFill>
-                                  <a:latin typeface="Cambria Math" panose="02040503050406030204" pitchFamily="18" charset="0"/>
-                                </a:rPr>
-                                <m:t>𝑒</m:t>
-                              </m:r>
-                            </m:sub>
-                          </m:sSub>
-                          <m:r>
-                            <a:rPr lang="fr-FR" sz="1200" b="0" i="1" smtClean="0">
-                              <a:solidFill>
-                                <a:schemeClr val="tx1"/>
-                              </a:solidFill>
-                              <a:latin typeface="Cambria Math" panose="02040503050406030204" pitchFamily="18" charset="0"/>
-                            </a:rPr>
-                            <m:t>𝑝</m:t>
-                          </m:r>
-                        </m:den>
-                      </m:f>
-                    </m:oMath>
-                  </m:oMathPara>
-                </a14:m>
-                <a:endParaRPr lang="fr-FR" sz="1200" dirty="0"/>
-              </a:p>
-            </p:txBody>
-          </p:sp>
-        </mc:Choice>
-        <mc:Fallback xmlns="">
-          <p:sp>
-            <p:nvSpPr>
-              <p:cNvPr id="7" name="Rectangle 6">
-                <a:extLst>
-                  <a:ext uri="{FF2B5EF4-FFF2-40B4-BE49-F238E27FC236}">
-                    <a16:creationId xmlns:a16="http://schemas.microsoft.com/office/drawing/2014/main" id="{AEEACF32-3863-48CD-8127-7F81DFBDCD45}"/>
-                  </a:ext>
-                </a:extLst>
-              </p:cNvPr>
-              <p:cNvSpPr>
-                <a:spLocks noRot="1" noChangeAspect="1" noMove="1" noResize="1" noEditPoints="1" noAdjustHandles="1" noChangeArrowheads="1" noChangeShapeType="1" noTextEdit="1"/>
-              </p:cNvSpPr>
-              <p:nvPr/>
-            </p:nvSpPr>
-            <p:spPr>
-              <a:xfrm>
-                <a:off x="4572002" y="1300240"/>
-                <a:ext cx="720080" cy="432048"/>
-              </a:xfrm>
-              <a:prstGeom prst="rect">
-                <a:avLst/>
-              </a:prstGeom>
-              <a:blipFill>
-                <a:blip r:embed="rId4"/>
-                <a:stretch>
-                  <a:fillRect b="-5479"/>
-                </a:stretch>
-              </a:blipFill>
-              <a:ln w="12700">
-                <a:solidFill>
-                  <a:schemeClr val="tx1"/>
-                </a:solidFill>
-              </a:ln>
-            </p:spPr>
-            <p:txBody>
-              <a:bodyPr/>
-              <a:lstStyle/>
-              <a:p>
-                <a:r>
-                  <a:rPr lang="fr-FR">
-                    <a:noFill/>
-                  </a:rPr>
-                  <a:t> </a:t>
-                </a:r>
-              </a:p>
-            </p:txBody>
-          </p:sp>
-        </mc:Fallback>
-      </mc:AlternateContent>
-      <mc:AlternateContent xmlns:mc="http://schemas.openxmlformats.org/markup-compatibility/2006" xmlns:a14="http://schemas.microsoft.com/office/drawing/2010/main">
-        <mc:Choice Requires="a14">
-          <p:sp>
-            <p:nvSpPr>
-              <p:cNvPr id="8" name="Rectangle 7">
-                <a:extLst>
-                  <a:ext uri="{FF2B5EF4-FFF2-40B4-BE49-F238E27FC236}">
-                    <a16:creationId xmlns:a16="http://schemas.microsoft.com/office/drawing/2014/main" id="{285356AC-E888-411B-B748-E96B25A540F9}"/>
-                  </a:ext>
-                </a:extLst>
-              </p:cNvPr>
-              <p:cNvSpPr/>
-              <p:nvPr/>
-            </p:nvSpPr>
-            <p:spPr>
-              <a:xfrm>
-                <a:off x="3131840" y="1988840"/>
-                <a:ext cx="720080" cy="432048"/>
-              </a:xfrm>
-              <a:prstGeom prst="rect">
-                <a:avLst/>
-              </a:prstGeom>
-              <a:noFill/>
-              <a:ln w="12700">
-                <a:solidFill>
-                  <a:schemeClr val="tx1"/>
-                </a:solidFill>
-              </a:ln>
-            </p:spPr>
-            <p:style>
-              <a:lnRef idx="2">
-                <a:schemeClr val="accent1">
-                  <a:shade val="50000"/>
-                </a:schemeClr>
-              </a:lnRef>
-              <a:fillRef idx="1">
-                <a:schemeClr val="accent1"/>
-              </a:fillRef>
-              <a:effectRef idx="0">
-                <a:schemeClr val="accent1"/>
-              </a:effectRef>
-              <a:fontRef idx="minor">
-                <a:schemeClr val="lt1"/>
-              </a:fontRef>
-            </p:style>
-            <p:txBody>
-              <a:bodyPr rtlCol="0" anchor="ctr"/>
-              <a:lstStyle/>
-              <a:p>
-                <a:pPr algn="ctr"/>
-                <a14:m>
-                  <m:oMathPara xmlns:m="http://schemas.openxmlformats.org/officeDocument/2006/math">
-                    <m:oMathParaPr>
-                      <m:jc m:val="centerGroup"/>
-                    </m:oMathParaPr>
-                    <m:oMath xmlns:m="http://schemas.openxmlformats.org/officeDocument/2006/math">
-                      <m:sSub>
-                        <m:sSubPr>
-                          <m:ctrlPr>
-                            <a:rPr lang="fr-FR" sz="1200" b="0" i="1" smtClean="0">
-                              <a:solidFill>
-                                <a:schemeClr val="tx1"/>
-                              </a:solidFill>
-                              <a:latin typeface="Cambria Math" panose="02040503050406030204" pitchFamily="18" charset="0"/>
-                            </a:rPr>
-                          </m:ctrlPr>
-                        </m:sSubPr>
-                        <m:e>
-                          <m:r>
-                            <a:rPr lang="fr-FR" sz="1200" b="0" i="1" smtClean="0">
-                              <a:solidFill>
-                                <a:schemeClr val="tx1"/>
-                              </a:solidFill>
-                              <a:latin typeface="Cambria Math" panose="02040503050406030204" pitchFamily="18" charset="0"/>
-                            </a:rPr>
-                            <m:t>𝑘</m:t>
-                          </m:r>
-                        </m:e>
-                        <m:sub>
-                          <m:r>
-                            <a:rPr lang="fr-FR" sz="1200" b="0" i="1" smtClean="0">
-                              <a:solidFill>
-                                <a:schemeClr val="tx1"/>
-                              </a:solidFill>
-                              <a:latin typeface="Cambria Math" panose="02040503050406030204" pitchFamily="18" charset="0"/>
-                            </a:rPr>
-                            <m:t>𝑒</m:t>
-                          </m:r>
-                        </m:sub>
-                      </m:sSub>
-                    </m:oMath>
-                  </m:oMathPara>
-                </a14:m>
-                <a:endParaRPr lang="fr-FR" sz="1200" dirty="0"/>
-              </a:p>
-            </p:txBody>
-          </p:sp>
-        </mc:Choice>
-        <mc:Fallback xmlns="">
-          <p:sp>
-            <p:nvSpPr>
-              <p:cNvPr id="8" name="Rectangle 7">
-                <a:extLst>
-                  <a:ext uri="{FF2B5EF4-FFF2-40B4-BE49-F238E27FC236}">
-                    <a16:creationId xmlns:a16="http://schemas.microsoft.com/office/drawing/2014/main" id="{285356AC-E888-411B-B748-E96B25A540F9}"/>
-                  </a:ext>
-                </a:extLst>
-              </p:cNvPr>
-              <p:cNvSpPr>
-                <a:spLocks noRot="1" noChangeAspect="1" noMove="1" noResize="1" noEditPoints="1" noAdjustHandles="1" noChangeArrowheads="1" noChangeShapeType="1" noTextEdit="1"/>
-              </p:cNvSpPr>
-              <p:nvPr/>
-            </p:nvSpPr>
-            <p:spPr>
-              <a:xfrm>
-                <a:off x="3131840" y="1988840"/>
-                <a:ext cx="720080" cy="432048"/>
-              </a:xfrm>
-              <a:prstGeom prst="rect">
-                <a:avLst/>
-              </a:prstGeom>
-              <a:blipFill>
-                <a:blip r:embed="rId5"/>
                 <a:stretch>
                   <a:fillRect/>
                 </a:stretch>
@@ -3810,7 +3334,6 @@
           <p:cNvCxnSpPr>
             <a:cxnSpLocks/>
             <a:stCxn id="4" idx="3"/>
-            <a:endCxn id="5" idx="1"/>
           </p:cNvCxnSpPr>
           <p:nvPr/>
         </p:nvCxnSpPr>
@@ -3849,55 +3372,6 @@
       </p:cxnSp>
       <p:cxnSp>
         <p:nvCxnSpPr>
-          <p:cNvPr id="17" name="Connecteur droit 16">
-            <a:extLst>
-              <a:ext uri="{FF2B5EF4-FFF2-40B4-BE49-F238E27FC236}">
-                <a16:creationId xmlns:a16="http://schemas.microsoft.com/office/drawing/2014/main" id="{888DE36D-898B-4E37-AF46-3EB0586AB989}"/>
-              </a:ext>
-            </a:extLst>
-          </p:cNvPr>
-          <p:cNvCxnSpPr>
-            <a:cxnSpLocks/>
-            <a:stCxn id="5" idx="3"/>
-            <a:endCxn id="7" idx="1"/>
-          </p:cNvCxnSpPr>
-          <p:nvPr/>
-        </p:nvCxnSpPr>
-        <p:spPr>
-          <a:xfrm>
-            <a:off x="3851920" y="1516264"/>
-            <a:ext cx="720082" cy="0"/>
-          </a:xfrm>
-          <a:prstGeom prst="line">
-            <a:avLst/>
-          </a:prstGeom>
-          <a:noFill/>
-          <a:ln w="12700">
-            <a:solidFill>
-              <a:schemeClr val="tx1"/>
-            </a:solidFill>
-            <a:tailEnd type="stealth" w="med" len="lg"/>
-          </a:ln>
-        </p:spPr>
-        <p:style>
-          <a:lnRef idx="2">
-            <a:schemeClr val="accent1">
-              <a:shade val="50000"/>
-            </a:schemeClr>
-          </a:lnRef>
-          <a:fillRef idx="1">
-            <a:schemeClr val="accent1"/>
-          </a:fillRef>
-          <a:effectRef idx="0">
-            <a:schemeClr val="accent1"/>
-          </a:effectRef>
-          <a:fontRef idx="minor">
-            <a:schemeClr val="lt1"/>
-          </a:fontRef>
-        </p:style>
-      </p:cxnSp>
-      <p:cxnSp>
-        <p:nvCxnSpPr>
           <p:cNvPr id="20" name="Connecteur droit 19">
             <a:extLst>
               <a:ext uri="{FF2B5EF4-FFF2-40B4-BE49-F238E27FC236}">
@@ -3912,8 +3386,8 @@
         </p:nvCxnSpPr>
         <p:spPr>
           <a:xfrm>
-            <a:off x="5292080" y="1516264"/>
-            <a:ext cx="720082" cy="0"/>
+            <a:off x="3270905" y="756737"/>
+            <a:ext cx="0" cy="620035"/>
           </a:xfrm>
           <a:prstGeom prst="line">
             <a:avLst/>
@@ -4040,54 +3514,6 @@
       </p:cxnSp>
       <p:cxnSp>
         <p:nvCxnSpPr>
-          <p:cNvPr id="23" name="Connecteur droit 22">
-            <a:extLst>
-              <a:ext uri="{FF2B5EF4-FFF2-40B4-BE49-F238E27FC236}">
-                <a16:creationId xmlns:a16="http://schemas.microsoft.com/office/drawing/2014/main" id="{86DC8E8B-CB3B-45B8-8ADD-61CB904D45D9}"/>
-              </a:ext>
-            </a:extLst>
-          </p:cNvPr>
-          <p:cNvCxnSpPr>
-            <a:cxnSpLocks/>
-            <a:endCxn id="8" idx="3"/>
-          </p:cNvCxnSpPr>
-          <p:nvPr/>
-        </p:nvCxnSpPr>
-        <p:spPr>
-          <a:xfrm flipH="1">
-            <a:off x="3851920" y="2204864"/>
-            <a:ext cx="1692188" cy="0"/>
-          </a:xfrm>
-          <a:prstGeom prst="line">
-            <a:avLst/>
-          </a:prstGeom>
-          <a:noFill/>
-          <a:ln w="12700">
-            <a:solidFill>
-              <a:schemeClr val="tx1"/>
-            </a:solidFill>
-            <a:tailEnd type="stealth" w="med" len="lg"/>
-          </a:ln>
-        </p:spPr>
-        <p:style>
-          <a:lnRef idx="2">
-            <a:schemeClr val="accent1">
-              <a:shade val="50000"/>
-            </a:schemeClr>
-          </a:lnRef>
-          <a:fillRef idx="1">
-            <a:schemeClr val="accent1"/>
-          </a:fillRef>
-          <a:effectRef idx="0">
-            <a:schemeClr val="accent1"/>
-          </a:effectRef>
-          <a:fontRef idx="minor">
-            <a:schemeClr val="lt1"/>
-          </a:fontRef>
-        </p:style>
-      </p:cxnSp>
-      <p:cxnSp>
-        <p:nvCxnSpPr>
           <p:cNvPr id="28" name="Connecteur droit 27">
             <a:extLst>
               <a:ext uri="{FF2B5EF4-FFF2-40B4-BE49-F238E27FC236}">
@@ -4097,14 +3523,13 @@
           </p:cNvPr>
           <p:cNvCxnSpPr>
             <a:cxnSpLocks/>
-            <a:stCxn id="8" idx="1"/>
           </p:cNvCxnSpPr>
           <p:nvPr/>
         </p:nvCxnSpPr>
         <p:spPr>
           <a:xfrm flipH="1">
-            <a:off x="1111090" y="2204864"/>
-            <a:ext cx="2020750" cy="0"/>
+            <a:off x="2882252" y="758728"/>
+            <a:ext cx="406814" cy="0"/>
           </a:xfrm>
           <a:prstGeom prst="line">
             <a:avLst/>
@@ -4150,7 +3575,7 @@
         </p:nvCxnSpPr>
         <p:spPr>
           <a:xfrm flipV="1">
-            <a:off x="5544108" y="1516264"/>
+            <a:off x="4932040" y="1516264"/>
             <a:ext cx="0" cy="688600"/>
           </a:xfrm>
           <a:prstGeom prst="line">
@@ -4198,7 +3623,7 @@
             <p:spPr>
               <a:xfrm>
                 <a:off x="251516" y="1239265"/>
-                <a:ext cx="545406" cy="276999"/>
+                <a:ext cx="607923" cy="276999"/>
               </a:xfrm>
               <a:prstGeom prst="rect">
                 <a:avLst/>
@@ -4217,12 +3642,31 @@
                       <m:jc m:val="centerGroup"/>
                     </m:oMathParaPr>
                     <m:oMath xmlns:m="http://schemas.openxmlformats.org/officeDocument/2006/math">
-                      <m:r>
-                        <a:rPr lang="fr-FR" sz="1200" b="0" i="1" smtClean="0">
-                          <a:latin typeface="Cambria Math" panose="02040503050406030204" pitchFamily="18" charset="0"/>
-                        </a:rPr>
-                        <m:t>𝑈</m:t>
-                      </m:r>
+                      <m:sSub>
+                        <m:sSubPr>
+                          <m:ctrlPr>
+                            <a:rPr lang="fr-FR" sz="1200" b="0" i="1" smtClean="0">
+                              <a:latin typeface="Cambria Math" panose="02040503050406030204" pitchFamily="18" charset="0"/>
+                            </a:rPr>
+                          </m:ctrlPr>
+                        </m:sSubPr>
+                        <m:e>
+                          <m:r>
+                            <a:rPr lang="fr-FR" sz="1200" b="0" i="1" smtClean="0">
+                              <a:latin typeface="Cambria Math" panose="02040503050406030204" pitchFamily="18" charset="0"/>
+                            </a:rPr>
+                            <m:t>𝑋</m:t>
+                          </m:r>
+                        </m:e>
+                        <m:sub>
+                          <m:r>
+                            <a:rPr lang="fr-FR" sz="1200" b="0" i="1" smtClean="0">
+                              <a:latin typeface="Cambria Math" panose="02040503050406030204" pitchFamily="18" charset="0"/>
+                            </a:rPr>
+                            <m:t>𝐶</m:t>
+                          </m:r>
+                        </m:sub>
+                      </m:sSub>
                       <m:r>
                         <a:rPr lang="fr-FR" sz="1200" b="0" i="1" smtClean="0">
                           <a:latin typeface="Cambria Math" panose="02040503050406030204" pitchFamily="18" charset="0"/>
@@ -4267,13 +3711,13 @@
             <p:spPr>
               <a:xfrm>
                 <a:off x="251516" y="1239265"/>
-                <a:ext cx="545406" cy="276999"/>
+                <a:ext cx="607923" cy="276999"/>
               </a:xfrm>
               <a:prstGeom prst="rect">
                 <a:avLst/>
               </a:prstGeom>
               <a:blipFill>
-                <a:blip r:embed="rId6"/>
+                <a:blip r:embed="rId3"/>
                 <a:stretch>
                   <a:fillRect b="-6522"/>
                 </a:stretch>
@@ -4310,8 +3754,8 @@
             </p:nvSpPr>
             <p:spPr>
               <a:xfrm>
-                <a:off x="5544108" y="1161740"/>
-                <a:ext cx="654923" cy="276999"/>
+                <a:off x="4753388" y="1243789"/>
+                <a:ext cx="539763" cy="276999"/>
               </a:xfrm>
               <a:prstGeom prst="rect">
                 <a:avLst/>
@@ -4330,34 +3774,12 @@
                       <m:jc m:val="centerGroup"/>
                     </m:oMathParaPr>
                     <m:oMath xmlns:m="http://schemas.openxmlformats.org/officeDocument/2006/math">
-                      <m:sSub>
-                        <m:sSubPr>
-                          <m:ctrlPr>
-                            <a:rPr lang="fr-FR" sz="1200" b="0" i="1" smtClean="0">
-                              <a:latin typeface="Cambria Math" panose="02040503050406030204" pitchFamily="18" charset="0"/>
-                            </a:rPr>
-                          </m:ctrlPr>
-                        </m:sSubPr>
-                        <m:e>
-                          <m:r>
-                            <m:rPr>
-                              <m:sty m:val="p"/>
-                            </m:rPr>
-                            <a:rPr lang="fr-FR" sz="1200" b="0" i="0" smtClean="0">
-                              <a:latin typeface="Cambria Math" panose="02040503050406030204" pitchFamily="18" charset="0"/>
-                            </a:rPr>
-                            <m:t>Ω</m:t>
-                          </m:r>
-                        </m:e>
-                        <m:sub>
-                          <m:r>
-                            <a:rPr lang="fr-FR" sz="1200" b="0" i="1" smtClean="0">
-                              <a:latin typeface="Cambria Math" panose="02040503050406030204" pitchFamily="18" charset="0"/>
-                            </a:rPr>
-                            <m:t>𝑚</m:t>
-                          </m:r>
-                        </m:sub>
-                      </m:sSub>
+                      <m:r>
+                        <a:rPr lang="fr-FR" sz="1200" b="0" i="1" smtClean="0">
+                          <a:latin typeface="Cambria Math" panose="02040503050406030204" pitchFamily="18" charset="0"/>
+                        </a:rPr>
+                        <m:t>𝑋</m:t>
+                      </m:r>
                       <m:r>
                         <a:rPr lang="fr-FR" sz="1200" b="0" i="1" smtClean="0">
                           <a:latin typeface="Cambria Math" panose="02040503050406030204" pitchFamily="18" charset="0"/>
@@ -4401,374 +3823,16 @@
             </p:nvSpPr>
             <p:spPr>
               <a:xfrm>
-                <a:off x="5544108" y="1161740"/>
-                <a:ext cx="654923" cy="276999"/>
+                <a:off x="4753388" y="1243789"/>
+                <a:ext cx="539763" cy="276999"/>
               </a:xfrm>
               <a:prstGeom prst="rect">
                 <a:avLst/>
               </a:prstGeom>
               <a:blipFill>
-                <a:blip r:embed="rId7"/>
+                <a:blip r:embed="rId4"/>
                 <a:stretch>
                   <a:fillRect b="-8889"/>
-                </a:stretch>
-              </a:blipFill>
-            </p:spPr>
-            <p:txBody>
-              <a:bodyPr/>
-              <a:lstStyle/>
-              <a:p>
-                <a:r>
-                  <a:rPr lang="fr-FR">
-                    <a:noFill/>
-                  </a:rPr>
-                  <a:t> </a:t>
-                </a:r>
-              </a:p>
-            </p:txBody>
-          </p:sp>
-        </mc:Fallback>
-      </mc:AlternateContent>
-      <mc:AlternateContent xmlns:mc="http://schemas.openxmlformats.org/markup-compatibility/2006" xmlns:a14="http://schemas.microsoft.com/office/drawing/2010/main">
-        <mc:Choice Requires="a14">
-          <p:sp>
-            <p:nvSpPr>
-              <p:cNvPr id="37" name="Rectangle 36">
-                <a:extLst>
-                  <a:ext uri="{FF2B5EF4-FFF2-40B4-BE49-F238E27FC236}">
-                    <a16:creationId xmlns:a16="http://schemas.microsoft.com/office/drawing/2014/main" id="{60CF3D4A-5EE8-4917-965C-A099BC22BABB}"/>
-                  </a:ext>
-                </a:extLst>
-              </p:cNvPr>
-              <p:cNvSpPr/>
-              <p:nvPr/>
-            </p:nvSpPr>
-            <p:spPr>
-              <a:xfrm>
-                <a:off x="2522212" y="1208778"/>
-                <a:ext cx="499176" cy="276999"/>
-              </a:xfrm>
-              <a:prstGeom prst="rect">
-                <a:avLst/>
-              </a:prstGeom>
-            </p:spPr>
-            <p:txBody>
-              <a:bodyPr wrap="none">
-                <a:spAutoFit/>
-              </a:bodyPr>
-              <a:lstStyle/>
-              <a:p>
-                <a:pPr/>
-                <a14:m>
-                  <m:oMathPara xmlns:m="http://schemas.openxmlformats.org/officeDocument/2006/math">
-                    <m:oMathParaPr>
-                      <m:jc m:val="centerGroup"/>
-                    </m:oMathParaPr>
-                    <m:oMath xmlns:m="http://schemas.openxmlformats.org/officeDocument/2006/math">
-                      <m:r>
-                        <a:rPr lang="fr-FR" sz="1200" b="0" i="1" smtClean="0">
-                          <a:latin typeface="Cambria Math" panose="02040503050406030204" pitchFamily="18" charset="0"/>
-                        </a:rPr>
-                        <m:t>𝐼</m:t>
-                      </m:r>
-                      <m:r>
-                        <a:rPr lang="fr-FR" sz="1200" b="0" i="1" smtClean="0">
-                          <a:latin typeface="Cambria Math" panose="02040503050406030204" pitchFamily="18" charset="0"/>
-                        </a:rPr>
-                        <m:t>(</m:t>
-                      </m:r>
-                      <m:r>
-                        <a:rPr lang="fr-FR" sz="1200" b="0" i="1" smtClean="0">
-                          <a:latin typeface="Cambria Math" panose="02040503050406030204" pitchFamily="18" charset="0"/>
-                        </a:rPr>
-                        <m:t>𝑝</m:t>
-                      </m:r>
-                      <m:r>
-                        <a:rPr lang="fr-FR" sz="1200" b="0" i="1" smtClean="0">
-                          <a:latin typeface="Cambria Math" panose="02040503050406030204" pitchFamily="18" charset="0"/>
-                        </a:rPr>
-                        <m:t>)</m:t>
-                      </m:r>
-                    </m:oMath>
-                  </m:oMathPara>
-                </a14:m>
-                <a:endParaRPr lang="fr-FR" sz="1200" dirty="0"/>
-              </a:p>
-            </p:txBody>
-          </p:sp>
-        </mc:Choice>
-        <mc:Fallback xmlns="">
-          <p:sp>
-            <p:nvSpPr>
-              <p:cNvPr id="37" name="Rectangle 36">
-                <a:extLst>
-                  <a:ext uri="{FF2B5EF4-FFF2-40B4-BE49-F238E27FC236}">
-                    <a16:creationId xmlns:a16="http://schemas.microsoft.com/office/drawing/2014/main" id="{60CF3D4A-5EE8-4917-965C-A099BC22BABB}"/>
-                  </a:ext>
-                </a:extLst>
-              </p:cNvPr>
-              <p:cNvSpPr>
-                <a:spLocks noRot="1" noChangeAspect="1" noMove="1" noResize="1" noEditPoints="1" noAdjustHandles="1" noChangeArrowheads="1" noChangeShapeType="1" noTextEdit="1"/>
-              </p:cNvSpPr>
-              <p:nvPr/>
-            </p:nvSpPr>
-            <p:spPr>
-              <a:xfrm>
-                <a:off x="2522212" y="1208778"/>
-                <a:ext cx="499176" cy="276999"/>
-              </a:xfrm>
-              <a:prstGeom prst="rect">
-                <a:avLst/>
-              </a:prstGeom>
-              <a:blipFill>
-                <a:blip r:embed="rId8"/>
-                <a:stretch>
-                  <a:fillRect b="-6522"/>
-                </a:stretch>
-              </a:blipFill>
-            </p:spPr>
-            <p:txBody>
-              <a:bodyPr/>
-              <a:lstStyle/>
-              <a:p>
-                <a:r>
-                  <a:rPr lang="fr-FR">
-                    <a:noFill/>
-                  </a:rPr>
-                  <a:t> </a:t>
-                </a:r>
-              </a:p>
-            </p:txBody>
-          </p:sp>
-        </mc:Fallback>
-      </mc:AlternateContent>
-      <mc:AlternateContent xmlns:mc="http://schemas.openxmlformats.org/markup-compatibility/2006" xmlns:a14="http://schemas.microsoft.com/office/drawing/2010/main">
-        <mc:Choice Requires="a14">
-          <p:sp>
-            <p:nvSpPr>
-              <p:cNvPr id="38" name="Rectangle 37">
-                <a:extLst>
-                  <a:ext uri="{FF2B5EF4-FFF2-40B4-BE49-F238E27FC236}">
-                    <a16:creationId xmlns:a16="http://schemas.microsoft.com/office/drawing/2014/main" id="{8EA1DFE6-A9C9-476F-83AD-F13AFE70FEBD}"/>
-                  </a:ext>
-                </a:extLst>
-              </p:cNvPr>
-              <p:cNvSpPr/>
-              <p:nvPr/>
-            </p:nvSpPr>
-            <p:spPr>
-              <a:xfrm>
-                <a:off x="3895431" y="1223542"/>
-                <a:ext cx="633058" cy="276999"/>
-              </a:xfrm>
-              <a:prstGeom prst="rect">
-                <a:avLst/>
-              </a:prstGeom>
-            </p:spPr>
-            <p:txBody>
-              <a:bodyPr wrap="none">
-                <a:spAutoFit/>
-              </a:bodyPr>
-              <a:lstStyle/>
-              <a:p>
-                <a:pPr/>
-                <a14:m>
-                  <m:oMathPara xmlns:m="http://schemas.openxmlformats.org/officeDocument/2006/math">
-                    <m:oMathParaPr>
-                      <m:jc m:val="centerGroup"/>
-                    </m:oMathParaPr>
-                    <m:oMath xmlns:m="http://schemas.openxmlformats.org/officeDocument/2006/math">
-                      <m:sSub>
-                        <m:sSubPr>
-                          <m:ctrlPr>
-                            <a:rPr lang="fr-FR" sz="1200" b="0" i="1" smtClean="0">
-                              <a:latin typeface="Cambria Math" panose="02040503050406030204" pitchFamily="18" charset="0"/>
-                            </a:rPr>
-                          </m:ctrlPr>
-                        </m:sSubPr>
-                        <m:e>
-                          <m:r>
-                            <a:rPr lang="fr-FR" sz="1200" b="0" i="1" smtClean="0">
-                              <a:latin typeface="Cambria Math" panose="02040503050406030204" pitchFamily="18" charset="0"/>
-                            </a:rPr>
-                            <m:t>𝐶</m:t>
-                          </m:r>
-                        </m:e>
-                        <m:sub>
-                          <m:r>
-                            <a:rPr lang="fr-FR" sz="1200" b="0" i="1" smtClean="0">
-                              <a:latin typeface="Cambria Math" panose="02040503050406030204" pitchFamily="18" charset="0"/>
-                            </a:rPr>
-                            <m:t>𝑚</m:t>
-                          </m:r>
-                        </m:sub>
-                      </m:sSub>
-                      <m:r>
-                        <a:rPr lang="fr-FR" sz="1200" b="0" i="1" smtClean="0">
-                          <a:latin typeface="Cambria Math" panose="02040503050406030204" pitchFamily="18" charset="0"/>
-                        </a:rPr>
-                        <m:t>(</m:t>
-                      </m:r>
-                      <m:r>
-                        <a:rPr lang="fr-FR" sz="1200" b="0" i="1" smtClean="0">
-                          <a:latin typeface="Cambria Math" panose="02040503050406030204" pitchFamily="18" charset="0"/>
-                        </a:rPr>
-                        <m:t>𝑝</m:t>
-                      </m:r>
-                      <m:r>
-                        <a:rPr lang="fr-FR" sz="1200" b="0" i="1" smtClean="0">
-                          <a:latin typeface="Cambria Math" panose="02040503050406030204" pitchFamily="18" charset="0"/>
-                        </a:rPr>
-                        <m:t>)</m:t>
-                      </m:r>
-                    </m:oMath>
-                  </m:oMathPara>
-                </a14:m>
-                <a:endParaRPr lang="fr-FR" sz="1200" dirty="0"/>
-              </a:p>
-            </p:txBody>
-          </p:sp>
-        </mc:Choice>
-        <mc:Fallback xmlns="">
-          <p:sp>
-            <p:nvSpPr>
-              <p:cNvPr id="38" name="Rectangle 37">
-                <a:extLst>
-                  <a:ext uri="{FF2B5EF4-FFF2-40B4-BE49-F238E27FC236}">
-                    <a16:creationId xmlns:a16="http://schemas.microsoft.com/office/drawing/2014/main" id="{8EA1DFE6-A9C9-476F-83AD-F13AFE70FEBD}"/>
-                  </a:ext>
-                </a:extLst>
-              </p:cNvPr>
-              <p:cNvSpPr>
-                <a:spLocks noRot="1" noChangeAspect="1" noMove="1" noResize="1" noEditPoints="1" noAdjustHandles="1" noChangeArrowheads="1" noChangeShapeType="1" noTextEdit="1"/>
-              </p:cNvSpPr>
-              <p:nvPr/>
-            </p:nvSpPr>
-            <p:spPr>
-              <a:xfrm>
-                <a:off x="3895431" y="1223542"/>
-                <a:ext cx="633058" cy="276999"/>
-              </a:xfrm>
-              <a:prstGeom prst="rect">
-                <a:avLst/>
-              </a:prstGeom>
-              <a:blipFill>
-                <a:blip r:embed="rId9"/>
-                <a:stretch>
-                  <a:fillRect b="-8889"/>
-                </a:stretch>
-              </a:blipFill>
-            </p:spPr>
-            <p:txBody>
-              <a:bodyPr/>
-              <a:lstStyle/>
-              <a:p>
-                <a:r>
-                  <a:rPr lang="fr-FR">
-                    <a:noFill/>
-                  </a:rPr>
-                  <a:t> </a:t>
-                </a:r>
-              </a:p>
-            </p:txBody>
-          </p:sp>
-        </mc:Fallback>
-      </mc:AlternateContent>
-      <mc:AlternateContent xmlns:mc="http://schemas.openxmlformats.org/markup-compatibility/2006" xmlns:a14="http://schemas.microsoft.com/office/drawing/2010/main">
-        <mc:Choice Requires="a14">
-          <p:sp>
-            <p:nvSpPr>
-              <p:cNvPr id="39" name="Rectangle 38">
-                <a:extLst>
-                  <a:ext uri="{FF2B5EF4-FFF2-40B4-BE49-F238E27FC236}">
-                    <a16:creationId xmlns:a16="http://schemas.microsoft.com/office/drawing/2014/main" id="{D9F696E6-4117-4B56-A7BA-4E5AB62EF939}"/>
-                  </a:ext>
-                </a:extLst>
-              </p:cNvPr>
-              <p:cNvSpPr/>
-              <p:nvPr/>
-            </p:nvSpPr>
-            <p:spPr>
-              <a:xfrm>
-                <a:off x="1079424" y="1860114"/>
-                <a:ext cx="538802" cy="276999"/>
-              </a:xfrm>
-              <a:prstGeom prst="rect">
-                <a:avLst/>
-              </a:prstGeom>
-            </p:spPr>
-            <p:txBody>
-              <a:bodyPr wrap="none">
-                <a:spAutoFit/>
-              </a:bodyPr>
-              <a:lstStyle/>
-              <a:p>
-                <a:pPr/>
-                <a14:m>
-                  <m:oMathPara xmlns:m="http://schemas.openxmlformats.org/officeDocument/2006/math">
-                    <m:oMathParaPr>
-                      <m:jc m:val="centerGroup"/>
-                    </m:oMathParaPr>
-                    <m:oMath xmlns:m="http://schemas.openxmlformats.org/officeDocument/2006/math">
-                      <m:r>
-                        <a:rPr lang="fr-FR" sz="1200" b="0" i="1" smtClean="0">
-                          <a:latin typeface="Cambria Math" panose="02040503050406030204" pitchFamily="18" charset="0"/>
-                        </a:rPr>
-                        <m:t>𝐸</m:t>
-                      </m:r>
-                      <m:r>
-                        <a:rPr lang="fr-FR" sz="1200" b="0" i="1" smtClean="0">
-                          <a:latin typeface="Cambria Math" panose="02040503050406030204" pitchFamily="18" charset="0"/>
-                        </a:rPr>
-                        <m:t>(</m:t>
-                      </m:r>
-                      <m:r>
-                        <a:rPr lang="fr-FR" sz="1200" b="0" i="1" smtClean="0">
-                          <a:latin typeface="Cambria Math" panose="02040503050406030204" pitchFamily="18" charset="0"/>
-                        </a:rPr>
-                        <m:t>𝑝</m:t>
-                      </m:r>
-                      <m:r>
-                        <a:rPr lang="fr-FR" sz="1200" b="0" i="1" smtClean="0">
-                          <a:latin typeface="Cambria Math" panose="02040503050406030204" pitchFamily="18" charset="0"/>
-                        </a:rPr>
-                        <m:t>)</m:t>
-                      </m:r>
-                    </m:oMath>
-                  </m:oMathPara>
-                </a14:m>
-                <a:endParaRPr lang="fr-FR" sz="1200" dirty="0"/>
-              </a:p>
-            </p:txBody>
-          </p:sp>
-        </mc:Choice>
-        <mc:Fallback xmlns="">
-          <p:sp>
-            <p:nvSpPr>
-              <p:cNvPr id="39" name="Rectangle 38">
-                <a:extLst>
-                  <a:ext uri="{FF2B5EF4-FFF2-40B4-BE49-F238E27FC236}">
-                    <a16:creationId xmlns:a16="http://schemas.microsoft.com/office/drawing/2014/main" id="{D9F696E6-4117-4B56-A7BA-4E5AB62EF939}"/>
-                  </a:ext>
-                </a:extLst>
-              </p:cNvPr>
-              <p:cNvSpPr>
-                <a:spLocks noRot="1" noChangeAspect="1" noMove="1" noResize="1" noEditPoints="1" noAdjustHandles="1" noChangeArrowheads="1" noChangeShapeType="1" noTextEdit="1"/>
-              </p:cNvSpPr>
-              <p:nvPr/>
-            </p:nvSpPr>
-            <p:spPr>
-              <a:xfrm>
-                <a:off x="1079424" y="1860114"/>
-                <a:ext cx="538802" cy="276999"/>
-              </a:xfrm>
-              <a:prstGeom prst="rect">
-                <a:avLst/>
-              </a:prstGeom>
-              <a:blipFill>
-                <a:blip r:embed="rId10"/>
-                <a:stretch>
-                  <a:fillRect b="-6522"/>
                 </a:stretch>
               </a:blipFill>
             </p:spPr>
@@ -4861,7 +3925,7 @@
                 <a:avLst/>
               </a:prstGeom>
               <a:blipFill>
-                <a:blip r:embed="rId11"/>
+                <a:blip r:embed="rId9"/>
                 <a:stretch>
                   <a:fillRect/>
                 </a:stretch>
@@ -4956,9 +4020,1020 @@
                 <a:avLst/>
               </a:prstGeom>
               <a:blipFill>
+                <a:blip r:embed="rId10"/>
+                <a:stretch>
+                  <a:fillRect/>
+                </a:stretch>
+              </a:blipFill>
+            </p:spPr>
+            <p:txBody>
+              <a:bodyPr/>
+              <a:lstStyle/>
+              <a:p>
+                <a:r>
+                  <a:rPr lang="fr-FR">
+                    <a:noFill/>
+                  </a:rPr>
+                  <a:t> </a:t>
+                </a:r>
+              </a:p>
+            </p:txBody>
+          </p:sp>
+        </mc:Fallback>
+      </mc:AlternateContent>
+      <p:grpSp>
+        <p:nvGrpSpPr>
+          <p:cNvPr id="3" name="Groupe 2">
+            <a:extLst>
+              <a:ext uri="{FF2B5EF4-FFF2-40B4-BE49-F238E27FC236}">
+                <a16:creationId xmlns:a16="http://schemas.microsoft.com/office/drawing/2014/main" id="{E0A39516-DF36-44AB-A6CC-EA140474639E}"/>
+              </a:ext>
+            </a:extLst>
+          </p:cNvPr>
+          <p:cNvGrpSpPr/>
+          <p:nvPr/>
+        </p:nvGrpSpPr>
+        <p:grpSpPr>
+          <a:xfrm>
+            <a:off x="2998542" y="1314924"/>
+            <a:ext cx="455938" cy="340832"/>
+            <a:chOff x="3092266" y="1314924"/>
+            <a:chExt cx="455938" cy="340832"/>
+          </a:xfrm>
+        </p:grpSpPr>
+        <p:sp>
+          <p:nvSpPr>
+            <p:cNvPr id="27" name="Organigramme : Jonction de sommaire 26">
+              <a:extLst>
+                <a:ext uri="{FF2B5EF4-FFF2-40B4-BE49-F238E27FC236}">
+                  <a16:creationId xmlns:a16="http://schemas.microsoft.com/office/drawing/2014/main" id="{D7FB2663-EB5B-416D-AB43-CDC351CBD37B}"/>
+                </a:ext>
+              </a:extLst>
+            </p:cNvPr>
+            <p:cNvSpPr/>
+            <p:nvPr/>
+          </p:nvSpPr>
+          <p:spPr>
+            <a:xfrm>
+              <a:off x="3228147" y="1376772"/>
+              <a:ext cx="278984" cy="278984"/>
+            </a:xfrm>
+            <a:prstGeom prst="flowChartSummingJunction">
+              <a:avLst/>
+            </a:prstGeom>
+            <a:noFill/>
+            <a:ln w="12700">
+              <a:solidFill>
+                <a:schemeClr val="tx1"/>
+              </a:solidFill>
+            </a:ln>
+          </p:spPr>
+          <p:style>
+            <a:lnRef idx="2">
+              <a:schemeClr val="accent1">
+                <a:shade val="50000"/>
+              </a:schemeClr>
+            </a:lnRef>
+            <a:fillRef idx="1">
+              <a:schemeClr val="accent1"/>
+            </a:fillRef>
+            <a:effectRef idx="0">
+              <a:schemeClr val="accent1"/>
+            </a:effectRef>
+            <a:fontRef idx="minor">
+              <a:schemeClr val="lt1"/>
+            </a:fontRef>
+          </p:style>
+          <p:txBody>
+            <a:bodyPr rot="0" spcFirstLastPara="0" vertOverflow="overflow" horzOverflow="overflow" vert="horz" wrap="square" lIns="91440" tIns="45720" rIns="91440" bIns="45720" numCol="1" spcCol="0" rtlCol="0" fromWordArt="0" anchor="ctr" anchorCtr="0" forceAA="0" compatLnSpc="1">
+              <a:prstTxWarp prst="textNoShape">
+                <a:avLst/>
+              </a:prstTxWarp>
+              <a:noAutofit/>
+            </a:bodyPr>
+            <a:lstStyle/>
+            <a:p>
+              <a:pPr algn="ctr"/>
+              <a:endParaRPr lang="fr-FR" sz="1200" i="1" dirty="0">
+                <a:solidFill>
+                  <a:schemeClr val="tx1"/>
+                </a:solidFill>
+                <a:latin typeface="Cambria Math" panose="02040503050406030204" pitchFamily="18" charset="0"/>
+              </a:endParaRPr>
+            </a:p>
+          </p:txBody>
+        </p:sp>
+        <mc:AlternateContent xmlns:mc="http://schemas.openxmlformats.org/markup-compatibility/2006" xmlns:a14="http://schemas.microsoft.com/office/drawing/2010/main">
+          <mc:Choice Requires="a14">
+            <p:sp>
+              <p:nvSpPr>
+                <p:cNvPr id="29" name="Rectangle 28">
+                  <a:extLst>
+                    <a:ext uri="{FF2B5EF4-FFF2-40B4-BE49-F238E27FC236}">
+                      <a16:creationId xmlns:a16="http://schemas.microsoft.com/office/drawing/2014/main" id="{4D69D863-1CA5-46D5-ACCF-330C0FBA0EE0}"/>
+                    </a:ext>
+                  </a:extLst>
+                </p:cNvPr>
+                <p:cNvSpPr/>
+                <p:nvPr/>
+              </p:nvSpPr>
+              <p:spPr>
+                <a:xfrm flipV="1">
+                  <a:off x="3092266" y="1392155"/>
+                  <a:ext cx="381935" cy="261610"/>
+                </a:xfrm>
+                <a:prstGeom prst="rect">
+                  <a:avLst/>
+                </a:prstGeom>
+              </p:spPr>
+              <p:txBody>
+                <a:bodyPr wrap="square">
+                  <a:spAutoFit/>
+                </a:bodyPr>
+                <a:lstStyle/>
+                <a:p>
+                  <a:pPr/>
+                  <a14:m>
+                    <m:oMathPara xmlns:m="http://schemas.openxmlformats.org/officeDocument/2006/math">
+                      <m:oMathParaPr>
+                        <m:jc m:val="centerGroup"/>
+                      </m:oMathParaPr>
+                      <m:oMath xmlns:m="http://schemas.openxmlformats.org/officeDocument/2006/math">
+                        <m:r>
+                          <a:rPr lang="fr-FR" sz="1050" b="1" i="0" smtClean="0">
+                            <a:latin typeface="Cambria Math" panose="02040503050406030204" pitchFamily="18" charset="0"/>
+                          </a:rPr>
+                          <m:t>+</m:t>
+                        </m:r>
+                      </m:oMath>
+                    </m:oMathPara>
+                  </a14:m>
+                  <a:endParaRPr lang="fr-FR" sz="1050" b="1" dirty="0"/>
+                </a:p>
+              </p:txBody>
+            </p:sp>
+          </mc:Choice>
+          <mc:Fallback xmlns="">
+            <p:sp>
+              <p:nvSpPr>
+                <p:cNvPr id="29" name="Rectangle 28">
+                  <a:extLst>
+                    <a:ext uri="{FF2B5EF4-FFF2-40B4-BE49-F238E27FC236}">
+                      <a16:creationId xmlns:a16="http://schemas.microsoft.com/office/drawing/2014/main" id="{4D69D863-1CA5-46D5-ACCF-330C0FBA0EE0}"/>
+                    </a:ext>
+                  </a:extLst>
+                </p:cNvPr>
+                <p:cNvSpPr>
+                  <a:spLocks noRot="1" noChangeAspect="1" noMove="1" noResize="1" noEditPoints="1" noAdjustHandles="1" noChangeArrowheads="1" noChangeShapeType="1" noTextEdit="1"/>
+                </p:cNvSpPr>
+                <p:nvPr/>
+              </p:nvSpPr>
+              <p:spPr>
+                <a:xfrm flipV="1">
+                  <a:off x="3092266" y="1392155"/>
+                  <a:ext cx="381935" cy="261610"/>
+                </a:xfrm>
+                <a:prstGeom prst="rect">
+                  <a:avLst/>
+                </a:prstGeom>
+                <a:blipFill>
+                  <a:blip r:embed="rId9"/>
+                  <a:stretch>
+                    <a:fillRect/>
+                  </a:stretch>
+                </a:blipFill>
+              </p:spPr>
+              <p:txBody>
+                <a:bodyPr/>
+                <a:lstStyle/>
+                <a:p>
+                  <a:r>
+                    <a:rPr lang="fr-FR">
+                      <a:noFill/>
+                    </a:rPr>
+                    <a:t> </a:t>
+                  </a:r>
+                </a:p>
+              </p:txBody>
+            </p:sp>
+          </mc:Fallback>
+        </mc:AlternateContent>
+        <mc:AlternateContent xmlns:mc="http://schemas.openxmlformats.org/markup-compatibility/2006" xmlns:a14="http://schemas.microsoft.com/office/drawing/2010/main">
+          <mc:Choice Requires="a14">
+            <p:sp>
+              <p:nvSpPr>
+                <p:cNvPr id="30" name="Rectangle 29">
+                  <a:extLst>
+                    <a:ext uri="{FF2B5EF4-FFF2-40B4-BE49-F238E27FC236}">
+                      <a16:creationId xmlns:a16="http://schemas.microsoft.com/office/drawing/2014/main" id="{EAD92100-6804-4D4A-A2BC-A3F5B29E13E8}"/>
+                    </a:ext>
+                  </a:extLst>
+                </p:cNvPr>
+                <p:cNvSpPr/>
+                <p:nvPr/>
+              </p:nvSpPr>
+              <p:spPr>
+                <a:xfrm flipH="1">
+                  <a:off x="3217377" y="1314924"/>
+                  <a:ext cx="330827" cy="253916"/>
+                </a:xfrm>
+                <a:prstGeom prst="rect">
+                  <a:avLst/>
+                </a:prstGeom>
+              </p:spPr>
+              <p:txBody>
+                <a:bodyPr wrap="square">
+                  <a:spAutoFit/>
+                </a:bodyPr>
+                <a:lstStyle/>
+                <a:p>
+                  <a:pPr/>
+                  <a14:m>
+                    <m:oMathPara xmlns:m="http://schemas.openxmlformats.org/officeDocument/2006/math">
+                      <m:oMathParaPr>
+                        <m:jc m:val="centerGroup"/>
+                      </m:oMathParaPr>
+                      <m:oMath xmlns:m="http://schemas.openxmlformats.org/officeDocument/2006/math">
+                        <m:r>
+                          <a:rPr lang="fr-FR" sz="1050" b="1" i="0" smtClean="0">
+                            <a:latin typeface="Cambria Math" panose="02040503050406030204" pitchFamily="18" charset="0"/>
+                          </a:rPr>
+                          <m:t>−</m:t>
+                        </m:r>
+                      </m:oMath>
+                    </m:oMathPara>
+                  </a14:m>
+                  <a:endParaRPr lang="fr-FR" sz="1050" b="1" dirty="0"/>
+                </a:p>
+              </p:txBody>
+            </p:sp>
+          </mc:Choice>
+          <mc:Fallback xmlns="">
+            <p:sp>
+              <p:nvSpPr>
+                <p:cNvPr id="30" name="Rectangle 29">
+                  <a:extLst>
+                    <a:ext uri="{FF2B5EF4-FFF2-40B4-BE49-F238E27FC236}">
+                      <a16:creationId xmlns:a16="http://schemas.microsoft.com/office/drawing/2014/main" id="{EAD92100-6804-4D4A-A2BC-A3F5B29E13E8}"/>
+                    </a:ext>
+                  </a:extLst>
+                </p:cNvPr>
+                <p:cNvSpPr>
+                  <a:spLocks noRot="1" noChangeAspect="1" noMove="1" noResize="1" noEditPoints="1" noAdjustHandles="1" noChangeArrowheads="1" noChangeShapeType="1" noTextEdit="1"/>
+                </p:cNvSpPr>
+                <p:nvPr/>
+              </p:nvSpPr>
+              <p:spPr>
+                <a:xfrm flipH="1">
+                  <a:off x="3217377" y="1314924"/>
+                  <a:ext cx="330827" cy="253916"/>
+                </a:xfrm>
+                <a:prstGeom prst="rect">
+                  <a:avLst/>
+                </a:prstGeom>
+                <a:blipFill>
+                  <a:blip r:embed="rId10"/>
+                  <a:stretch>
+                    <a:fillRect/>
+                  </a:stretch>
+                </a:blipFill>
+              </p:spPr>
+              <p:txBody>
+                <a:bodyPr/>
+                <a:lstStyle/>
+                <a:p>
+                  <a:r>
+                    <a:rPr lang="fr-FR">
+                      <a:noFill/>
+                    </a:rPr>
+                    <a:t> </a:t>
+                  </a:r>
+                </a:p>
+              </p:txBody>
+            </p:sp>
+          </mc:Fallback>
+        </mc:AlternateContent>
+      </p:grpSp>
+      <mc:AlternateContent xmlns:mc="http://schemas.openxmlformats.org/markup-compatibility/2006" xmlns:a14="http://schemas.microsoft.com/office/drawing/2010/main">
+        <mc:Choice Requires="a14">
+          <p:sp>
+            <p:nvSpPr>
+              <p:cNvPr id="31" name="Rectangle 30">
+                <a:extLst>
+                  <a:ext uri="{FF2B5EF4-FFF2-40B4-BE49-F238E27FC236}">
+                    <a16:creationId xmlns:a16="http://schemas.microsoft.com/office/drawing/2014/main" id="{97CFF5E6-2396-428B-9AD6-EA75AB2AC765}"/>
+                  </a:ext>
+                </a:extLst>
+              </p:cNvPr>
+              <p:cNvSpPr/>
+              <p:nvPr/>
+            </p:nvSpPr>
+            <p:spPr>
+              <a:xfrm>
+                <a:off x="3843133" y="1304764"/>
+                <a:ext cx="903543" cy="432048"/>
+              </a:xfrm>
+              <a:prstGeom prst="rect">
+                <a:avLst/>
+              </a:prstGeom>
+              <a:noFill/>
+              <a:ln w="12700">
+                <a:solidFill>
+                  <a:schemeClr val="tx1"/>
+                </a:solidFill>
+              </a:ln>
+            </p:spPr>
+            <p:style>
+              <a:lnRef idx="2">
+                <a:schemeClr val="accent1">
+                  <a:shade val="50000"/>
+                </a:schemeClr>
+              </a:lnRef>
+              <a:fillRef idx="1">
+                <a:schemeClr val="accent1"/>
+              </a:fillRef>
+              <a:effectRef idx="0">
+                <a:schemeClr val="accent1"/>
+              </a:effectRef>
+              <a:fontRef idx="minor">
+                <a:schemeClr val="lt1"/>
+              </a:fontRef>
+            </p:style>
+            <p:txBody>
+              <a:bodyPr rtlCol="0" anchor="ctr"/>
+              <a:lstStyle/>
+              <a:p>
+                <a:pPr algn="ctr"/>
+                <a14:m>
+                  <m:oMathPara xmlns:m="http://schemas.openxmlformats.org/officeDocument/2006/math">
+                    <m:oMathParaPr>
+                      <m:jc m:val="centerGroup"/>
+                    </m:oMathParaPr>
+                    <m:oMath xmlns:m="http://schemas.openxmlformats.org/officeDocument/2006/math">
+                      <m:f>
+                        <m:fPr>
+                          <m:ctrlPr>
+                            <a:rPr lang="fr-FR" sz="1200" b="0" i="1" smtClean="0">
+                              <a:solidFill>
+                                <a:schemeClr val="tx1"/>
+                              </a:solidFill>
+                              <a:latin typeface="Cambria Math" panose="02040503050406030204" pitchFamily="18" charset="0"/>
+                            </a:rPr>
+                          </m:ctrlPr>
+                        </m:fPr>
+                        <m:num>
+                          <m:r>
+                            <a:rPr lang="fr-FR" sz="1200" b="0" i="1" smtClean="0">
+                              <a:solidFill>
+                                <a:schemeClr val="tx1"/>
+                              </a:solidFill>
+                              <a:latin typeface="Cambria Math" panose="02040503050406030204" pitchFamily="18" charset="0"/>
+                            </a:rPr>
+                            <m:t>𝐴</m:t>
+                          </m:r>
+                        </m:num>
+                        <m:den>
+                          <m:r>
+                            <a:rPr lang="fr-FR" sz="1200" b="0" i="1" smtClean="0">
+                              <a:solidFill>
+                                <a:schemeClr val="tx1"/>
+                              </a:solidFill>
+                              <a:latin typeface="Cambria Math" panose="02040503050406030204" pitchFamily="18" charset="0"/>
+                            </a:rPr>
+                            <m:t>𝑝</m:t>
+                          </m:r>
+                          <m:d>
+                            <m:dPr>
+                              <m:ctrlPr>
+                                <a:rPr lang="fr-FR" sz="1200" b="0" i="1" smtClean="0">
+                                  <a:solidFill>
+                                    <a:schemeClr val="tx1"/>
+                                  </a:solidFill>
+                                  <a:latin typeface="Cambria Math" panose="02040503050406030204" pitchFamily="18" charset="0"/>
+                                </a:rPr>
+                              </m:ctrlPr>
+                            </m:dPr>
+                            <m:e>
+                              <m:r>
+                                <a:rPr lang="fr-FR" sz="1200" b="0" i="1" smtClean="0">
+                                  <a:solidFill>
+                                    <a:schemeClr val="tx1"/>
+                                  </a:solidFill>
+                                  <a:latin typeface="Cambria Math" panose="02040503050406030204" pitchFamily="18" charset="0"/>
+                                </a:rPr>
+                                <m:t>𝐵𝑝</m:t>
+                              </m:r>
+                              <m:r>
+                                <a:rPr lang="fr-FR" sz="1200" b="0" i="1" smtClean="0">
+                                  <a:solidFill>
+                                    <a:schemeClr val="tx1"/>
+                                  </a:solidFill>
+                                  <a:latin typeface="Cambria Math" panose="02040503050406030204" pitchFamily="18" charset="0"/>
+                                </a:rPr>
+                                <m:t>+1</m:t>
+                              </m:r>
+                            </m:e>
+                          </m:d>
+                        </m:den>
+                      </m:f>
+                    </m:oMath>
+                  </m:oMathPara>
+                </a14:m>
+                <a:endParaRPr lang="fr-FR" sz="1200" dirty="0"/>
+              </a:p>
+            </p:txBody>
+          </p:sp>
+        </mc:Choice>
+        <mc:Fallback xmlns="">
+          <p:sp>
+            <p:nvSpPr>
+              <p:cNvPr id="31" name="Rectangle 30">
+                <a:extLst>
+                  <a:ext uri="{FF2B5EF4-FFF2-40B4-BE49-F238E27FC236}">
+                    <a16:creationId xmlns:a16="http://schemas.microsoft.com/office/drawing/2014/main" id="{97CFF5E6-2396-428B-9AD6-EA75AB2AC765}"/>
+                  </a:ext>
+                </a:extLst>
+              </p:cNvPr>
+              <p:cNvSpPr>
+                <a:spLocks noRot="1" noChangeAspect="1" noMove="1" noResize="1" noEditPoints="1" noAdjustHandles="1" noChangeArrowheads="1" noChangeShapeType="1" noTextEdit="1"/>
+              </p:cNvSpPr>
+              <p:nvPr/>
+            </p:nvSpPr>
+            <p:spPr>
+              <a:xfrm>
+                <a:off x="3843133" y="1304764"/>
+                <a:ext cx="903543" cy="432048"/>
+              </a:xfrm>
+              <a:prstGeom prst="rect">
+                <a:avLst/>
+              </a:prstGeom>
+              <a:blipFill>
+                <a:blip r:embed="rId11"/>
+                <a:stretch>
+                  <a:fillRect b="-6849"/>
+                </a:stretch>
+              </a:blipFill>
+              <a:ln w="12700">
+                <a:solidFill>
+                  <a:schemeClr val="tx1"/>
+                </a:solidFill>
+              </a:ln>
+            </p:spPr>
+            <p:txBody>
+              <a:bodyPr/>
+              <a:lstStyle/>
+              <a:p>
+                <a:r>
+                  <a:rPr lang="fr-FR">
+                    <a:noFill/>
+                  </a:rPr>
+                  <a:t> </a:t>
+                </a:r>
+              </a:p>
+            </p:txBody>
+          </p:sp>
+        </mc:Fallback>
+      </mc:AlternateContent>
+      <p:cxnSp>
+        <p:nvCxnSpPr>
+          <p:cNvPr id="33" name="Connecteur droit 32">
+            <a:extLst>
+              <a:ext uri="{FF2B5EF4-FFF2-40B4-BE49-F238E27FC236}">
+                <a16:creationId xmlns:a16="http://schemas.microsoft.com/office/drawing/2014/main" id="{BA10C32B-9139-4EEA-975E-09BBECF388A0}"/>
+              </a:ext>
+            </a:extLst>
+          </p:cNvPr>
+          <p:cNvCxnSpPr>
+            <a:cxnSpLocks/>
+            <a:endCxn id="31" idx="1"/>
+          </p:cNvCxnSpPr>
+          <p:nvPr/>
+        </p:nvCxnSpPr>
+        <p:spPr>
+          <a:xfrm>
+            <a:off x="3402036" y="1516264"/>
+            <a:ext cx="441097" cy="4524"/>
+          </a:xfrm>
+          <a:prstGeom prst="line">
+            <a:avLst/>
+          </a:prstGeom>
+          <a:noFill/>
+          <a:ln w="12700">
+            <a:solidFill>
+              <a:schemeClr val="tx1"/>
+            </a:solidFill>
+            <a:tailEnd type="stealth" w="med" len="lg"/>
+          </a:ln>
+        </p:spPr>
+        <p:style>
+          <a:lnRef idx="2">
+            <a:schemeClr val="accent1">
+              <a:shade val="50000"/>
+            </a:schemeClr>
+          </a:lnRef>
+          <a:fillRef idx="1">
+            <a:schemeClr val="accent1"/>
+          </a:fillRef>
+          <a:effectRef idx="0">
+            <a:schemeClr val="accent1"/>
+          </a:effectRef>
+          <a:fontRef idx="minor">
+            <a:schemeClr val="lt1"/>
+          </a:fontRef>
+        </p:style>
+      </p:cxnSp>
+      <p:cxnSp>
+        <p:nvCxnSpPr>
+          <p:cNvPr id="34" name="Connecteur droit 33">
+            <a:extLst>
+              <a:ext uri="{FF2B5EF4-FFF2-40B4-BE49-F238E27FC236}">
+                <a16:creationId xmlns:a16="http://schemas.microsoft.com/office/drawing/2014/main" id="{EE745AFE-97F2-4B4A-9C3C-D223F5515245}"/>
+              </a:ext>
+            </a:extLst>
+          </p:cNvPr>
+          <p:cNvCxnSpPr>
+            <a:cxnSpLocks/>
+            <a:stCxn id="31" idx="3"/>
+          </p:cNvCxnSpPr>
+          <p:nvPr/>
+        </p:nvCxnSpPr>
+        <p:spPr>
+          <a:xfrm flipV="1">
+            <a:off x="4746676" y="1516264"/>
+            <a:ext cx="536618" cy="4524"/>
+          </a:xfrm>
+          <a:prstGeom prst="line">
+            <a:avLst/>
+          </a:prstGeom>
+          <a:noFill/>
+          <a:ln w="12700">
+            <a:solidFill>
+              <a:schemeClr val="tx1"/>
+            </a:solidFill>
+            <a:tailEnd type="stealth" w="med" len="lg"/>
+          </a:ln>
+        </p:spPr>
+        <p:style>
+          <a:lnRef idx="2">
+            <a:schemeClr val="accent1">
+              <a:shade val="50000"/>
+            </a:schemeClr>
+          </a:lnRef>
+          <a:fillRef idx="1">
+            <a:schemeClr val="accent1"/>
+          </a:fillRef>
+          <a:effectRef idx="0">
+            <a:schemeClr val="accent1"/>
+          </a:effectRef>
+          <a:fontRef idx="minor">
+            <a:schemeClr val="lt1"/>
+          </a:fontRef>
+        </p:style>
+      </p:cxnSp>
+      <mc:AlternateContent xmlns:mc="http://schemas.openxmlformats.org/markup-compatibility/2006" xmlns:a14="http://schemas.microsoft.com/office/drawing/2010/main">
+        <mc:Choice Requires="a14">
+          <p:sp>
+            <p:nvSpPr>
+              <p:cNvPr id="42" name="Rectangle 41">
+                <a:extLst>
+                  <a:ext uri="{FF2B5EF4-FFF2-40B4-BE49-F238E27FC236}">
+                    <a16:creationId xmlns:a16="http://schemas.microsoft.com/office/drawing/2014/main" id="{EA0F0763-73C1-4477-8039-92ED1634B697}"/>
+                  </a:ext>
+                </a:extLst>
+              </p:cNvPr>
+              <p:cNvSpPr/>
+              <p:nvPr/>
+            </p:nvSpPr>
+            <p:spPr>
+              <a:xfrm>
+                <a:off x="2162172" y="542704"/>
+                <a:ext cx="720080" cy="432048"/>
+              </a:xfrm>
+              <a:prstGeom prst="rect">
+                <a:avLst/>
+              </a:prstGeom>
+              <a:noFill/>
+              <a:ln w="12700">
+                <a:solidFill>
+                  <a:schemeClr val="tx1"/>
+                </a:solidFill>
+              </a:ln>
+            </p:spPr>
+            <p:style>
+              <a:lnRef idx="2">
+                <a:schemeClr val="accent1">
+                  <a:shade val="50000"/>
+                </a:schemeClr>
+              </a:lnRef>
+              <a:fillRef idx="1">
+                <a:schemeClr val="accent1"/>
+              </a:fillRef>
+              <a:effectRef idx="0">
+                <a:schemeClr val="accent1"/>
+              </a:effectRef>
+              <a:fontRef idx="minor">
+                <a:schemeClr val="lt1"/>
+              </a:fontRef>
+            </p:style>
+            <p:txBody>
+              <a:bodyPr rtlCol="0" anchor="ctr"/>
+              <a:lstStyle/>
+              <a:p>
+                <a:pPr algn="ctr"/>
+                <a14:m>
+                  <m:oMathPara xmlns:m="http://schemas.openxmlformats.org/officeDocument/2006/math">
+                    <m:oMathParaPr>
+                      <m:jc m:val="centerGroup"/>
+                    </m:oMathParaPr>
+                    <m:oMath xmlns:m="http://schemas.openxmlformats.org/officeDocument/2006/math">
+                      <m:r>
+                        <a:rPr lang="fr-FR" sz="1200" b="0" i="1" smtClean="0">
+                          <a:solidFill>
+                            <a:schemeClr val="tx1"/>
+                          </a:solidFill>
+                          <a:latin typeface="Cambria Math" panose="02040503050406030204" pitchFamily="18" charset="0"/>
+                        </a:rPr>
+                        <m:t>𝐷</m:t>
+                      </m:r>
+                    </m:oMath>
+                  </m:oMathPara>
+                </a14:m>
+                <a:endParaRPr lang="fr-FR" sz="1200" dirty="0"/>
+              </a:p>
+            </p:txBody>
+          </p:sp>
+        </mc:Choice>
+        <mc:Fallback xmlns="">
+          <p:sp>
+            <p:nvSpPr>
+              <p:cNvPr id="42" name="Rectangle 41">
+                <a:extLst>
+                  <a:ext uri="{FF2B5EF4-FFF2-40B4-BE49-F238E27FC236}">
+                    <a16:creationId xmlns:a16="http://schemas.microsoft.com/office/drawing/2014/main" id="{EA0F0763-73C1-4477-8039-92ED1634B697}"/>
+                  </a:ext>
+                </a:extLst>
+              </p:cNvPr>
+              <p:cNvSpPr>
+                <a:spLocks noRot="1" noChangeAspect="1" noMove="1" noResize="1" noEditPoints="1" noAdjustHandles="1" noChangeArrowheads="1" noChangeShapeType="1" noTextEdit="1"/>
+              </p:cNvSpPr>
+              <p:nvPr/>
+            </p:nvSpPr>
+            <p:spPr>
+              <a:xfrm>
+                <a:off x="2162172" y="542704"/>
+                <a:ext cx="720080" cy="432048"/>
+              </a:xfrm>
+              <a:prstGeom prst="rect">
+                <a:avLst/>
+              </a:prstGeom>
+              <a:blipFill>
                 <a:blip r:embed="rId12"/>
                 <a:stretch>
                   <a:fillRect/>
+                </a:stretch>
+              </a:blipFill>
+              <a:ln w="12700">
+                <a:solidFill>
+                  <a:schemeClr val="tx1"/>
+                </a:solidFill>
+              </a:ln>
+            </p:spPr>
+            <p:txBody>
+              <a:bodyPr/>
+              <a:lstStyle/>
+              <a:p>
+                <a:r>
+                  <a:rPr lang="fr-FR">
+                    <a:noFill/>
+                  </a:rPr>
+                  <a:t> </a:t>
+                </a:r>
+              </a:p>
+            </p:txBody>
+          </p:sp>
+        </mc:Fallback>
+      </mc:AlternateContent>
+      <p:cxnSp>
+        <p:nvCxnSpPr>
+          <p:cNvPr id="43" name="Connecteur droit 42">
+            <a:extLst>
+              <a:ext uri="{FF2B5EF4-FFF2-40B4-BE49-F238E27FC236}">
+                <a16:creationId xmlns:a16="http://schemas.microsoft.com/office/drawing/2014/main" id="{6AC69CED-3416-4DF9-87CA-04879AA19A74}"/>
+              </a:ext>
+            </a:extLst>
+          </p:cNvPr>
+          <p:cNvCxnSpPr>
+            <a:cxnSpLocks/>
+          </p:cNvCxnSpPr>
+          <p:nvPr/>
+        </p:nvCxnSpPr>
+        <p:spPr>
+          <a:xfrm flipH="1">
+            <a:off x="1105922" y="2204864"/>
+            <a:ext cx="3826118" cy="0"/>
+          </a:xfrm>
+          <a:prstGeom prst="line">
+            <a:avLst/>
+          </a:prstGeom>
+          <a:noFill/>
+          <a:ln w="12700">
+            <a:solidFill>
+              <a:schemeClr val="tx1"/>
+            </a:solidFill>
+            <a:tailEnd type="none" w="med" len="lg"/>
+          </a:ln>
+        </p:spPr>
+        <p:style>
+          <a:lnRef idx="2">
+            <a:schemeClr val="accent1">
+              <a:shade val="50000"/>
+            </a:schemeClr>
+          </a:lnRef>
+          <a:fillRef idx="1">
+            <a:schemeClr val="accent1"/>
+          </a:fillRef>
+          <a:effectRef idx="0">
+            <a:schemeClr val="accent1"/>
+          </a:effectRef>
+          <a:fontRef idx="minor">
+            <a:schemeClr val="lt1"/>
+          </a:fontRef>
+        </p:style>
+      </p:cxnSp>
+      <p:cxnSp>
+        <p:nvCxnSpPr>
+          <p:cNvPr id="44" name="Connecteur droit 43">
+            <a:extLst>
+              <a:ext uri="{FF2B5EF4-FFF2-40B4-BE49-F238E27FC236}">
+                <a16:creationId xmlns:a16="http://schemas.microsoft.com/office/drawing/2014/main" id="{BCE568D2-2B8F-4A43-8E75-0297D6E88095}"/>
+              </a:ext>
+            </a:extLst>
+          </p:cNvPr>
+          <p:cNvCxnSpPr>
+            <a:cxnSpLocks/>
+          </p:cNvCxnSpPr>
+          <p:nvPr/>
+        </p:nvCxnSpPr>
+        <p:spPr>
+          <a:xfrm>
+            <a:off x="1721074" y="756737"/>
+            <a:ext cx="441098" cy="0"/>
+          </a:xfrm>
+          <a:prstGeom prst="line">
+            <a:avLst/>
+          </a:prstGeom>
+          <a:noFill/>
+          <a:ln w="12700">
+            <a:solidFill>
+              <a:schemeClr val="tx1"/>
+            </a:solidFill>
+            <a:tailEnd type="stealth" w="med" len="lg"/>
+          </a:ln>
+        </p:spPr>
+        <p:style>
+          <a:lnRef idx="2">
+            <a:schemeClr val="accent1">
+              <a:shade val="50000"/>
+            </a:schemeClr>
+          </a:lnRef>
+          <a:fillRef idx="1">
+            <a:schemeClr val="accent1"/>
+          </a:fillRef>
+          <a:effectRef idx="0">
+            <a:schemeClr val="accent1"/>
+          </a:effectRef>
+          <a:fontRef idx="minor">
+            <a:schemeClr val="lt1"/>
+          </a:fontRef>
+        </p:style>
+      </p:cxnSp>
+      <mc:AlternateContent xmlns:mc="http://schemas.openxmlformats.org/markup-compatibility/2006" xmlns:a14="http://schemas.microsoft.com/office/drawing/2010/main">
+        <mc:Choice Requires="a14">
+          <p:sp>
+            <p:nvSpPr>
+              <p:cNvPr id="45" name="Rectangle 44">
+                <a:extLst>
+                  <a:ext uri="{FF2B5EF4-FFF2-40B4-BE49-F238E27FC236}">
+                    <a16:creationId xmlns:a16="http://schemas.microsoft.com/office/drawing/2014/main" id="{2AF37964-7740-4EEB-A117-81E017558517}"/>
+                  </a:ext>
+                </a:extLst>
+              </p:cNvPr>
+              <p:cNvSpPr/>
+              <p:nvPr/>
+            </p:nvSpPr>
+            <p:spPr>
+              <a:xfrm>
+                <a:off x="1146539" y="549673"/>
+                <a:ext cx="537198" cy="276999"/>
+              </a:xfrm>
+              <a:prstGeom prst="rect">
+                <a:avLst/>
+              </a:prstGeom>
+            </p:spPr>
+            <p:txBody>
+              <a:bodyPr wrap="none">
+                <a:spAutoFit/>
+              </a:bodyPr>
+              <a:lstStyle/>
+              <a:p>
+                <a:pPr/>
+                <a14:m>
+                  <m:oMathPara xmlns:m="http://schemas.openxmlformats.org/officeDocument/2006/math">
+                    <m:oMathParaPr>
+                      <m:jc m:val="centerGroup"/>
+                    </m:oMathParaPr>
+                    <m:oMath xmlns:m="http://schemas.openxmlformats.org/officeDocument/2006/math">
+                      <m:r>
+                        <a:rPr lang="fr-FR" sz="1200" b="0" i="1" smtClean="0">
+                          <a:latin typeface="Cambria Math" panose="02040503050406030204" pitchFamily="18" charset="0"/>
+                        </a:rPr>
+                        <m:t>𝐹</m:t>
+                      </m:r>
+                      <m:r>
+                        <a:rPr lang="fr-FR" sz="1200" b="0" i="1" smtClean="0">
+                          <a:latin typeface="Cambria Math" panose="02040503050406030204" pitchFamily="18" charset="0"/>
+                        </a:rPr>
+                        <m:t>(</m:t>
+                      </m:r>
+                      <m:r>
+                        <a:rPr lang="fr-FR" sz="1200" b="0" i="1" smtClean="0">
+                          <a:latin typeface="Cambria Math" panose="02040503050406030204" pitchFamily="18" charset="0"/>
+                        </a:rPr>
+                        <m:t>𝑝</m:t>
+                      </m:r>
+                      <m:r>
+                        <a:rPr lang="fr-FR" sz="1200" b="0" i="1" smtClean="0">
+                          <a:latin typeface="Cambria Math" panose="02040503050406030204" pitchFamily="18" charset="0"/>
+                        </a:rPr>
+                        <m:t>)</m:t>
+                      </m:r>
+                    </m:oMath>
+                  </m:oMathPara>
+                </a14:m>
+                <a:endParaRPr lang="fr-FR" sz="1200" dirty="0"/>
+              </a:p>
+            </p:txBody>
+          </p:sp>
+        </mc:Choice>
+        <mc:Fallback xmlns="">
+          <p:sp>
+            <p:nvSpPr>
+              <p:cNvPr id="45" name="Rectangle 44">
+                <a:extLst>
+                  <a:ext uri="{FF2B5EF4-FFF2-40B4-BE49-F238E27FC236}">
+                    <a16:creationId xmlns:a16="http://schemas.microsoft.com/office/drawing/2014/main" id="{2AF37964-7740-4EEB-A117-81E017558517}"/>
+                  </a:ext>
+                </a:extLst>
+              </p:cNvPr>
+              <p:cNvSpPr>
+                <a:spLocks noRot="1" noChangeAspect="1" noMove="1" noResize="1" noEditPoints="1" noAdjustHandles="1" noChangeArrowheads="1" noChangeShapeType="1" noTextEdit="1"/>
+              </p:cNvSpPr>
+              <p:nvPr/>
+            </p:nvSpPr>
+            <p:spPr>
+              <a:xfrm>
+                <a:off x="1146539" y="549673"/>
+                <a:ext cx="537198" cy="276999"/>
+              </a:xfrm>
+              <a:prstGeom prst="rect">
+                <a:avLst/>
+              </a:prstGeom>
+              <a:blipFill>
+                <a:blip r:embed="rId13"/>
+                <a:stretch>
+                  <a:fillRect b="-6522"/>
+                </a:stretch>
+              </a:blipFill>
+            </p:spPr>
+            <p:txBody>
+              <a:bodyPr/>
+              <a:lstStyle/>
+              <a:p>
+                <a:r>
+                  <a:rPr lang="fr-FR">
+                    <a:noFill/>
+                  </a:rPr>
+                  <a:t> </a:t>
+                </a:r>
+              </a:p>
+            </p:txBody>
+          </p:sp>
+        </mc:Fallback>
+      </mc:AlternateContent>
+      <mc:AlternateContent xmlns:mc="http://schemas.openxmlformats.org/markup-compatibility/2006">
+        <mc:Choice xmlns:a14="http://schemas.microsoft.com/office/drawing/2010/main" Requires="a14">
+          <p:sp>
+            <p:nvSpPr>
+              <p:cNvPr id="38" name="Rectangle 37">
+                <a:extLst>
+                  <a:ext uri="{FF2B5EF4-FFF2-40B4-BE49-F238E27FC236}">
+                    <a16:creationId xmlns:a16="http://schemas.microsoft.com/office/drawing/2014/main" id="{6B4F00DE-6840-41A3-9FC2-46A3B32BB97B}"/>
+                  </a:ext>
+                </a:extLst>
+              </p:cNvPr>
+              <p:cNvSpPr/>
+              <p:nvPr/>
+            </p:nvSpPr>
+            <p:spPr>
+              <a:xfrm>
+                <a:off x="1163207" y="1215745"/>
+                <a:ext cx="579581" cy="276999"/>
+              </a:xfrm>
+              <a:prstGeom prst="rect">
+                <a:avLst/>
+              </a:prstGeom>
+            </p:spPr>
+            <p:txBody>
+              <a:bodyPr wrap="none">
+                <a:spAutoFit/>
+              </a:bodyPr>
+              <a:lstStyle/>
+              <a:p>
+                <a:pPr/>
+                <a14:m>
+                  <m:oMathPara xmlns:m="http://schemas.openxmlformats.org/officeDocument/2006/math">
+                    <m:oMathParaPr>
+                      <m:jc m:val="centerGroup"/>
+                    </m:oMathParaPr>
+                    <m:oMath xmlns:m="http://schemas.openxmlformats.org/officeDocument/2006/math">
+                      <m:sSub>
+                        <m:sSubPr>
+                          <m:ctrlPr>
+                            <a:rPr lang="fr-FR" sz="1200" b="0" i="1" smtClean="0">
+                              <a:latin typeface="Cambria Math" panose="02040503050406030204" pitchFamily="18" charset="0"/>
+                            </a:rPr>
+                          </m:ctrlPr>
+                        </m:sSubPr>
+                        <m:e>
+                          <m:r>
+                            <a:rPr lang="fr-FR" sz="1200" b="0" i="1" smtClean="0">
+                              <a:latin typeface="Cambria Math" panose="02040503050406030204" pitchFamily="18" charset="0"/>
+                            </a:rPr>
+                            <m:t>𝜀</m:t>
+                          </m:r>
+                        </m:e>
+                        <m:sub>
+                          <m:r>
+                            <a:rPr lang="fr-FR" sz="1200" b="0" i="1" smtClean="0">
+                              <a:latin typeface="Cambria Math" panose="02040503050406030204" pitchFamily="18" charset="0"/>
+                            </a:rPr>
+                            <m:t>𝑥</m:t>
+                          </m:r>
+                        </m:sub>
+                      </m:sSub>
+                      <m:r>
+                        <a:rPr lang="fr-FR" sz="1200" b="0" i="1" smtClean="0">
+                          <a:latin typeface="Cambria Math" panose="02040503050406030204" pitchFamily="18" charset="0"/>
+                        </a:rPr>
+                        <m:t>(</m:t>
+                      </m:r>
+                      <m:r>
+                        <a:rPr lang="fr-FR" sz="1200" b="0" i="1" smtClean="0">
+                          <a:latin typeface="Cambria Math" panose="02040503050406030204" pitchFamily="18" charset="0"/>
+                        </a:rPr>
+                        <m:t>𝑝</m:t>
+                      </m:r>
+                      <m:r>
+                        <a:rPr lang="fr-FR" sz="1200" b="0" i="1" smtClean="0">
+                          <a:latin typeface="Cambria Math" panose="02040503050406030204" pitchFamily="18" charset="0"/>
+                        </a:rPr>
+                        <m:t>)</m:t>
+                      </m:r>
+                    </m:oMath>
+                  </m:oMathPara>
+                </a14:m>
+                <a:endParaRPr lang="fr-FR" sz="1200" dirty="0"/>
+              </a:p>
+            </p:txBody>
+          </p:sp>
+        </mc:Choice>
+        <mc:Fallback>
+          <p:sp>
+            <p:nvSpPr>
+              <p:cNvPr id="38" name="Rectangle 37">
+                <a:extLst>
+                  <a:ext uri="{FF2B5EF4-FFF2-40B4-BE49-F238E27FC236}">
+                    <a16:creationId xmlns:a16="http://schemas.microsoft.com/office/drawing/2014/main" id="{6B4F00DE-6840-41A3-9FC2-46A3B32BB97B}"/>
+                  </a:ext>
+                </a:extLst>
+              </p:cNvPr>
+              <p:cNvSpPr>
+                <a:spLocks noRot="1" noChangeAspect="1" noMove="1" noResize="1" noEditPoints="1" noAdjustHandles="1" noChangeArrowheads="1" noChangeShapeType="1" noTextEdit="1"/>
+              </p:cNvSpPr>
+              <p:nvPr/>
+            </p:nvSpPr>
+            <p:spPr>
+              <a:xfrm>
+                <a:off x="1163207" y="1215745"/>
+                <a:ext cx="579581" cy="276999"/>
+              </a:xfrm>
+              <a:prstGeom prst="rect">
+                <a:avLst/>
+              </a:prstGeom>
+              <a:blipFill>
+                <a:blip r:embed="rId14"/>
+                <a:stretch>
+                  <a:fillRect b="-6522"/>
                 </a:stretch>
               </a:blipFill>
             </p:spPr>
@@ -8242,8 +8317,8 @@
           </p:sp>
         </mc:Fallback>
       </mc:AlternateContent>
-      <mc:AlternateContent xmlns:mc="http://schemas.openxmlformats.org/markup-compatibility/2006">
-        <mc:Choice xmlns:a14="http://schemas.microsoft.com/office/drawing/2010/main" Requires="a14">
+      <mc:AlternateContent xmlns:mc="http://schemas.openxmlformats.org/markup-compatibility/2006" xmlns:a14="http://schemas.microsoft.com/office/drawing/2010/main">
+        <mc:Choice Requires="a14">
           <p:sp>
             <p:nvSpPr>
               <p:cNvPr id="37" name="Rectangle 36">
@@ -8329,7 +8404,7 @@
             </p:txBody>
           </p:sp>
         </mc:Choice>
-        <mc:Fallback>
+        <mc:Fallback xmlns="">
           <p:sp>
             <p:nvSpPr>
               <p:cNvPr id="37" name="Rectangle 36">
@@ -8726,8 +8801,8 @@
             </a:fontRef>
           </p:style>
         </p:cxnSp>
-        <mc:AlternateContent xmlns:mc="http://schemas.openxmlformats.org/markup-compatibility/2006">
-          <mc:Choice xmlns:a14="http://schemas.microsoft.com/office/drawing/2010/main" Requires="a14">
+        <mc:AlternateContent xmlns:mc="http://schemas.openxmlformats.org/markup-compatibility/2006" xmlns:a14="http://schemas.microsoft.com/office/drawing/2010/main">
+          <mc:Choice Requires="a14">
             <p:sp>
               <p:nvSpPr>
                 <p:cNvPr id="40" name="Rectangle 39">
@@ -8776,7 +8851,7 @@
               </p:txBody>
             </p:sp>
           </mc:Choice>
-          <mc:Fallback>
+          <mc:Fallback xmlns="">
             <p:sp>
               <p:nvSpPr>
                 <p:cNvPr id="40" name="Rectangle 39">
@@ -8821,8 +8896,8 @@
             </p:sp>
           </mc:Fallback>
         </mc:AlternateContent>
-        <mc:AlternateContent xmlns:mc="http://schemas.openxmlformats.org/markup-compatibility/2006">
-          <mc:Choice xmlns:a14="http://schemas.microsoft.com/office/drawing/2010/main" Requires="a14">
+        <mc:AlternateContent xmlns:mc="http://schemas.openxmlformats.org/markup-compatibility/2006" xmlns:a14="http://schemas.microsoft.com/office/drawing/2010/main">
+          <mc:Choice Requires="a14">
             <p:sp>
               <p:nvSpPr>
                 <p:cNvPr id="41" name="Rectangle 40">
@@ -8871,7 +8946,7 @@
               </p:txBody>
             </p:sp>
           </mc:Choice>
-          <mc:Fallback>
+          <mc:Fallback xmlns="">
             <p:sp>
               <p:nvSpPr>
                 <p:cNvPr id="41" name="Rectangle 40">
@@ -8966,18 +9041,13 @@
           <a:p>
             <a:pPr algn="ctr"/>
             <a:r>
-              <a:rPr lang="fr-FR" sz="1200" dirty="0" smtClean="0">
+              <a:rPr lang="fr-FR" sz="1200" dirty="0">
                 <a:solidFill>
                   <a:schemeClr val="tx1"/>
                 </a:solidFill>
               </a:rPr>
               <a:t>Convertisseur CAN</a:t>
             </a:r>
-            <a:endParaRPr lang="fr-FR" sz="1200" dirty="0">
-              <a:solidFill>
-                <a:schemeClr val="tx1"/>
-              </a:solidFill>
-            </a:endParaRPr>
           </a:p>
         </p:txBody>
       </p:sp>
@@ -9077,18 +9147,13 @@
           <a:p>
             <a:pPr algn="ctr"/>
             <a:r>
-              <a:rPr lang="fr-FR" sz="1200" dirty="0" smtClean="0">
+              <a:rPr lang="fr-FR" sz="1200" dirty="0">
                 <a:solidFill>
                   <a:schemeClr val="tx1"/>
                 </a:solidFill>
               </a:rPr>
               <a:t>Correcteur</a:t>
             </a:r>
-            <a:endParaRPr lang="fr-FR" sz="1200" dirty="0">
-              <a:solidFill>
-                <a:schemeClr val="tx1"/>
-              </a:solidFill>
-            </a:endParaRPr>
           </a:p>
         </p:txBody>
       </p:sp>
@@ -9188,23 +9253,18 @@
           <a:p>
             <a:pPr algn="ctr"/>
             <a:r>
-              <a:rPr lang="fr-FR" sz="1200" dirty="0" smtClean="0">
+              <a:rPr lang="fr-FR" sz="1200" dirty="0">
                 <a:solidFill>
                   <a:schemeClr val="tx1"/>
                 </a:solidFill>
               </a:rPr>
               <a:t>Moteur</a:t>
             </a:r>
-            <a:endParaRPr lang="fr-FR" sz="1200" dirty="0">
-              <a:solidFill>
-                <a:schemeClr val="tx1"/>
-              </a:solidFill>
-            </a:endParaRPr>
           </a:p>
         </p:txBody>
       </p:sp>
-      <mc:AlternateContent xmlns:mc="http://schemas.openxmlformats.org/markup-compatibility/2006">
-        <mc:Choice xmlns:a14="http://schemas.microsoft.com/office/drawing/2010/main" Requires="a14">
+      <mc:AlternateContent xmlns:mc="http://schemas.openxmlformats.org/markup-compatibility/2006" xmlns:a14="http://schemas.microsoft.com/office/drawing/2010/main">
+        <mc:Choice Requires="a14">
           <p:sp>
             <p:nvSpPr>
               <p:cNvPr id="33" name="Rectangle 32">
@@ -9305,7 +9365,7 @@
             </p:txBody>
           </p:sp>
         </mc:Choice>
-        <mc:Fallback>
+        <mc:Fallback xmlns="">
           <p:sp>
             <p:nvSpPr>
               <p:cNvPr id="33" name="Rectangle 32">
@@ -9451,18 +9511,13 @@
           <a:p>
             <a:pPr algn="ctr"/>
             <a:r>
-              <a:rPr lang="fr-FR" sz="1200" dirty="0" smtClean="0">
+              <a:rPr lang="fr-FR" sz="1200" dirty="0">
                 <a:solidFill>
                   <a:schemeClr val="tx1"/>
                 </a:solidFill>
               </a:rPr>
               <a:t>Codeur incrémental</a:t>
             </a:r>
-            <a:endParaRPr lang="fr-FR" sz="1200" dirty="0">
-              <a:solidFill>
-                <a:schemeClr val="tx1"/>
-              </a:solidFill>
-            </a:endParaRPr>
           </a:p>
         </p:txBody>
       </p:sp>
@@ -9611,18 +9666,13 @@
           <a:p>
             <a:pPr algn="ctr"/>
             <a:r>
-              <a:rPr lang="fr-FR" sz="1200" dirty="0" smtClean="0">
+              <a:rPr lang="fr-FR" sz="1200" dirty="0">
                 <a:solidFill>
                   <a:schemeClr val="tx1"/>
                 </a:solidFill>
               </a:rPr>
               <a:t>Réducteur</a:t>
             </a:r>
-            <a:endParaRPr lang="fr-FR" sz="1200" dirty="0">
-              <a:solidFill>
-                <a:schemeClr val="tx1"/>
-              </a:solidFill>
-            </a:endParaRPr>
           </a:p>
         </p:txBody>
       </p:sp>
@@ -9722,7 +9772,7 @@
           <a:p>
             <a:pPr algn="ctr"/>
             <a:r>
-              <a:rPr lang="fr-FR" sz="1200" dirty="0" smtClean="0">
+              <a:rPr lang="fr-FR" sz="1200" dirty="0">
                 <a:solidFill>
                   <a:schemeClr val="tx1"/>
                 </a:solidFill>
@@ -9733,18 +9783,13 @@
           <a:p>
             <a:pPr algn="ctr"/>
             <a:r>
-              <a:rPr lang="fr-FR" sz="1200" dirty="0" smtClean="0">
+              <a:rPr lang="fr-FR" sz="1200" dirty="0">
                 <a:solidFill>
                   <a:schemeClr val="tx1"/>
                 </a:solidFill>
               </a:rPr>
               <a:t>Courroie</a:t>
             </a:r>
-            <a:endParaRPr lang="fr-FR" sz="1200" dirty="0">
-              <a:solidFill>
-                <a:schemeClr val="tx1"/>
-              </a:solidFill>
-            </a:endParaRPr>
           </a:p>
         </p:txBody>
       </p:sp>
@@ -9795,8 +9840,8 @@
           </a:fontRef>
         </p:style>
       </p:cxnSp>
-      <mc:AlternateContent xmlns:mc="http://schemas.openxmlformats.org/markup-compatibility/2006">
-        <mc:Choice xmlns:a14="http://schemas.microsoft.com/office/drawing/2010/main" Requires="a14">
+      <mc:AlternateContent xmlns:mc="http://schemas.openxmlformats.org/markup-compatibility/2006" xmlns:a14="http://schemas.microsoft.com/office/drawing/2010/main">
+        <mc:Choice Requires="a14">
           <p:sp>
             <p:nvSpPr>
               <p:cNvPr id="49" name="Rectangle 48">
@@ -9882,7 +9927,7 @@
             </p:txBody>
           </p:sp>
         </mc:Choice>
-        <mc:Fallback>
+        <mc:Fallback xmlns="">
           <p:sp>
             <p:nvSpPr>
               <p:cNvPr id="49" name="Rectangle 48">
@@ -9927,8 +9972,8 @@
           </p:sp>
         </mc:Fallback>
       </mc:AlternateContent>
-      <mc:AlternateContent xmlns:mc="http://schemas.openxmlformats.org/markup-compatibility/2006">
-        <mc:Choice xmlns:a14="http://schemas.microsoft.com/office/drawing/2010/main" Requires="a14">
+      <mc:AlternateContent xmlns:mc="http://schemas.openxmlformats.org/markup-compatibility/2006" xmlns:a14="http://schemas.microsoft.com/office/drawing/2010/main">
+        <mc:Choice Requires="a14">
           <p:sp>
             <p:nvSpPr>
               <p:cNvPr id="50" name="Rectangle 49">
@@ -10014,7 +10059,7 @@
             </p:txBody>
           </p:sp>
         </mc:Choice>
-        <mc:Fallback>
+        <mc:Fallback xmlns="">
           <p:sp>
             <p:nvSpPr>
               <p:cNvPr id="50" name="Rectangle 49">
@@ -10059,8 +10104,8 @@
           </p:sp>
         </mc:Fallback>
       </mc:AlternateContent>
-      <mc:AlternateContent xmlns:mc="http://schemas.openxmlformats.org/markup-compatibility/2006">
-        <mc:Choice xmlns:a14="http://schemas.microsoft.com/office/drawing/2010/main" Requires="a14">
+      <mc:AlternateContent xmlns:mc="http://schemas.openxmlformats.org/markup-compatibility/2006" xmlns:a14="http://schemas.microsoft.com/office/drawing/2010/main">
+        <mc:Choice Requires="a14">
           <p:sp>
             <p:nvSpPr>
               <p:cNvPr id="51" name="Rectangle 50">
@@ -10146,7 +10191,7 @@
             </p:txBody>
           </p:sp>
         </mc:Choice>
-        <mc:Fallback>
+        <mc:Fallback xmlns="">
           <p:sp>
             <p:nvSpPr>
               <p:cNvPr id="51" name="Rectangle 50">
@@ -10191,8 +10236,8 @@
           </p:sp>
         </mc:Fallback>
       </mc:AlternateContent>
-      <mc:AlternateContent xmlns:mc="http://schemas.openxmlformats.org/markup-compatibility/2006">
-        <mc:Choice xmlns:a14="http://schemas.microsoft.com/office/drawing/2010/main" Requires="a14">
+      <mc:AlternateContent xmlns:mc="http://schemas.openxmlformats.org/markup-compatibility/2006" xmlns:a14="http://schemas.microsoft.com/office/drawing/2010/main">
+        <mc:Choice Requires="a14">
           <p:sp>
             <p:nvSpPr>
               <p:cNvPr id="52" name="Rectangle 51">
@@ -10281,7 +10326,7 @@
             </p:txBody>
           </p:sp>
         </mc:Choice>
-        <mc:Fallback>
+        <mc:Fallback xmlns="">
           <p:sp>
             <p:nvSpPr>
               <p:cNvPr id="52" name="Rectangle 51">
@@ -10326,8 +10371,8 @@
           </p:sp>
         </mc:Fallback>
       </mc:AlternateContent>
-      <mc:AlternateContent xmlns:mc="http://schemas.openxmlformats.org/markup-compatibility/2006">
-        <mc:Choice xmlns:a14="http://schemas.microsoft.com/office/drawing/2010/main" Requires="a14">
+      <mc:AlternateContent xmlns:mc="http://schemas.openxmlformats.org/markup-compatibility/2006" xmlns:a14="http://schemas.microsoft.com/office/drawing/2010/main">
+        <mc:Choice Requires="a14">
           <p:sp>
             <p:nvSpPr>
               <p:cNvPr id="53" name="Rectangle 52">
@@ -10413,7 +10458,7 @@
             </p:txBody>
           </p:sp>
         </mc:Choice>
-        <mc:Fallback>
+        <mc:Fallback xmlns="">
           <p:sp>
             <p:nvSpPr>
               <p:cNvPr id="53" name="Rectangle 52">
@@ -10458,8 +10503,8 @@
           </p:sp>
         </mc:Fallback>
       </mc:AlternateContent>
-      <mc:AlternateContent xmlns:mc="http://schemas.openxmlformats.org/markup-compatibility/2006">
-        <mc:Choice xmlns:a14="http://schemas.microsoft.com/office/drawing/2010/main" Requires="a14">
+      <mc:AlternateContent xmlns:mc="http://schemas.openxmlformats.org/markup-compatibility/2006" xmlns:a14="http://schemas.microsoft.com/office/drawing/2010/main">
+        <mc:Choice Requires="a14">
           <p:sp>
             <p:nvSpPr>
               <p:cNvPr id="54" name="Rectangle 53">
@@ -10545,7 +10590,7 @@
             </p:txBody>
           </p:sp>
         </mc:Choice>
-        <mc:Fallback>
+        <mc:Fallback xmlns="">
           <p:sp>
             <p:nvSpPr>
               <p:cNvPr id="54" name="Rectangle 53">
@@ -10637,8 +10682,8 @@
           </a:fontRef>
         </p:style>
       </p:cxnSp>
-      <mc:AlternateContent xmlns:mc="http://schemas.openxmlformats.org/markup-compatibility/2006">
-        <mc:Choice xmlns:a14="http://schemas.microsoft.com/office/drawing/2010/main" Requires="a14">
+      <mc:AlternateContent xmlns:mc="http://schemas.openxmlformats.org/markup-compatibility/2006" xmlns:a14="http://schemas.microsoft.com/office/drawing/2010/main">
+        <mc:Choice Requires="a14">
           <p:sp>
             <p:nvSpPr>
               <p:cNvPr id="56" name="Rectangle 55">
@@ -10705,7 +10750,7 @@
             </p:txBody>
           </p:sp>
         </mc:Choice>
-        <mc:Fallback>
+        <mc:Fallback xmlns="">
           <p:sp>
             <p:nvSpPr>
               <p:cNvPr id="56" name="Rectangle 55">

--- a/Chapitre_01_Stabilite/TD_01_SysReeduc/images/Figures.pptx
+++ b/Chapitre_01_Stabilite/TD_01_SysReeduc/images/Figures.pptx
@@ -5,17 +5,18 @@
     <p:sldMasterId id="2147483648" r:id="rId1"/>
   </p:sldMasterIdLst>
   <p:sldIdLst>
-    <p:sldId id="267" r:id="rId2"/>
-    <p:sldId id="268" r:id="rId3"/>
-    <p:sldId id="256" r:id="rId4"/>
-    <p:sldId id="257" r:id="rId5"/>
-    <p:sldId id="261" r:id="rId6"/>
-    <p:sldId id="262" r:id="rId7"/>
-    <p:sldId id="259" r:id="rId8"/>
-    <p:sldId id="258" r:id="rId9"/>
-    <p:sldId id="265" r:id="rId10"/>
-    <p:sldId id="266" r:id="rId11"/>
-    <p:sldId id="263" r:id="rId12"/>
+    <p:sldId id="269" r:id="rId2"/>
+    <p:sldId id="267" r:id="rId3"/>
+    <p:sldId id="268" r:id="rId4"/>
+    <p:sldId id="256" r:id="rId5"/>
+    <p:sldId id="257" r:id="rId6"/>
+    <p:sldId id="261" r:id="rId7"/>
+    <p:sldId id="262" r:id="rId8"/>
+    <p:sldId id="259" r:id="rId9"/>
+    <p:sldId id="258" r:id="rId10"/>
+    <p:sldId id="265" r:id="rId11"/>
+    <p:sldId id="266" r:id="rId12"/>
+    <p:sldId id="263" r:id="rId13"/>
   </p:sldIdLst>
   <p:sldSz cx="9144000" cy="6858000" type="screen4x3"/>
   <p:notesSz cx="6858000" cy="9144000"/>
@@ -314,7 +315,7 @@
           <a:p>
             <a:fld id="{AA309A6D-C09C-4548-B29A-6CF363A7E532}" type="datetimeFigureOut">
               <a:rPr lang="fr-FR" smtClean="0"/>
-              <a:t>25/09/2018</a:t>
+              <a:t>28/09/2018</a:t>
             </a:fld>
             <a:endParaRPr lang="fr-BE"/>
           </a:p>
@@ -479,7 +480,7 @@
           <a:p>
             <a:fld id="{AA309A6D-C09C-4548-B29A-6CF363A7E532}" type="datetimeFigureOut">
               <a:rPr lang="fr-FR" smtClean="0"/>
-              <a:t>25/09/2018</a:t>
+              <a:t>28/09/2018</a:t>
             </a:fld>
             <a:endParaRPr lang="fr-BE"/>
           </a:p>
@@ -654,7 +655,7 @@
           <a:p>
             <a:fld id="{AA309A6D-C09C-4548-B29A-6CF363A7E532}" type="datetimeFigureOut">
               <a:rPr lang="fr-FR" smtClean="0"/>
-              <a:t>25/09/2018</a:t>
+              <a:t>28/09/2018</a:t>
             </a:fld>
             <a:endParaRPr lang="fr-BE"/>
           </a:p>
@@ -819,7 +820,7 @@
           <a:p>
             <a:fld id="{AA309A6D-C09C-4548-B29A-6CF363A7E532}" type="datetimeFigureOut">
               <a:rPr lang="fr-FR" smtClean="0"/>
-              <a:t>25/09/2018</a:t>
+              <a:t>28/09/2018</a:t>
             </a:fld>
             <a:endParaRPr lang="fr-BE"/>
           </a:p>
@@ -1060,7 +1061,7 @@
           <a:p>
             <a:fld id="{AA309A6D-C09C-4548-B29A-6CF363A7E532}" type="datetimeFigureOut">
               <a:rPr lang="fr-FR" smtClean="0"/>
-              <a:t>25/09/2018</a:t>
+              <a:t>28/09/2018</a:t>
             </a:fld>
             <a:endParaRPr lang="fr-BE"/>
           </a:p>
@@ -1343,7 +1344,7 @@
           <a:p>
             <a:fld id="{AA309A6D-C09C-4548-B29A-6CF363A7E532}" type="datetimeFigureOut">
               <a:rPr lang="fr-FR" smtClean="0"/>
-              <a:t>25/09/2018</a:t>
+              <a:t>28/09/2018</a:t>
             </a:fld>
             <a:endParaRPr lang="fr-BE"/>
           </a:p>
@@ -1760,7 +1761,7 @@
           <a:p>
             <a:fld id="{AA309A6D-C09C-4548-B29A-6CF363A7E532}" type="datetimeFigureOut">
               <a:rPr lang="fr-FR" smtClean="0"/>
-              <a:t>25/09/2018</a:t>
+              <a:t>28/09/2018</a:t>
             </a:fld>
             <a:endParaRPr lang="fr-BE"/>
           </a:p>
@@ -1873,7 +1874,7 @@
           <a:p>
             <a:fld id="{AA309A6D-C09C-4548-B29A-6CF363A7E532}" type="datetimeFigureOut">
               <a:rPr lang="fr-FR" smtClean="0"/>
-              <a:t>25/09/2018</a:t>
+              <a:t>28/09/2018</a:t>
             </a:fld>
             <a:endParaRPr lang="fr-BE"/>
           </a:p>
@@ -1963,7 +1964,7 @@
           <a:p>
             <a:fld id="{AA309A6D-C09C-4548-B29A-6CF363A7E532}" type="datetimeFigureOut">
               <a:rPr lang="fr-FR" smtClean="0"/>
-              <a:t>25/09/2018</a:t>
+              <a:t>28/09/2018</a:t>
             </a:fld>
             <a:endParaRPr lang="fr-BE"/>
           </a:p>
@@ -2235,7 +2236,7 @@
           <a:p>
             <a:fld id="{AA309A6D-C09C-4548-B29A-6CF363A7E532}" type="datetimeFigureOut">
               <a:rPr lang="fr-FR" smtClean="0"/>
-              <a:t>25/09/2018</a:t>
+              <a:t>28/09/2018</a:t>
             </a:fld>
             <a:endParaRPr lang="fr-BE"/>
           </a:p>
@@ -2483,7 +2484,7 @@
           <a:p>
             <a:fld id="{AA309A6D-C09C-4548-B29A-6CF363A7E532}" type="datetimeFigureOut">
               <a:rPr lang="fr-FR" smtClean="0"/>
-              <a:t>25/09/2018</a:t>
+              <a:t>28/09/2018</a:t>
             </a:fld>
             <a:endParaRPr lang="fr-BE"/>
           </a:p>
@@ -2691,7 +2692,7 @@
           <a:p>
             <a:fld id="{AA309A6D-C09C-4548-B29A-6CF363A7E532}" type="datetimeFigureOut">
               <a:rPr lang="fr-FR" smtClean="0"/>
-              <a:t>25/09/2018</a:t>
+              <a:t>28/09/2018</a:t>
             </a:fld>
             <a:endParaRPr lang="fr-BE"/>
           </a:p>
@@ -3045,6 +3046,3674 @@
 </file>
 
 <file path=ppt/slides/slide1.xml><?xml version="1.0" encoding="utf-8"?>
+<p:sld xmlns:a="http://schemas.openxmlformats.org/drawingml/2006/main" xmlns:r="http://schemas.openxmlformats.org/officeDocument/2006/relationships" xmlns:p="http://schemas.openxmlformats.org/presentationml/2006/main">
+  <p:cSld>
+    <p:spTree>
+      <p:nvGrpSpPr>
+        <p:cNvPr id="1" name=""/>
+        <p:cNvGrpSpPr/>
+        <p:nvPr/>
+      </p:nvGrpSpPr>
+      <p:grpSpPr>
+        <a:xfrm>
+          <a:off x="0" y="0"/>
+          <a:ext cx="0" cy="0"/>
+          <a:chOff x="0" y="0"/>
+          <a:chExt cx="0" cy="0"/>
+        </a:xfrm>
+      </p:grpSpPr>
+      <p:pic>
+        <p:nvPicPr>
+          <p:cNvPr id="5" name="Image 4">
+            <a:extLst>
+              <a:ext uri="{FF2B5EF4-FFF2-40B4-BE49-F238E27FC236}">
+                <a16:creationId xmlns:a16="http://schemas.microsoft.com/office/drawing/2014/main" id="{FDD9ADFD-7972-4756-9A0A-DF78DA016CCC}"/>
+              </a:ext>
+            </a:extLst>
+          </p:cNvPr>
+          <p:cNvPicPr>
+            <a:picLocks noChangeAspect="1"/>
+          </p:cNvPicPr>
+          <p:nvPr/>
+        </p:nvPicPr>
+        <p:blipFill>
+          <a:blip r:embed="rId2" cstate="print">
+            <a:extLst>
+              <a:ext uri="{28A0092B-C50C-407E-A947-70E740481C1C}">
+                <a14:useLocalDpi xmlns:a14="http://schemas.microsoft.com/office/drawing/2010/main" val="0"/>
+              </a:ext>
+            </a:extLst>
+          </a:blip>
+          <a:stretch>
+            <a:fillRect/>
+          </a:stretch>
+        </p:blipFill>
+        <p:spPr>
+          <a:xfrm>
+            <a:off x="503548" y="1125438"/>
+            <a:ext cx="3853114" cy="2951632"/>
+          </a:xfrm>
+          <a:prstGeom prst="rect">
+            <a:avLst/>
+          </a:prstGeom>
+        </p:spPr>
+      </p:pic>
+      <p:pic>
+        <p:nvPicPr>
+          <p:cNvPr id="7" name="Image 6">
+            <a:extLst>
+              <a:ext uri="{FF2B5EF4-FFF2-40B4-BE49-F238E27FC236}">
+                <a16:creationId xmlns:a16="http://schemas.microsoft.com/office/drawing/2014/main" id="{78A07878-F128-4E80-BFFF-46F1BFB91796}"/>
+              </a:ext>
+            </a:extLst>
+          </p:cNvPr>
+          <p:cNvPicPr>
+            <a:picLocks noChangeAspect="1"/>
+          </p:cNvPicPr>
+          <p:nvPr/>
+        </p:nvPicPr>
+        <p:blipFill>
+          <a:blip r:embed="rId3">
+            <a:extLst>
+              <a:ext uri="{28A0092B-C50C-407E-A947-70E740481C1C}">
+                <a14:useLocalDpi xmlns:a14="http://schemas.microsoft.com/office/drawing/2010/main" val="0"/>
+              </a:ext>
+            </a:extLst>
+          </a:blip>
+          <a:stretch>
+            <a:fillRect/>
+          </a:stretch>
+        </p:blipFill>
+        <p:spPr>
+          <a:xfrm>
+            <a:off x="4572330" y="1124744"/>
+            <a:ext cx="4466232" cy="2952326"/>
+          </a:xfrm>
+          <a:prstGeom prst="rect">
+            <a:avLst/>
+          </a:prstGeom>
+        </p:spPr>
+      </p:pic>
+      <p:cxnSp>
+        <p:nvCxnSpPr>
+          <p:cNvPr id="9" name="Connecteur droit 8">
+            <a:extLst>
+              <a:ext uri="{FF2B5EF4-FFF2-40B4-BE49-F238E27FC236}">
+                <a16:creationId xmlns:a16="http://schemas.microsoft.com/office/drawing/2014/main" id="{8FFD44F3-4DF4-41FD-8E7E-015282DCFE93}"/>
+              </a:ext>
+            </a:extLst>
+          </p:cNvPr>
+          <p:cNvCxnSpPr/>
+          <p:nvPr/>
+        </p:nvCxnSpPr>
+        <p:spPr>
+          <a:xfrm>
+            <a:off x="4788024" y="1952836"/>
+            <a:ext cx="3672408" cy="0"/>
+          </a:xfrm>
+          <a:prstGeom prst="line">
+            <a:avLst/>
+          </a:prstGeom>
+          <a:ln w="28575">
+            <a:prstDash val="sysDash"/>
+          </a:ln>
+        </p:spPr>
+        <p:style>
+          <a:lnRef idx="1">
+            <a:schemeClr val="accent1"/>
+          </a:lnRef>
+          <a:fillRef idx="0">
+            <a:schemeClr val="accent1"/>
+          </a:fillRef>
+          <a:effectRef idx="0">
+            <a:schemeClr val="accent1"/>
+          </a:effectRef>
+          <a:fontRef idx="minor">
+            <a:schemeClr val="tx1"/>
+          </a:fontRef>
+        </p:style>
+      </p:cxnSp>
+      <p:cxnSp>
+        <p:nvCxnSpPr>
+          <p:cNvPr id="10" name="Connecteur droit 9">
+            <a:extLst>
+              <a:ext uri="{FF2B5EF4-FFF2-40B4-BE49-F238E27FC236}">
+                <a16:creationId xmlns:a16="http://schemas.microsoft.com/office/drawing/2014/main" id="{219C9D99-25D7-43F3-8758-6B07B4676F77}"/>
+              </a:ext>
+            </a:extLst>
+          </p:cNvPr>
+          <p:cNvCxnSpPr/>
+          <p:nvPr/>
+        </p:nvCxnSpPr>
+        <p:spPr>
+          <a:xfrm>
+            <a:off x="4788024" y="2132856"/>
+            <a:ext cx="3672408" cy="0"/>
+          </a:xfrm>
+          <a:prstGeom prst="line">
+            <a:avLst/>
+          </a:prstGeom>
+          <a:ln w="28575">
+            <a:prstDash val="sysDash"/>
+          </a:ln>
+        </p:spPr>
+        <p:style>
+          <a:lnRef idx="1">
+            <a:schemeClr val="accent1"/>
+          </a:lnRef>
+          <a:fillRef idx="0">
+            <a:schemeClr val="accent1"/>
+          </a:fillRef>
+          <a:effectRef idx="0">
+            <a:schemeClr val="accent1"/>
+          </a:effectRef>
+          <a:fontRef idx="minor">
+            <a:schemeClr val="tx1"/>
+          </a:fontRef>
+        </p:style>
+      </p:cxnSp>
+      <p:cxnSp>
+        <p:nvCxnSpPr>
+          <p:cNvPr id="11" name="Connecteur droit 10">
+            <a:extLst>
+              <a:ext uri="{FF2B5EF4-FFF2-40B4-BE49-F238E27FC236}">
+                <a16:creationId xmlns:a16="http://schemas.microsoft.com/office/drawing/2014/main" id="{E48801FC-953B-4121-B0F0-E28D13EE7832}"/>
+              </a:ext>
+            </a:extLst>
+          </p:cNvPr>
+          <p:cNvCxnSpPr>
+            <a:cxnSpLocks/>
+          </p:cNvCxnSpPr>
+          <p:nvPr/>
+        </p:nvCxnSpPr>
+        <p:spPr>
+          <a:xfrm flipV="1">
+            <a:off x="6408204" y="1952836"/>
+            <a:ext cx="0" cy="1764196"/>
+          </a:xfrm>
+          <a:prstGeom prst="line">
+            <a:avLst/>
+          </a:prstGeom>
+          <a:ln w="28575">
+            <a:solidFill>
+              <a:schemeClr val="accent2"/>
+            </a:solidFill>
+            <a:prstDash val="solid"/>
+            <a:headEnd type="stealth" w="med" len="lg"/>
+            <a:tailEnd type="none"/>
+          </a:ln>
+        </p:spPr>
+        <p:style>
+          <a:lnRef idx="1">
+            <a:schemeClr val="accent1"/>
+          </a:lnRef>
+          <a:fillRef idx="0">
+            <a:schemeClr val="accent1"/>
+          </a:fillRef>
+          <a:effectRef idx="0">
+            <a:schemeClr val="accent1"/>
+          </a:effectRef>
+          <a:fontRef idx="minor">
+            <a:schemeClr val="tx1"/>
+          </a:fontRef>
+        </p:style>
+      </p:cxnSp>
+      <p:sp>
+        <p:nvSpPr>
+          <p:cNvPr id="14" name="ZoneTexte 13">
+            <a:extLst>
+              <a:ext uri="{FF2B5EF4-FFF2-40B4-BE49-F238E27FC236}">
+                <a16:creationId xmlns:a16="http://schemas.microsoft.com/office/drawing/2014/main" id="{2B665D5C-858A-41E1-BAE1-EF42D0FCE796}"/>
+              </a:ext>
+            </a:extLst>
+          </p:cNvPr>
+          <p:cNvSpPr txBox="1"/>
+          <p:nvPr/>
+        </p:nvSpPr>
+        <p:spPr>
+          <a:xfrm>
+            <a:off x="6437396" y="3347700"/>
+            <a:ext cx="617477" cy="307777"/>
+          </a:xfrm>
+          <a:prstGeom prst="rect">
+            <a:avLst/>
+          </a:prstGeom>
+          <a:noFill/>
+        </p:spPr>
+        <p:txBody>
+          <a:bodyPr wrap="none" rtlCol="0">
+            <a:spAutoFit/>
+          </a:bodyPr>
+          <a:lstStyle/>
+          <a:p>
+            <a:r>
+              <a:rPr lang="fr-FR" sz="1400" b="1" dirty="0"/>
+              <a:t>0,12 s</a:t>
+            </a:r>
+          </a:p>
+        </p:txBody>
+      </p:sp>
+      <p:cxnSp>
+        <p:nvCxnSpPr>
+          <p:cNvPr id="15" name="Connecteur droit 14">
+            <a:extLst>
+              <a:ext uri="{FF2B5EF4-FFF2-40B4-BE49-F238E27FC236}">
+                <a16:creationId xmlns:a16="http://schemas.microsoft.com/office/drawing/2014/main" id="{60A1A492-A6A0-4F61-8250-90A91A60FB9B}"/>
+              </a:ext>
+            </a:extLst>
+          </p:cNvPr>
+          <p:cNvCxnSpPr>
+            <a:cxnSpLocks/>
+          </p:cNvCxnSpPr>
+          <p:nvPr/>
+        </p:nvCxnSpPr>
+        <p:spPr>
+          <a:xfrm>
+            <a:off x="791580" y="2132856"/>
+            <a:ext cx="3492388" cy="31153"/>
+          </a:xfrm>
+          <a:prstGeom prst="line">
+            <a:avLst/>
+          </a:prstGeom>
+          <a:ln w="28575">
+            <a:prstDash val="sysDash"/>
+          </a:ln>
+        </p:spPr>
+        <p:style>
+          <a:lnRef idx="1">
+            <a:schemeClr val="accent1"/>
+          </a:lnRef>
+          <a:fillRef idx="0">
+            <a:schemeClr val="accent1"/>
+          </a:fillRef>
+          <a:effectRef idx="0">
+            <a:schemeClr val="accent1"/>
+          </a:effectRef>
+          <a:fontRef idx="minor">
+            <a:schemeClr val="tx1"/>
+          </a:fontRef>
+        </p:style>
+      </p:cxnSp>
+      <p:cxnSp>
+        <p:nvCxnSpPr>
+          <p:cNvPr id="18" name="Connecteur droit 17">
+            <a:extLst>
+              <a:ext uri="{FF2B5EF4-FFF2-40B4-BE49-F238E27FC236}">
+                <a16:creationId xmlns:a16="http://schemas.microsoft.com/office/drawing/2014/main" id="{FCBE94CF-BA59-4EE9-8BAE-E902BCA9B040}"/>
+              </a:ext>
+            </a:extLst>
+          </p:cNvPr>
+          <p:cNvCxnSpPr>
+            <a:cxnSpLocks/>
+          </p:cNvCxnSpPr>
+          <p:nvPr/>
+        </p:nvCxnSpPr>
+        <p:spPr>
+          <a:xfrm>
+            <a:off x="850518" y="3731772"/>
+            <a:ext cx="3492388" cy="31153"/>
+          </a:xfrm>
+          <a:prstGeom prst="line">
+            <a:avLst/>
+          </a:prstGeom>
+          <a:ln w="28575">
+            <a:prstDash val="sysDash"/>
+          </a:ln>
+        </p:spPr>
+        <p:style>
+          <a:lnRef idx="1">
+            <a:schemeClr val="accent1"/>
+          </a:lnRef>
+          <a:fillRef idx="0">
+            <a:schemeClr val="accent1"/>
+          </a:fillRef>
+          <a:effectRef idx="0">
+            <a:schemeClr val="accent1"/>
+          </a:effectRef>
+          <a:fontRef idx="minor">
+            <a:schemeClr val="tx1"/>
+          </a:fontRef>
+        </p:style>
+      </p:cxnSp>
+      <p:cxnSp>
+        <p:nvCxnSpPr>
+          <p:cNvPr id="19" name="Connecteur droit 18">
+            <a:extLst>
+              <a:ext uri="{FF2B5EF4-FFF2-40B4-BE49-F238E27FC236}">
+                <a16:creationId xmlns:a16="http://schemas.microsoft.com/office/drawing/2014/main" id="{A8FB158D-68F9-4B10-AFD0-1D71A742077B}"/>
+              </a:ext>
+            </a:extLst>
+          </p:cNvPr>
+          <p:cNvCxnSpPr>
+            <a:cxnSpLocks/>
+          </p:cNvCxnSpPr>
+          <p:nvPr/>
+        </p:nvCxnSpPr>
+        <p:spPr>
+          <a:xfrm>
+            <a:off x="2804335" y="3501588"/>
+            <a:ext cx="1" cy="261338"/>
+          </a:xfrm>
+          <a:prstGeom prst="line">
+            <a:avLst/>
+          </a:prstGeom>
+          <a:ln w="28575">
+            <a:solidFill>
+              <a:schemeClr val="accent2"/>
+            </a:solidFill>
+            <a:prstDash val="solid"/>
+            <a:headEnd type="stealth" w="med" len="lg"/>
+            <a:tailEnd type="none"/>
+          </a:ln>
+        </p:spPr>
+        <p:style>
+          <a:lnRef idx="1">
+            <a:schemeClr val="accent1"/>
+          </a:lnRef>
+          <a:fillRef idx="0">
+            <a:schemeClr val="accent1"/>
+          </a:fillRef>
+          <a:effectRef idx="0">
+            <a:schemeClr val="accent1"/>
+          </a:effectRef>
+          <a:fontRef idx="minor">
+            <a:schemeClr val="tx1"/>
+          </a:fontRef>
+        </p:style>
+      </p:cxnSp>
+      <p:cxnSp>
+        <p:nvCxnSpPr>
+          <p:cNvPr id="20" name="Connecteur droit 19">
+            <a:extLst>
+              <a:ext uri="{FF2B5EF4-FFF2-40B4-BE49-F238E27FC236}">
+                <a16:creationId xmlns:a16="http://schemas.microsoft.com/office/drawing/2014/main" id="{B023CFDF-E455-4DF6-90F2-3F5CBC549E9F}"/>
+              </a:ext>
+            </a:extLst>
+          </p:cNvPr>
+          <p:cNvCxnSpPr>
+            <a:cxnSpLocks/>
+          </p:cNvCxnSpPr>
+          <p:nvPr/>
+        </p:nvCxnSpPr>
+        <p:spPr>
+          <a:xfrm>
+            <a:off x="2804335" y="1952836"/>
+            <a:ext cx="1" cy="1810089"/>
+          </a:xfrm>
+          <a:prstGeom prst="line">
+            <a:avLst/>
+          </a:prstGeom>
+          <a:ln w="12700">
+            <a:solidFill>
+              <a:srgbClr val="C00000"/>
+            </a:solidFill>
+            <a:prstDash val="sysDash"/>
+          </a:ln>
+        </p:spPr>
+        <p:style>
+          <a:lnRef idx="1">
+            <a:schemeClr val="accent1"/>
+          </a:lnRef>
+          <a:fillRef idx="0">
+            <a:schemeClr val="accent1"/>
+          </a:fillRef>
+          <a:effectRef idx="0">
+            <a:schemeClr val="accent1"/>
+          </a:effectRef>
+          <a:fontRef idx="minor">
+            <a:schemeClr val="tx1"/>
+          </a:fontRef>
+        </p:style>
+      </p:cxnSp>
+      <mc:AlternateContent xmlns:mc="http://schemas.openxmlformats.org/markup-compatibility/2006">
+        <mc:Choice xmlns:a14="http://schemas.microsoft.com/office/drawing/2010/main" Requires="a14">
+          <p:sp>
+            <p:nvSpPr>
+              <p:cNvPr id="29" name="ZoneTexte 28">
+                <a:extLst>
+                  <a:ext uri="{FF2B5EF4-FFF2-40B4-BE49-F238E27FC236}">
+                    <a16:creationId xmlns:a16="http://schemas.microsoft.com/office/drawing/2014/main" id="{1D5AA22B-158B-4462-8592-949C10C3FBC7}"/>
+                  </a:ext>
+                </a:extLst>
+              </p:cNvPr>
+              <p:cNvSpPr txBox="1"/>
+              <p:nvPr/>
+            </p:nvSpPr>
+            <p:spPr>
+              <a:xfrm>
+                <a:off x="2699792" y="3339809"/>
+                <a:ext cx="805220" cy="268535"/>
+              </a:xfrm>
+              <a:prstGeom prst="rect">
+                <a:avLst/>
+              </a:prstGeom>
+              <a:noFill/>
+            </p:spPr>
+            <p:txBody>
+              <a:bodyPr wrap="none" rtlCol="0">
+                <a:spAutoFit/>
+              </a:bodyPr>
+              <a:lstStyle/>
+              <a:p>
+                <a14:m>
+                  <m:oMathPara xmlns:m="http://schemas.openxmlformats.org/officeDocument/2006/math">
+                    <m:oMathParaPr>
+                      <m:jc m:val="centerGroup"/>
+                    </m:oMathParaPr>
+                    <m:oMath xmlns:m="http://schemas.openxmlformats.org/officeDocument/2006/math">
+                      <m:sSub>
+                        <m:sSubPr>
+                          <m:ctrlPr>
+                            <a:rPr lang="fr-FR" sz="1050" b="1" i="1" dirty="0" smtClean="0">
+                              <a:latin typeface="Cambria Math" panose="02040503050406030204" pitchFamily="18" charset="0"/>
+                            </a:rPr>
+                          </m:ctrlPr>
+                        </m:sSubPr>
+                        <m:e>
+                          <m:r>
+                            <a:rPr lang="fr-FR" sz="1050" b="1" i="1" dirty="0" smtClean="0">
+                              <a:latin typeface="Cambria Math" panose="02040503050406030204" pitchFamily="18" charset="0"/>
+                            </a:rPr>
+                            <m:t>𝑴</m:t>
+                          </m:r>
+                        </m:e>
+                        <m:sub>
+                          <m:r>
+                            <a:rPr lang="fr-FR" sz="1050" b="1" i="1" dirty="0" smtClean="0">
+                              <a:latin typeface="Cambria Math" panose="02040503050406030204" pitchFamily="18" charset="0"/>
+                            </a:rPr>
+                            <m:t>𝝋</m:t>
+                          </m:r>
+                        </m:sub>
+                      </m:sSub>
+                      <m:r>
+                        <a:rPr lang="fr-FR" sz="1050" b="1" i="1" dirty="0" smtClean="0">
+                          <a:latin typeface="Cambria Math" panose="02040503050406030204" pitchFamily="18" charset="0"/>
+                        </a:rPr>
+                        <m:t>=</m:t>
+                      </m:r>
+                      <m:r>
+                        <a:rPr lang="fr-FR" sz="1050" b="1" i="1" dirty="0" smtClean="0">
+                          <a:latin typeface="Cambria Math" panose="02040503050406030204" pitchFamily="18" charset="0"/>
+                        </a:rPr>
+                        <m:t>𝟒𝟓</m:t>
+                      </m:r>
+                      <m:r>
+                        <a:rPr lang="fr-FR" sz="1050" b="1" i="1" dirty="0" smtClean="0">
+                          <a:latin typeface="Cambria Math" panose="02040503050406030204" pitchFamily="18" charset="0"/>
+                        </a:rPr>
+                        <m:t>°</m:t>
+                      </m:r>
+                    </m:oMath>
+                  </m:oMathPara>
+                </a14:m>
+                <a:endParaRPr lang="fr-FR" sz="1050" b="1" dirty="0"/>
+              </a:p>
+            </p:txBody>
+          </p:sp>
+        </mc:Choice>
+        <mc:Fallback>
+          <p:sp>
+            <p:nvSpPr>
+              <p:cNvPr id="29" name="ZoneTexte 28">
+                <a:extLst>
+                  <a:ext uri="{FF2B5EF4-FFF2-40B4-BE49-F238E27FC236}">
+                    <a16:creationId xmlns:a16="http://schemas.microsoft.com/office/drawing/2014/main" id="{1D5AA22B-158B-4462-8592-949C10C3FBC7}"/>
+                  </a:ext>
+                </a:extLst>
+              </p:cNvPr>
+              <p:cNvSpPr txBox="1">
+                <a:spLocks noRot="1" noChangeAspect="1" noMove="1" noResize="1" noEditPoints="1" noAdjustHandles="1" noChangeArrowheads="1" noChangeShapeType="1" noTextEdit="1"/>
+              </p:cNvSpPr>
+              <p:nvPr/>
+            </p:nvSpPr>
+            <p:spPr>
+              <a:xfrm>
+                <a:off x="2699792" y="3339809"/>
+                <a:ext cx="805220" cy="268535"/>
+              </a:xfrm>
+              <a:prstGeom prst="rect">
+                <a:avLst/>
+              </a:prstGeom>
+              <a:blipFill>
+                <a:blip r:embed="rId4"/>
+                <a:stretch>
+                  <a:fillRect/>
+                </a:stretch>
+              </a:blipFill>
+            </p:spPr>
+            <p:txBody>
+              <a:bodyPr/>
+              <a:lstStyle/>
+              <a:p>
+                <a:r>
+                  <a:rPr lang="fr-FR">
+                    <a:noFill/>
+                  </a:rPr>
+                  <a:t> </a:t>
+                </a:r>
+              </a:p>
+            </p:txBody>
+          </p:sp>
+        </mc:Fallback>
+      </mc:AlternateContent>
+      <mc:AlternateContent xmlns:mc="http://schemas.openxmlformats.org/markup-compatibility/2006">
+        <mc:Choice xmlns:a14="http://schemas.microsoft.com/office/drawing/2010/main" Requires="a14">
+          <p:sp>
+            <p:nvSpPr>
+              <p:cNvPr id="30" name="ZoneTexte 29">
+                <a:extLst>
+                  <a:ext uri="{FF2B5EF4-FFF2-40B4-BE49-F238E27FC236}">
+                    <a16:creationId xmlns:a16="http://schemas.microsoft.com/office/drawing/2014/main" id="{FE19397F-90C6-4544-8FA9-524EA5B01D60}"/>
+                  </a:ext>
+                </a:extLst>
+              </p:cNvPr>
+              <p:cNvSpPr txBox="1"/>
+              <p:nvPr/>
+            </p:nvSpPr>
+            <p:spPr>
+              <a:xfrm>
+                <a:off x="2804335" y="1929886"/>
+                <a:ext cx="1036887" cy="253916"/>
+              </a:xfrm>
+              <a:prstGeom prst="rect">
+                <a:avLst/>
+              </a:prstGeom>
+              <a:noFill/>
+            </p:spPr>
+            <p:txBody>
+              <a:bodyPr wrap="none" rtlCol="0">
+                <a:spAutoFit/>
+              </a:bodyPr>
+              <a:lstStyle/>
+              <a:p>
+                <a14:m>
+                  <m:oMathPara xmlns:m="http://schemas.openxmlformats.org/officeDocument/2006/math">
+                    <m:oMathParaPr>
+                      <m:jc m:val="centerGroup"/>
+                    </m:oMathParaPr>
+                    <m:oMath xmlns:m="http://schemas.openxmlformats.org/officeDocument/2006/math">
+                      <m:r>
+                        <a:rPr lang="fr-FR" sz="1050" b="1" i="1" dirty="0" smtClean="0">
+                          <a:latin typeface="Cambria Math" panose="02040503050406030204" pitchFamily="18" charset="0"/>
+                        </a:rPr>
+                        <m:t>𝝎</m:t>
+                      </m:r>
+                      <m:r>
+                        <a:rPr lang="fr-FR" sz="1050" b="1" i="1" dirty="0" smtClean="0">
+                          <a:latin typeface="Cambria Math" panose="02040503050406030204" pitchFamily="18" charset="0"/>
+                        </a:rPr>
+                        <m:t>=</m:t>
+                      </m:r>
+                      <m:r>
+                        <a:rPr lang="fr-FR" sz="1050" b="1" i="1" dirty="0" smtClean="0">
+                          <a:latin typeface="Cambria Math" panose="02040503050406030204" pitchFamily="18" charset="0"/>
+                        </a:rPr>
+                        <m:t>𝟓𝟎</m:t>
+                      </m:r>
+                      <m:r>
+                        <a:rPr lang="fr-FR" sz="1050" b="1" i="0" dirty="0" smtClean="0">
+                          <a:latin typeface="Cambria Math" panose="02040503050406030204" pitchFamily="18" charset="0"/>
+                        </a:rPr>
+                        <m:t> </m:t>
+                      </m:r>
+                      <m:r>
+                        <a:rPr lang="fr-FR" sz="1050" b="1" i="0" dirty="0" smtClean="0">
+                          <a:latin typeface="Cambria Math" panose="02040503050406030204" pitchFamily="18" charset="0"/>
+                        </a:rPr>
+                        <m:t>𝐫𝐚𝐝</m:t>
+                      </m:r>
+                      <m:r>
+                        <a:rPr lang="fr-FR" sz="1050" b="1" i="0" dirty="0" smtClean="0">
+                          <a:latin typeface="Cambria Math" panose="02040503050406030204" pitchFamily="18" charset="0"/>
+                        </a:rPr>
+                        <m:t>/</m:t>
+                      </m:r>
+                      <m:r>
+                        <a:rPr lang="fr-FR" sz="1050" b="1" i="0" dirty="0" smtClean="0">
+                          <a:latin typeface="Cambria Math" panose="02040503050406030204" pitchFamily="18" charset="0"/>
+                        </a:rPr>
+                        <m:t>𝐬</m:t>
+                      </m:r>
+                    </m:oMath>
+                  </m:oMathPara>
+                </a14:m>
+                <a:endParaRPr lang="fr-FR" sz="1050" b="1" dirty="0"/>
+              </a:p>
+            </p:txBody>
+          </p:sp>
+        </mc:Choice>
+        <mc:Fallback>
+          <p:sp>
+            <p:nvSpPr>
+              <p:cNvPr id="30" name="ZoneTexte 29">
+                <a:extLst>
+                  <a:ext uri="{FF2B5EF4-FFF2-40B4-BE49-F238E27FC236}">
+                    <a16:creationId xmlns:a16="http://schemas.microsoft.com/office/drawing/2014/main" id="{FE19397F-90C6-4544-8FA9-524EA5B01D60}"/>
+                  </a:ext>
+                </a:extLst>
+              </p:cNvPr>
+              <p:cNvSpPr txBox="1">
+                <a:spLocks noRot="1" noChangeAspect="1" noMove="1" noResize="1" noEditPoints="1" noAdjustHandles="1" noChangeArrowheads="1" noChangeShapeType="1" noTextEdit="1"/>
+              </p:cNvSpPr>
+              <p:nvPr/>
+            </p:nvSpPr>
+            <p:spPr>
+              <a:xfrm>
+                <a:off x="2804335" y="1929886"/>
+                <a:ext cx="1036887" cy="253916"/>
+              </a:xfrm>
+              <a:prstGeom prst="rect">
+                <a:avLst/>
+              </a:prstGeom>
+              <a:blipFill>
+                <a:blip r:embed="rId5"/>
+                <a:stretch>
+                  <a:fillRect b="-7317"/>
+                </a:stretch>
+              </a:blipFill>
+            </p:spPr>
+            <p:txBody>
+              <a:bodyPr/>
+              <a:lstStyle/>
+              <a:p>
+                <a:r>
+                  <a:rPr lang="fr-FR">
+                    <a:noFill/>
+                  </a:rPr>
+                  <a:t> </a:t>
+                </a:r>
+              </a:p>
+            </p:txBody>
+          </p:sp>
+        </mc:Fallback>
+      </mc:AlternateContent>
+    </p:spTree>
+    <p:extLst>
+      <p:ext uri="{BB962C8B-B14F-4D97-AF65-F5344CB8AC3E}">
+        <p14:creationId xmlns:p14="http://schemas.microsoft.com/office/powerpoint/2010/main" val="1336600767"/>
+      </p:ext>
+    </p:extLst>
+  </p:cSld>
+  <p:clrMapOvr>
+    <a:masterClrMapping/>
+  </p:clrMapOvr>
+</p:sld>
+</file>
+
+<file path=ppt/slides/slide10.xml><?xml version="1.0" encoding="utf-8"?>
+<p:sld xmlns:a="http://schemas.openxmlformats.org/drawingml/2006/main" xmlns:r="http://schemas.openxmlformats.org/officeDocument/2006/relationships" xmlns:p="http://schemas.openxmlformats.org/presentationml/2006/main">
+  <p:cSld>
+    <p:spTree>
+      <p:nvGrpSpPr>
+        <p:cNvPr id="1" name=""/>
+        <p:cNvGrpSpPr/>
+        <p:nvPr/>
+      </p:nvGrpSpPr>
+      <p:grpSpPr>
+        <a:xfrm>
+          <a:off x="0" y="0"/>
+          <a:ext cx="0" cy="0"/>
+          <a:chOff x="0" y="0"/>
+          <a:chExt cx="0" cy="0"/>
+        </a:xfrm>
+      </p:grpSpPr>
+      <p:sp>
+        <p:nvSpPr>
+          <p:cNvPr id="38" name="Forme libre 37"/>
+          <p:cNvSpPr/>
+          <p:nvPr/>
+        </p:nvSpPr>
+        <p:spPr>
+          <a:xfrm flipV="1">
+            <a:off x="539552" y="2028210"/>
+            <a:ext cx="1224136" cy="146042"/>
+          </a:xfrm>
+          <a:custGeom>
+            <a:avLst/>
+            <a:gdLst>
+              <a:gd name="connsiteX0" fmla="*/ 0 w 596900"/>
+              <a:gd name="connsiteY0" fmla="*/ 209768 h 209768"/>
+              <a:gd name="connsiteX1" fmla="*/ 317500 w 596900"/>
+              <a:gd name="connsiteY1" fmla="*/ 218 h 209768"/>
+              <a:gd name="connsiteX2" fmla="*/ 596900 w 596900"/>
+              <a:gd name="connsiteY2" fmla="*/ 178018 h 209768"/>
+              <a:gd name="connsiteX0" fmla="*/ 0 w 660400"/>
+              <a:gd name="connsiteY0" fmla="*/ 210341 h 280191"/>
+              <a:gd name="connsiteX1" fmla="*/ 317500 w 660400"/>
+              <a:gd name="connsiteY1" fmla="*/ 791 h 280191"/>
+              <a:gd name="connsiteX2" fmla="*/ 660400 w 660400"/>
+              <a:gd name="connsiteY2" fmla="*/ 280191 h 280191"/>
+              <a:gd name="connsiteX0" fmla="*/ 0 w 736600"/>
+              <a:gd name="connsiteY0" fmla="*/ 273055 h 279405"/>
+              <a:gd name="connsiteX1" fmla="*/ 393700 w 736600"/>
+              <a:gd name="connsiteY1" fmla="*/ 5 h 279405"/>
+              <a:gd name="connsiteX2" fmla="*/ 736600 w 736600"/>
+              <a:gd name="connsiteY2" fmla="*/ 279405 h 279405"/>
+            </a:gdLst>
+            <a:ahLst/>
+            <a:cxnLst>
+              <a:cxn ang="0">
+                <a:pos x="connsiteX0" y="connsiteY0"/>
+              </a:cxn>
+              <a:cxn ang="0">
+                <a:pos x="connsiteX1" y="connsiteY1"/>
+              </a:cxn>
+              <a:cxn ang="0">
+                <a:pos x="connsiteX2" y="connsiteY2"/>
+              </a:cxn>
+            </a:cxnLst>
+            <a:rect l="l" t="t" r="r" b="b"/>
+            <a:pathLst>
+              <a:path w="736600" h="279405">
+                <a:moveTo>
+                  <a:pt x="0" y="273055"/>
+                </a:moveTo>
+                <a:cubicBezTo>
+                  <a:pt x="109008" y="170926"/>
+                  <a:pt x="270933" y="-1053"/>
+                  <a:pt x="393700" y="5"/>
+                </a:cubicBezTo>
+                <a:cubicBezTo>
+                  <a:pt x="516467" y="1063"/>
+                  <a:pt x="646641" y="187859"/>
+                  <a:pt x="736600" y="279405"/>
+                </a:cubicBezTo>
+              </a:path>
+            </a:pathLst>
+          </a:custGeom>
+          <a:noFill/>
+          <a:ln>
+            <a:solidFill>
+              <a:srgbClr val="C00000"/>
+            </a:solidFill>
+            <a:headEnd type="none" w="med" len="med"/>
+            <a:tailEnd type="none" w="med" len="med"/>
+          </a:ln>
+        </p:spPr>
+        <p:style>
+          <a:lnRef idx="2">
+            <a:schemeClr val="accent1">
+              <a:shade val="50000"/>
+            </a:schemeClr>
+          </a:lnRef>
+          <a:fillRef idx="1">
+            <a:schemeClr val="accent1"/>
+          </a:fillRef>
+          <a:effectRef idx="0">
+            <a:schemeClr val="accent1"/>
+          </a:effectRef>
+          <a:fontRef idx="minor">
+            <a:schemeClr val="lt1"/>
+          </a:fontRef>
+        </p:style>
+        <p:txBody>
+          <a:bodyPr rtlCol="0" anchor="ctr"/>
+          <a:lstStyle/>
+          <a:p>
+            <a:pPr algn="ctr"/>
+            <a:endParaRPr lang="fr-FR"/>
+          </a:p>
+        </p:txBody>
+      </p:sp>
+      <p:sp>
+        <p:nvSpPr>
+          <p:cNvPr id="24" name="Forme libre 23"/>
+          <p:cNvSpPr/>
+          <p:nvPr/>
+        </p:nvSpPr>
+        <p:spPr>
+          <a:xfrm>
+            <a:off x="539552" y="1700808"/>
+            <a:ext cx="1224136" cy="146042"/>
+          </a:xfrm>
+          <a:custGeom>
+            <a:avLst/>
+            <a:gdLst>
+              <a:gd name="connsiteX0" fmla="*/ 0 w 596900"/>
+              <a:gd name="connsiteY0" fmla="*/ 209768 h 209768"/>
+              <a:gd name="connsiteX1" fmla="*/ 317500 w 596900"/>
+              <a:gd name="connsiteY1" fmla="*/ 218 h 209768"/>
+              <a:gd name="connsiteX2" fmla="*/ 596900 w 596900"/>
+              <a:gd name="connsiteY2" fmla="*/ 178018 h 209768"/>
+              <a:gd name="connsiteX0" fmla="*/ 0 w 660400"/>
+              <a:gd name="connsiteY0" fmla="*/ 210341 h 280191"/>
+              <a:gd name="connsiteX1" fmla="*/ 317500 w 660400"/>
+              <a:gd name="connsiteY1" fmla="*/ 791 h 280191"/>
+              <a:gd name="connsiteX2" fmla="*/ 660400 w 660400"/>
+              <a:gd name="connsiteY2" fmla="*/ 280191 h 280191"/>
+              <a:gd name="connsiteX0" fmla="*/ 0 w 736600"/>
+              <a:gd name="connsiteY0" fmla="*/ 273055 h 279405"/>
+              <a:gd name="connsiteX1" fmla="*/ 393700 w 736600"/>
+              <a:gd name="connsiteY1" fmla="*/ 5 h 279405"/>
+              <a:gd name="connsiteX2" fmla="*/ 736600 w 736600"/>
+              <a:gd name="connsiteY2" fmla="*/ 279405 h 279405"/>
+            </a:gdLst>
+            <a:ahLst/>
+            <a:cxnLst>
+              <a:cxn ang="0">
+                <a:pos x="connsiteX0" y="connsiteY0"/>
+              </a:cxn>
+              <a:cxn ang="0">
+                <a:pos x="connsiteX1" y="connsiteY1"/>
+              </a:cxn>
+              <a:cxn ang="0">
+                <a:pos x="connsiteX2" y="connsiteY2"/>
+              </a:cxn>
+            </a:cxnLst>
+            <a:rect l="l" t="t" r="r" b="b"/>
+            <a:pathLst>
+              <a:path w="736600" h="279405">
+                <a:moveTo>
+                  <a:pt x="0" y="273055"/>
+                </a:moveTo>
+                <a:cubicBezTo>
+                  <a:pt x="109008" y="170926"/>
+                  <a:pt x="270933" y="-1053"/>
+                  <a:pt x="393700" y="5"/>
+                </a:cubicBezTo>
+                <a:cubicBezTo>
+                  <a:pt x="516467" y="1063"/>
+                  <a:pt x="646641" y="187859"/>
+                  <a:pt x="736600" y="279405"/>
+                </a:cubicBezTo>
+              </a:path>
+            </a:pathLst>
+          </a:custGeom>
+          <a:noFill/>
+          <a:ln>
+            <a:solidFill>
+              <a:srgbClr val="C00000"/>
+            </a:solidFill>
+            <a:headEnd type="none" w="med" len="med"/>
+            <a:tailEnd type="none" w="med" len="med"/>
+          </a:ln>
+        </p:spPr>
+        <p:style>
+          <a:lnRef idx="2">
+            <a:schemeClr val="accent1">
+              <a:shade val="50000"/>
+            </a:schemeClr>
+          </a:lnRef>
+          <a:fillRef idx="1">
+            <a:schemeClr val="accent1"/>
+          </a:fillRef>
+          <a:effectRef idx="0">
+            <a:schemeClr val="accent1"/>
+          </a:effectRef>
+          <a:fontRef idx="minor">
+            <a:schemeClr val="lt1"/>
+          </a:fontRef>
+        </p:style>
+        <p:txBody>
+          <a:bodyPr rtlCol="0" anchor="ctr"/>
+          <a:lstStyle/>
+          <a:p>
+            <a:pPr algn="ctr"/>
+            <a:endParaRPr lang="fr-FR"/>
+          </a:p>
+        </p:txBody>
+      </p:sp>
+      <p:sp>
+        <p:nvSpPr>
+          <p:cNvPr id="4" name="Ellipse 3"/>
+          <p:cNvSpPr/>
+          <p:nvPr/>
+        </p:nvSpPr>
+        <p:spPr>
+          <a:xfrm>
+            <a:off x="1691680" y="1813199"/>
+            <a:ext cx="288032" cy="288032"/>
+          </a:xfrm>
+          <a:prstGeom prst="ellipse">
+            <a:avLst/>
+          </a:prstGeom>
+          <a:solidFill>
+            <a:schemeClr val="accent4">
+              <a:lumMod val="20000"/>
+              <a:lumOff val="80000"/>
+            </a:schemeClr>
+          </a:solidFill>
+          <a:ln w="19050">
+            <a:solidFill>
+              <a:schemeClr val="accent4"/>
+            </a:solidFill>
+          </a:ln>
+        </p:spPr>
+        <p:style>
+          <a:lnRef idx="2">
+            <a:schemeClr val="accent1">
+              <a:shade val="50000"/>
+            </a:schemeClr>
+          </a:lnRef>
+          <a:fillRef idx="1">
+            <a:schemeClr val="accent1"/>
+          </a:fillRef>
+          <a:effectRef idx="0">
+            <a:schemeClr val="accent1"/>
+          </a:effectRef>
+          <a:fontRef idx="minor">
+            <a:schemeClr val="lt1"/>
+          </a:fontRef>
+        </p:style>
+        <p:txBody>
+          <a:bodyPr rtlCol="0" anchor="ctr"/>
+          <a:lstStyle/>
+          <a:p>
+            <a:pPr algn="ctr"/>
+            <a:r>
+              <a:rPr lang="fr-FR" sz="1400" b="1" dirty="0">
+                <a:solidFill>
+                  <a:schemeClr val="accent4"/>
+                </a:solidFill>
+              </a:rPr>
+              <a:t>1</a:t>
+            </a:r>
+          </a:p>
+        </p:txBody>
+      </p:sp>
+      <p:sp>
+        <p:nvSpPr>
+          <p:cNvPr id="8" name="Ellipse 7"/>
+          <p:cNvSpPr/>
+          <p:nvPr/>
+        </p:nvSpPr>
+        <p:spPr>
+          <a:xfrm>
+            <a:off x="323528" y="1813199"/>
+            <a:ext cx="288032" cy="288032"/>
+          </a:xfrm>
+          <a:prstGeom prst="ellipse">
+            <a:avLst/>
+          </a:prstGeom>
+          <a:solidFill>
+            <a:schemeClr val="accent6">
+              <a:lumMod val="20000"/>
+              <a:lumOff val="80000"/>
+            </a:schemeClr>
+          </a:solidFill>
+          <a:ln w="19050">
+            <a:solidFill>
+              <a:schemeClr val="accent6">
+                <a:lumMod val="50000"/>
+              </a:schemeClr>
+            </a:solidFill>
+          </a:ln>
+        </p:spPr>
+        <p:style>
+          <a:lnRef idx="2">
+            <a:schemeClr val="accent1">
+              <a:shade val="50000"/>
+            </a:schemeClr>
+          </a:lnRef>
+          <a:fillRef idx="1">
+            <a:schemeClr val="accent1"/>
+          </a:fillRef>
+          <a:effectRef idx="0">
+            <a:schemeClr val="accent1"/>
+          </a:effectRef>
+          <a:fontRef idx="minor">
+            <a:schemeClr val="lt1"/>
+          </a:fontRef>
+        </p:style>
+        <p:txBody>
+          <a:bodyPr rtlCol="0" anchor="ctr"/>
+          <a:lstStyle/>
+          <a:p>
+            <a:pPr algn="ctr"/>
+            <a:r>
+              <a:rPr lang="fr-FR" sz="1400" b="1" dirty="0">
+                <a:solidFill>
+                  <a:schemeClr val="accent6">
+                    <a:lumMod val="50000"/>
+                  </a:schemeClr>
+                </a:solidFill>
+              </a:rPr>
+              <a:t>0</a:t>
+            </a:r>
+          </a:p>
+        </p:txBody>
+      </p:sp>
+      <p:cxnSp>
+        <p:nvCxnSpPr>
+          <p:cNvPr id="10" name="Connecteur droit 9"/>
+          <p:cNvCxnSpPr>
+            <a:stCxn id="8" idx="6"/>
+            <a:endCxn id="4" idx="2"/>
+          </p:cNvCxnSpPr>
+          <p:nvPr/>
+        </p:nvCxnSpPr>
+        <p:spPr>
+          <a:xfrm>
+            <a:off x="611560" y="1957215"/>
+            <a:ext cx="1080120" cy="0"/>
+          </a:xfrm>
+          <a:prstGeom prst="line">
+            <a:avLst/>
+          </a:prstGeom>
+          <a:ln w="19050">
+            <a:solidFill>
+              <a:schemeClr val="tx1"/>
+            </a:solidFill>
+          </a:ln>
+        </p:spPr>
+        <p:style>
+          <a:lnRef idx="1">
+            <a:schemeClr val="accent1"/>
+          </a:lnRef>
+          <a:fillRef idx="0">
+            <a:schemeClr val="accent1"/>
+          </a:fillRef>
+          <a:effectRef idx="0">
+            <a:schemeClr val="accent1"/>
+          </a:effectRef>
+          <a:fontRef idx="minor">
+            <a:schemeClr val="tx1"/>
+          </a:fontRef>
+        </p:style>
+      </p:cxnSp>
+      <mc:AlternateContent xmlns:mc="http://schemas.openxmlformats.org/markup-compatibility/2006" xmlns:a14="http://schemas.microsoft.com/office/drawing/2010/main">
+        <mc:Choice Requires="a14">
+          <p:sp>
+            <p:nvSpPr>
+              <p:cNvPr id="31" name="ZoneTexte 30"/>
+              <p:cNvSpPr txBox="1"/>
+              <p:nvPr/>
+            </p:nvSpPr>
+            <p:spPr>
+              <a:xfrm>
+                <a:off x="759493" y="1471793"/>
+                <a:ext cx="777842" cy="246221"/>
+              </a:xfrm>
+              <a:prstGeom prst="rect">
+                <a:avLst/>
+              </a:prstGeom>
+              <a:noFill/>
+            </p:spPr>
+            <p:txBody>
+              <a:bodyPr wrap="none" rtlCol="0">
+                <a:spAutoFit/>
+              </a:bodyPr>
+              <a:lstStyle/>
+              <a:p>
+                <a:r>
+                  <a:rPr lang="fr-FR" sz="1000" b="0" dirty="0"/>
+                  <a:t>Pivot </a:t>
+                </a:r>
+                <a14:m>
+                  <m:oMath xmlns:m="http://schemas.openxmlformats.org/officeDocument/2006/math">
+                    <m:d>
+                      <m:dPr>
+                        <m:ctrlPr>
+                          <a:rPr lang="fr-FR" sz="1000" b="0" i="1" smtClean="0">
+                            <a:latin typeface="Cambria Math" panose="02040503050406030204" pitchFamily="18" charset="0"/>
+                          </a:rPr>
+                        </m:ctrlPr>
+                      </m:dPr>
+                      <m:e>
+                        <m:r>
+                          <a:rPr lang="fr-FR" sz="1000" b="0" i="1" smtClean="0">
+                            <a:latin typeface="Cambria Math"/>
+                          </a:rPr>
+                          <m:t>𝑃</m:t>
+                        </m:r>
+                        <m:r>
+                          <a:rPr lang="fr-FR" sz="1000" b="0" i="1" smtClean="0">
+                            <a:latin typeface="Cambria Math"/>
+                          </a:rPr>
+                          <m:t>,</m:t>
+                        </m:r>
+                        <m:acc>
+                          <m:accPr>
+                            <m:chr m:val="⃗"/>
+                            <m:ctrlPr>
+                              <a:rPr lang="fr-FR" sz="1000" b="0" i="1" smtClean="0">
+                                <a:latin typeface="Cambria Math" panose="02040503050406030204" pitchFamily="18" charset="0"/>
+                              </a:rPr>
+                            </m:ctrlPr>
+                          </m:accPr>
+                          <m:e>
+                            <m:r>
+                              <a:rPr lang="fr-FR" sz="1000" b="0" i="1" smtClean="0">
+                                <a:latin typeface="Cambria Math"/>
+                              </a:rPr>
+                              <m:t>𝑧</m:t>
+                            </m:r>
+                          </m:e>
+                        </m:acc>
+                      </m:e>
+                    </m:d>
+                  </m:oMath>
+                </a14:m>
+                <a:endParaRPr lang="fr-FR" sz="1000" dirty="0"/>
+              </a:p>
+            </p:txBody>
+          </p:sp>
+        </mc:Choice>
+        <mc:Fallback xmlns="">
+          <p:sp>
+            <p:nvSpPr>
+              <p:cNvPr id="31" name="ZoneTexte 30"/>
+              <p:cNvSpPr txBox="1">
+                <a:spLocks noRot="1" noChangeAspect="1" noMove="1" noResize="1" noEditPoints="1" noAdjustHandles="1" noChangeArrowheads="1" noChangeShapeType="1" noTextEdit="1"/>
+              </p:cNvSpPr>
+              <p:nvPr/>
+            </p:nvSpPr>
+            <p:spPr>
+              <a:xfrm>
+                <a:off x="759493" y="1471793"/>
+                <a:ext cx="777842" cy="246221"/>
+              </a:xfrm>
+              <a:prstGeom prst="rect">
+                <a:avLst/>
+              </a:prstGeom>
+              <a:blipFill rotWithShape="1">
+                <a:blip r:embed="rId2"/>
+                <a:stretch>
+                  <a:fillRect t="-4878" r="-8661" b="-12195"/>
+                </a:stretch>
+              </a:blipFill>
+            </p:spPr>
+            <p:txBody>
+              <a:bodyPr/>
+              <a:lstStyle/>
+              <a:p>
+                <a:r>
+                  <a:rPr lang="fr-FR">
+                    <a:noFill/>
+                  </a:rPr>
+                  <a:t> </a:t>
+                </a:r>
+              </a:p>
+            </p:txBody>
+          </p:sp>
+        </mc:Fallback>
+      </mc:AlternateContent>
+      <mc:AlternateContent xmlns:mc="http://schemas.openxmlformats.org/markup-compatibility/2006" xmlns:a14="http://schemas.microsoft.com/office/drawing/2010/main">
+        <mc:Choice Requires="a14">
+          <p:sp>
+            <p:nvSpPr>
+              <p:cNvPr id="37" name="Rectangle 36"/>
+              <p:cNvSpPr/>
+              <p:nvPr/>
+            </p:nvSpPr>
+            <p:spPr>
+              <a:xfrm>
+                <a:off x="877346" y="1718014"/>
+                <a:ext cx="548548" cy="246221"/>
+              </a:xfrm>
+              <a:prstGeom prst="rect">
+                <a:avLst/>
+              </a:prstGeom>
+            </p:spPr>
+            <p:txBody>
+              <a:bodyPr wrap="none">
+                <a:spAutoFit/>
+              </a:bodyPr>
+              <a:lstStyle/>
+              <a:p>
+                <a:pPr/>
+                <a14:m>
+                  <m:oMathPara xmlns:m="http://schemas.openxmlformats.org/officeDocument/2006/math">
+                    <m:oMathParaPr>
+                      <m:jc m:val="centerGroup"/>
+                    </m:oMathParaPr>
+                    <m:oMath xmlns:m="http://schemas.openxmlformats.org/officeDocument/2006/math">
+                      <m:sSub>
+                        <m:sSubPr>
+                          <m:ctrlPr>
+                            <a:rPr lang="fr-FR" sz="1000" i="1" smtClean="0">
+                              <a:latin typeface="Cambria Math" panose="02040503050406030204" pitchFamily="18" charset="0"/>
+                            </a:rPr>
+                          </m:ctrlPr>
+                        </m:sSubPr>
+                        <m:e>
+                          <m:r>
+                            <a:rPr lang="fr-FR" sz="1000" b="0" i="1" smtClean="0">
+                              <a:latin typeface="Cambria Math"/>
+                            </a:rPr>
+                            <m:t>𝐶</m:t>
+                          </m:r>
+                        </m:e>
+                        <m:sub>
+                          <m:r>
+                            <m:rPr>
+                              <m:sty m:val="p"/>
+                            </m:rPr>
+                            <a:rPr lang="fr-FR" sz="1000" b="0" i="0" smtClean="0">
+                              <a:latin typeface="Cambria Math"/>
+                            </a:rPr>
+                            <m:t>m</m:t>
+                          </m:r>
+                          <m:r>
+                            <a:rPr lang="fr-FR" sz="1000" b="0" i="0" smtClean="0">
+                              <a:latin typeface="Cambria Math"/>
+                            </a:rPr>
+                            <m:t>0</m:t>
+                          </m:r>
+                          <m:r>
+                            <a:rPr lang="fr-FR" sz="1000" b="0" i="1" smtClean="0">
+                              <a:latin typeface="Cambria Math"/>
+                            </a:rPr>
+                            <m:t>1</m:t>
+                          </m:r>
+                        </m:sub>
+                      </m:sSub>
+                      <m:acc>
+                        <m:accPr>
+                          <m:chr m:val="⃗"/>
+                          <m:ctrlPr>
+                            <a:rPr lang="fr-FR" sz="1000" i="1">
+                              <a:latin typeface="Cambria Math" panose="02040503050406030204" pitchFamily="18" charset="0"/>
+                            </a:rPr>
+                          </m:ctrlPr>
+                        </m:accPr>
+                        <m:e>
+                          <m:r>
+                            <a:rPr lang="fr-FR" sz="1000" i="1" smtClean="0">
+                              <a:latin typeface="Cambria Math"/>
+                            </a:rPr>
+                            <m:t>𝑧</m:t>
+                          </m:r>
+                        </m:e>
+                      </m:acc>
+                    </m:oMath>
+                  </m:oMathPara>
+                </a14:m>
+                <a:endParaRPr lang="fr-FR" sz="1000" dirty="0"/>
+              </a:p>
+            </p:txBody>
+          </p:sp>
+        </mc:Choice>
+        <mc:Fallback xmlns="">
+          <p:sp>
+            <p:nvSpPr>
+              <p:cNvPr id="37" name="Rectangle 36"/>
+              <p:cNvSpPr>
+                <a:spLocks noRot="1" noChangeAspect="1" noMove="1" noResize="1" noEditPoints="1" noAdjustHandles="1" noChangeArrowheads="1" noChangeShapeType="1" noTextEdit="1"/>
+              </p:cNvSpPr>
+              <p:nvPr/>
+            </p:nvSpPr>
+            <p:spPr>
+              <a:xfrm>
+                <a:off x="877346" y="1718014"/>
+                <a:ext cx="548548" cy="246221"/>
+              </a:xfrm>
+              <a:prstGeom prst="rect">
+                <a:avLst/>
+              </a:prstGeom>
+              <a:blipFill rotWithShape="1">
+                <a:blip r:embed="rId3"/>
+                <a:stretch>
+                  <a:fillRect t="-5000" r="-20000"/>
+                </a:stretch>
+              </a:blipFill>
+            </p:spPr>
+            <p:txBody>
+              <a:bodyPr/>
+              <a:lstStyle/>
+              <a:p>
+                <a:r>
+                  <a:rPr lang="fr-FR">
+                    <a:noFill/>
+                  </a:rPr>
+                  <a:t> </a:t>
+                </a:r>
+              </a:p>
+            </p:txBody>
+          </p:sp>
+        </mc:Fallback>
+      </mc:AlternateContent>
+      <mc:AlternateContent xmlns:mc="http://schemas.openxmlformats.org/markup-compatibility/2006" xmlns:a14="http://schemas.microsoft.com/office/drawing/2010/main">
+        <mc:Choice Requires="a14">
+          <p:sp>
+            <p:nvSpPr>
+              <p:cNvPr id="41" name="ZoneTexte 40"/>
+              <p:cNvSpPr txBox="1"/>
+              <p:nvPr/>
+            </p:nvSpPr>
+            <p:spPr>
+              <a:xfrm>
+                <a:off x="760796" y="2163024"/>
+                <a:ext cx="777842" cy="246221"/>
+              </a:xfrm>
+              <a:prstGeom prst="rect">
+                <a:avLst/>
+              </a:prstGeom>
+              <a:noFill/>
+            </p:spPr>
+            <p:txBody>
+              <a:bodyPr wrap="none" rtlCol="0">
+                <a:spAutoFit/>
+              </a:bodyPr>
+              <a:lstStyle/>
+              <a:p>
+                <a:r>
+                  <a:rPr lang="fr-FR" sz="1000" b="0" dirty="0"/>
+                  <a:t>Pivot </a:t>
+                </a:r>
+                <a14:m>
+                  <m:oMath xmlns:m="http://schemas.openxmlformats.org/officeDocument/2006/math">
+                    <m:d>
+                      <m:dPr>
+                        <m:ctrlPr>
+                          <a:rPr lang="fr-FR" sz="1000" b="0" i="1" smtClean="0">
+                            <a:latin typeface="Cambria Math" panose="02040503050406030204" pitchFamily="18" charset="0"/>
+                          </a:rPr>
+                        </m:ctrlPr>
+                      </m:dPr>
+                      <m:e>
+                        <m:r>
+                          <a:rPr lang="fr-FR" sz="1000" b="0" i="1" smtClean="0">
+                            <a:latin typeface="Cambria Math"/>
+                          </a:rPr>
+                          <m:t>𝑃</m:t>
+                        </m:r>
+                        <m:r>
+                          <a:rPr lang="fr-FR" sz="1000" b="0" i="1" smtClean="0">
+                            <a:latin typeface="Cambria Math"/>
+                          </a:rPr>
+                          <m:t>,</m:t>
+                        </m:r>
+                        <m:acc>
+                          <m:accPr>
+                            <m:chr m:val="⃗"/>
+                            <m:ctrlPr>
+                              <a:rPr lang="fr-FR" sz="1000" b="0" i="1" smtClean="0">
+                                <a:latin typeface="Cambria Math" panose="02040503050406030204" pitchFamily="18" charset="0"/>
+                              </a:rPr>
+                            </m:ctrlPr>
+                          </m:accPr>
+                          <m:e>
+                            <m:r>
+                              <a:rPr lang="fr-FR" sz="1000" b="0" i="1" smtClean="0">
+                                <a:latin typeface="Cambria Math"/>
+                              </a:rPr>
+                              <m:t>𝑧</m:t>
+                            </m:r>
+                          </m:e>
+                        </m:acc>
+                      </m:e>
+                    </m:d>
+                  </m:oMath>
+                </a14:m>
+                <a:endParaRPr lang="fr-FR" sz="1000" dirty="0"/>
+              </a:p>
+            </p:txBody>
+          </p:sp>
+        </mc:Choice>
+        <mc:Fallback xmlns="">
+          <p:sp>
+            <p:nvSpPr>
+              <p:cNvPr id="41" name="ZoneTexte 40"/>
+              <p:cNvSpPr txBox="1">
+                <a:spLocks noRot="1" noChangeAspect="1" noMove="1" noResize="1" noEditPoints="1" noAdjustHandles="1" noChangeArrowheads="1" noChangeShapeType="1" noTextEdit="1"/>
+              </p:cNvSpPr>
+              <p:nvPr/>
+            </p:nvSpPr>
+            <p:spPr>
+              <a:xfrm>
+                <a:off x="760796" y="2163024"/>
+                <a:ext cx="777842" cy="246221"/>
+              </a:xfrm>
+              <a:prstGeom prst="rect">
+                <a:avLst/>
+              </a:prstGeom>
+              <a:blipFill rotWithShape="1">
+                <a:blip r:embed="rId4"/>
+                <a:stretch>
+                  <a:fillRect t="-5000" r="-8661" b="-15000"/>
+                </a:stretch>
+              </a:blipFill>
+            </p:spPr>
+            <p:txBody>
+              <a:bodyPr/>
+              <a:lstStyle/>
+              <a:p>
+                <a:r>
+                  <a:rPr lang="fr-FR">
+                    <a:noFill/>
+                  </a:rPr>
+                  <a:t> </a:t>
+                </a:r>
+              </a:p>
+            </p:txBody>
+          </p:sp>
+        </mc:Fallback>
+      </mc:AlternateContent>
+      <p:sp>
+        <p:nvSpPr>
+          <p:cNvPr id="43" name="Rectangle 42"/>
+          <p:cNvSpPr/>
+          <p:nvPr/>
+        </p:nvSpPr>
+        <p:spPr>
+          <a:xfrm>
+            <a:off x="0" y="1813200"/>
+            <a:ext cx="152400" cy="286396"/>
+          </a:xfrm>
+          <a:prstGeom prst="rect">
+            <a:avLst/>
+          </a:prstGeom>
+          <a:solidFill>
+            <a:schemeClr val="accent6">
+              <a:lumMod val="20000"/>
+              <a:lumOff val="80000"/>
+            </a:schemeClr>
+          </a:solidFill>
+          <a:ln w="19050">
+            <a:noFill/>
+          </a:ln>
+        </p:spPr>
+        <p:style>
+          <a:lnRef idx="2">
+            <a:schemeClr val="accent1">
+              <a:shade val="50000"/>
+            </a:schemeClr>
+          </a:lnRef>
+          <a:fillRef idx="1">
+            <a:schemeClr val="accent1"/>
+          </a:fillRef>
+          <a:effectRef idx="0">
+            <a:schemeClr val="accent1"/>
+          </a:effectRef>
+          <a:fontRef idx="minor">
+            <a:schemeClr val="lt1"/>
+          </a:fontRef>
+        </p:style>
+        <p:txBody>
+          <a:bodyPr rtlCol="0" anchor="ctr"/>
+          <a:lstStyle/>
+          <a:p>
+            <a:pPr algn="ctr"/>
+            <a:endParaRPr lang="fr-FR" sz="1400" b="1">
+              <a:solidFill>
+                <a:schemeClr val="accent6">
+                  <a:lumMod val="50000"/>
+                </a:schemeClr>
+              </a:solidFill>
+            </a:endParaRPr>
+          </a:p>
+        </p:txBody>
+      </p:sp>
+      <p:cxnSp>
+        <p:nvCxnSpPr>
+          <p:cNvPr id="44" name="Connecteur droit 43"/>
+          <p:cNvCxnSpPr/>
+          <p:nvPr/>
+        </p:nvCxnSpPr>
+        <p:spPr>
+          <a:xfrm>
+            <a:off x="152400" y="1957215"/>
+            <a:ext cx="171128" cy="0"/>
+          </a:xfrm>
+          <a:prstGeom prst="line">
+            <a:avLst/>
+          </a:prstGeom>
+          <a:solidFill>
+            <a:schemeClr val="accent6">
+              <a:lumMod val="20000"/>
+              <a:lumOff val="80000"/>
+            </a:schemeClr>
+          </a:solidFill>
+          <a:ln w="19050">
+            <a:solidFill>
+              <a:schemeClr val="accent6">
+                <a:lumMod val="50000"/>
+              </a:schemeClr>
+            </a:solidFill>
+          </a:ln>
+        </p:spPr>
+        <p:style>
+          <a:lnRef idx="2">
+            <a:schemeClr val="accent1">
+              <a:shade val="50000"/>
+            </a:schemeClr>
+          </a:lnRef>
+          <a:fillRef idx="1">
+            <a:schemeClr val="accent1"/>
+          </a:fillRef>
+          <a:effectRef idx="0">
+            <a:schemeClr val="accent1"/>
+          </a:effectRef>
+          <a:fontRef idx="minor">
+            <a:schemeClr val="lt1"/>
+          </a:fontRef>
+        </p:style>
+      </p:cxnSp>
+      <p:cxnSp>
+        <p:nvCxnSpPr>
+          <p:cNvPr id="45" name="Connecteur droit 44"/>
+          <p:cNvCxnSpPr/>
+          <p:nvPr/>
+        </p:nvCxnSpPr>
+        <p:spPr>
+          <a:xfrm flipV="1">
+            <a:off x="152400" y="1813200"/>
+            <a:ext cx="0" cy="288031"/>
+          </a:xfrm>
+          <a:prstGeom prst="line">
+            <a:avLst/>
+          </a:prstGeom>
+          <a:solidFill>
+            <a:schemeClr val="accent6">
+              <a:lumMod val="20000"/>
+              <a:lumOff val="80000"/>
+            </a:schemeClr>
+          </a:solidFill>
+          <a:ln w="19050">
+            <a:solidFill>
+              <a:schemeClr val="accent6">
+                <a:lumMod val="50000"/>
+              </a:schemeClr>
+            </a:solidFill>
+          </a:ln>
+        </p:spPr>
+        <p:style>
+          <a:lnRef idx="2">
+            <a:schemeClr val="accent1">
+              <a:shade val="50000"/>
+            </a:schemeClr>
+          </a:lnRef>
+          <a:fillRef idx="1">
+            <a:schemeClr val="accent1"/>
+          </a:fillRef>
+          <a:effectRef idx="0">
+            <a:schemeClr val="accent1"/>
+          </a:effectRef>
+          <a:fontRef idx="minor">
+            <a:schemeClr val="lt1"/>
+          </a:fontRef>
+        </p:style>
+      </p:cxnSp>
+    </p:spTree>
+    <p:extLst>
+      <p:ext uri="{BB962C8B-B14F-4D97-AF65-F5344CB8AC3E}">
+        <p14:creationId xmlns:p14="http://schemas.microsoft.com/office/powerpoint/2010/main" val="4197868350"/>
+      </p:ext>
+    </p:extLst>
+  </p:cSld>
+  <p:clrMapOvr>
+    <a:masterClrMapping/>
+  </p:clrMapOvr>
+</p:sld>
+</file>
+
+<file path=ppt/slides/slide11.xml><?xml version="1.0" encoding="utf-8"?>
+<p:sld xmlns:a="http://schemas.openxmlformats.org/drawingml/2006/main" xmlns:r="http://schemas.openxmlformats.org/officeDocument/2006/relationships" xmlns:p="http://schemas.openxmlformats.org/presentationml/2006/main">
+  <p:cSld>
+    <p:spTree>
+      <p:nvGrpSpPr>
+        <p:cNvPr id="1" name=""/>
+        <p:cNvGrpSpPr/>
+        <p:nvPr/>
+      </p:nvGrpSpPr>
+      <p:grpSpPr>
+        <a:xfrm>
+          <a:off x="0" y="0"/>
+          <a:ext cx="0" cy="0"/>
+          <a:chOff x="0" y="0"/>
+          <a:chExt cx="0" cy="0"/>
+        </a:xfrm>
+      </p:grpSpPr>
+      <p:sp>
+        <p:nvSpPr>
+          <p:cNvPr id="4" name="Ellipse 3"/>
+          <p:cNvSpPr/>
+          <p:nvPr/>
+        </p:nvSpPr>
+        <p:spPr>
+          <a:xfrm>
+            <a:off x="1691680" y="2409245"/>
+            <a:ext cx="288032" cy="288032"/>
+          </a:xfrm>
+          <a:prstGeom prst="ellipse">
+            <a:avLst/>
+          </a:prstGeom>
+          <a:solidFill>
+            <a:schemeClr val="accent2">
+              <a:lumMod val="20000"/>
+              <a:lumOff val="80000"/>
+            </a:schemeClr>
+          </a:solidFill>
+          <a:ln w="19050">
+            <a:solidFill>
+              <a:schemeClr val="accent2"/>
+            </a:solidFill>
+          </a:ln>
+        </p:spPr>
+        <p:style>
+          <a:lnRef idx="2">
+            <a:schemeClr val="accent1">
+              <a:shade val="50000"/>
+            </a:schemeClr>
+          </a:lnRef>
+          <a:fillRef idx="1">
+            <a:schemeClr val="accent1"/>
+          </a:fillRef>
+          <a:effectRef idx="0">
+            <a:schemeClr val="accent1"/>
+          </a:effectRef>
+          <a:fontRef idx="minor">
+            <a:schemeClr val="lt1"/>
+          </a:fontRef>
+        </p:style>
+        <p:txBody>
+          <a:bodyPr lIns="0" tIns="0" rIns="0" bIns="0" rtlCol="0" anchor="ctr"/>
+          <a:lstStyle/>
+          <a:p>
+            <a:pPr algn="ctr"/>
+            <a:r>
+              <a:rPr lang="fr-FR" sz="1400" b="1" dirty="0">
+                <a:solidFill>
+                  <a:schemeClr val="accent2"/>
+                </a:solidFill>
+              </a:rPr>
+              <a:t>2</a:t>
+            </a:r>
+            <a:endParaRPr lang="fr-FR" sz="1400" b="1" baseline="-25000" dirty="0">
+              <a:solidFill>
+                <a:schemeClr val="accent2"/>
+              </a:solidFill>
+            </a:endParaRPr>
+          </a:p>
+        </p:txBody>
+      </p:sp>
+      <p:sp>
+        <p:nvSpPr>
+          <p:cNvPr id="8" name="Ellipse 7"/>
+          <p:cNvSpPr/>
+          <p:nvPr/>
+        </p:nvSpPr>
+        <p:spPr>
+          <a:xfrm>
+            <a:off x="323528" y="1813199"/>
+            <a:ext cx="288032" cy="288032"/>
+          </a:xfrm>
+          <a:prstGeom prst="ellipse">
+            <a:avLst/>
+          </a:prstGeom>
+          <a:solidFill>
+            <a:schemeClr val="accent6">
+              <a:lumMod val="20000"/>
+              <a:lumOff val="80000"/>
+            </a:schemeClr>
+          </a:solidFill>
+          <a:ln w="19050">
+            <a:solidFill>
+              <a:schemeClr val="accent6">
+                <a:lumMod val="50000"/>
+              </a:schemeClr>
+            </a:solidFill>
+          </a:ln>
+        </p:spPr>
+        <p:style>
+          <a:lnRef idx="2">
+            <a:schemeClr val="accent1">
+              <a:shade val="50000"/>
+            </a:schemeClr>
+          </a:lnRef>
+          <a:fillRef idx="1">
+            <a:schemeClr val="accent1"/>
+          </a:fillRef>
+          <a:effectRef idx="0">
+            <a:schemeClr val="accent1"/>
+          </a:effectRef>
+          <a:fontRef idx="minor">
+            <a:schemeClr val="lt1"/>
+          </a:fontRef>
+        </p:style>
+        <p:txBody>
+          <a:bodyPr rtlCol="0" anchor="ctr"/>
+          <a:lstStyle/>
+          <a:p>
+            <a:pPr algn="ctr"/>
+            <a:r>
+              <a:rPr lang="fr-FR" sz="1400" b="1" dirty="0">
+                <a:solidFill>
+                  <a:schemeClr val="accent6">
+                    <a:lumMod val="50000"/>
+                  </a:schemeClr>
+                </a:solidFill>
+              </a:rPr>
+              <a:t>0</a:t>
+            </a:r>
+          </a:p>
+        </p:txBody>
+      </p:sp>
+      <p:cxnSp>
+        <p:nvCxnSpPr>
+          <p:cNvPr id="10" name="Connecteur droit 9"/>
+          <p:cNvCxnSpPr>
+            <a:stCxn id="8" idx="5"/>
+            <a:endCxn id="4" idx="2"/>
+          </p:cNvCxnSpPr>
+          <p:nvPr/>
+        </p:nvCxnSpPr>
+        <p:spPr>
+          <a:xfrm>
+            <a:off x="569379" y="2059050"/>
+            <a:ext cx="1122301" cy="494211"/>
+          </a:xfrm>
+          <a:prstGeom prst="line">
+            <a:avLst/>
+          </a:prstGeom>
+          <a:ln w="19050">
+            <a:solidFill>
+              <a:schemeClr val="tx1"/>
+            </a:solidFill>
+          </a:ln>
+        </p:spPr>
+        <p:style>
+          <a:lnRef idx="1">
+            <a:schemeClr val="accent1"/>
+          </a:lnRef>
+          <a:fillRef idx="0">
+            <a:schemeClr val="accent1"/>
+          </a:fillRef>
+          <a:effectRef idx="0">
+            <a:schemeClr val="accent1"/>
+          </a:effectRef>
+          <a:fontRef idx="minor">
+            <a:schemeClr val="tx1"/>
+          </a:fontRef>
+        </p:style>
+      </p:cxnSp>
+      <mc:AlternateContent xmlns:mc="http://schemas.openxmlformats.org/markup-compatibility/2006" xmlns:a14="http://schemas.microsoft.com/office/drawing/2010/main">
+        <mc:Choice Requires="a14">
+          <p:sp>
+            <p:nvSpPr>
+              <p:cNvPr id="31" name="ZoneTexte 30"/>
+              <p:cNvSpPr txBox="1"/>
+              <p:nvPr/>
+            </p:nvSpPr>
+            <p:spPr>
+              <a:xfrm rot="20294915">
+                <a:off x="701499" y="1429981"/>
+                <a:ext cx="777842" cy="246221"/>
+              </a:xfrm>
+              <a:prstGeom prst="rect">
+                <a:avLst/>
+              </a:prstGeom>
+              <a:noFill/>
+            </p:spPr>
+            <p:txBody>
+              <a:bodyPr wrap="none" rtlCol="0">
+                <a:spAutoFit/>
+              </a:bodyPr>
+              <a:lstStyle/>
+              <a:p>
+                <a:r>
+                  <a:rPr lang="fr-FR" sz="1000" b="0" dirty="0"/>
+                  <a:t>Pivot </a:t>
+                </a:r>
+                <a14:m>
+                  <m:oMath xmlns:m="http://schemas.openxmlformats.org/officeDocument/2006/math">
+                    <m:d>
+                      <m:dPr>
+                        <m:ctrlPr>
+                          <a:rPr lang="fr-FR" sz="1000" b="0" i="1" smtClean="0">
+                            <a:latin typeface="Cambria Math" panose="02040503050406030204" pitchFamily="18" charset="0"/>
+                          </a:rPr>
+                        </m:ctrlPr>
+                      </m:dPr>
+                      <m:e>
+                        <m:r>
+                          <a:rPr lang="fr-FR" sz="1000" b="0" i="1" smtClean="0">
+                            <a:latin typeface="Cambria Math"/>
+                          </a:rPr>
+                          <m:t>𝑃</m:t>
+                        </m:r>
+                        <m:r>
+                          <a:rPr lang="fr-FR" sz="1000" b="0" i="1" smtClean="0">
+                            <a:latin typeface="Cambria Math"/>
+                          </a:rPr>
+                          <m:t>,</m:t>
+                        </m:r>
+                        <m:acc>
+                          <m:accPr>
+                            <m:chr m:val="⃗"/>
+                            <m:ctrlPr>
+                              <a:rPr lang="fr-FR" sz="1000" b="0" i="1" smtClean="0">
+                                <a:latin typeface="Cambria Math" panose="02040503050406030204" pitchFamily="18" charset="0"/>
+                              </a:rPr>
+                            </m:ctrlPr>
+                          </m:accPr>
+                          <m:e>
+                            <m:r>
+                              <a:rPr lang="fr-FR" sz="1000" b="0" i="1" smtClean="0">
+                                <a:latin typeface="Cambria Math"/>
+                              </a:rPr>
+                              <m:t>𝑧</m:t>
+                            </m:r>
+                          </m:e>
+                        </m:acc>
+                      </m:e>
+                    </m:d>
+                  </m:oMath>
+                </a14:m>
+                <a:endParaRPr lang="fr-FR" sz="1000" dirty="0"/>
+              </a:p>
+            </p:txBody>
+          </p:sp>
+        </mc:Choice>
+        <mc:Fallback xmlns="">
+          <p:sp>
+            <p:nvSpPr>
+              <p:cNvPr id="31" name="ZoneTexte 30"/>
+              <p:cNvSpPr txBox="1">
+                <a:spLocks noRot="1" noChangeAspect="1" noMove="1" noResize="1" noEditPoints="1" noAdjustHandles="1" noChangeArrowheads="1" noChangeShapeType="1" noTextEdit="1"/>
+              </p:cNvSpPr>
+              <p:nvPr/>
+            </p:nvSpPr>
+            <p:spPr>
+              <a:xfrm rot="20294915">
+                <a:off x="701499" y="1429981"/>
+                <a:ext cx="777842" cy="246221"/>
+              </a:xfrm>
+              <a:prstGeom prst="rect">
+                <a:avLst/>
+              </a:prstGeom>
+              <a:blipFill rotWithShape="1">
+                <a:blip r:embed="rId2"/>
+                <a:stretch>
+                  <a:fillRect t="-5814" r="-5224" b="-3488"/>
+                </a:stretch>
+              </a:blipFill>
+            </p:spPr>
+            <p:txBody>
+              <a:bodyPr/>
+              <a:lstStyle/>
+              <a:p>
+                <a:r>
+                  <a:rPr lang="fr-FR">
+                    <a:noFill/>
+                  </a:rPr>
+                  <a:t> </a:t>
+                </a:r>
+              </a:p>
+            </p:txBody>
+          </p:sp>
+        </mc:Fallback>
+      </mc:AlternateContent>
+      <mc:AlternateContent xmlns:mc="http://schemas.openxmlformats.org/markup-compatibility/2006" xmlns:a14="http://schemas.microsoft.com/office/drawing/2010/main">
+        <mc:Choice Requires="a14">
+          <p:sp>
+            <p:nvSpPr>
+              <p:cNvPr id="37" name="Rectangle 36"/>
+              <p:cNvSpPr/>
+              <p:nvPr/>
+            </p:nvSpPr>
+            <p:spPr>
+              <a:xfrm rot="20302500">
+                <a:off x="884171" y="1583938"/>
+                <a:ext cx="548548" cy="246221"/>
+              </a:xfrm>
+              <a:prstGeom prst="rect">
+                <a:avLst/>
+              </a:prstGeom>
+            </p:spPr>
+            <p:txBody>
+              <a:bodyPr wrap="none">
+                <a:spAutoFit/>
+              </a:bodyPr>
+              <a:lstStyle/>
+              <a:p>
+                <a:pPr/>
+                <a14:m>
+                  <m:oMathPara xmlns:m="http://schemas.openxmlformats.org/officeDocument/2006/math">
+                    <m:oMathParaPr>
+                      <m:jc m:val="centerGroup"/>
+                    </m:oMathParaPr>
+                    <m:oMath xmlns:m="http://schemas.openxmlformats.org/officeDocument/2006/math">
+                      <m:sSub>
+                        <m:sSubPr>
+                          <m:ctrlPr>
+                            <a:rPr lang="fr-FR" sz="1000" i="1" smtClean="0">
+                              <a:latin typeface="Cambria Math" panose="02040503050406030204" pitchFamily="18" charset="0"/>
+                            </a:rPr>
+                          </m:ctrlPr>
+                        </m:sSubPr>
+                        <m:e>
+                          <m:r>
+                            <a:rPr lang="fr-FR" sz="1000" b="0" i="1" smtClean="0">
+                              <a:latin typeface="Cambria Math"/>
+                            </a:rPr>
+                            <m:t>𝐶</m:t>
+                          </m:r>
+                        </m:e>
+                        <m:sub>
+                          <m:r>
+                            <m:rPr>
+                              <m:sty m:val="p"/>
+                            </m:rPr>
+                            <a:rPr lang="fr-FR" sz="1000" b="0" i="0" smtClean="0">
+                              <a:latin typeface="Cambria Math"/>
+                            </a:rPr>
+                            <m:t>m</m:t>
+                          </m:r>
+                          <m:r>
+                            <a:rPr lang="fr-FR" sz="1000" b="0" i="0" smtClean="0">
+                              <a:latin typeface="Cambria Math"/>
+                            </a:rPr>
+                            <m:t>0</m:t>
+                          </m:r>
+                          <m:r>
+                            <a:rPr lang="fr-FR" sz="1000" b="0" i="1" smtClean="0">
+                              <a:latin typeface="Cambria Math"/>
+                            </a:rPr>
+                            <m:t>1</m:t>
+                          </m:r>
+                        </m:sub>
+                      </m:sSub>
+                      <m:acc>
+                        <m:accPr>
+                          <m:chr m:val="⃗"/>
+                          <m:ctrlPr>
+                            <a:rPr lang="fr-FR" sz="1000" i="1">
+                              <a:latin typeface="Cambria Math" panose="02040503050406030204" pitchFamily="18" charset="0"/>
+                            </a:rPr>
+                          </m:ctrlPr>
+                        </m:accPr>
+                        <m:e>
+                          <m:r>
+                            <a:rPr lang="fr-FR" sz="1000" i="1" smtClean="0">
+                              <a:latin typeface="Cambria Math"/>
+                            </a:rPr>
+                            <m:t>𝑧</m:t>
+                          </m:r>
+                        </m:e>
+                      </m:acc>
+                    </m:oMath>
+                  </m:oMathPara>
+                </a14:m>
+                <a:endParaRPr lang="fr-FR" sz="1000" dirty="0"/>
+              </a:p>
+            </p:txBody>
+          </p:sp>
+        </mc:Choice>
+        <mc:Fallback xmlns="">
+          <p:sp>
+            <p:nvSpPr>
+              <p:cNvPr id="37" name="Rectangle 36"/>
+              <p:cNvSpPr>
+                <a:spLocks noRot="1" noChangeAspect="1" noMove="1" noResize="1" noEditPoints="1" noAdjustHandles="1" noChangeArrowheads="1" noChangeShapeType="1" noTextEdit="1"/>
+              </p:cNvSpPr>
+              <p:nvPr/>
+            </p:nvSpPr>
+            <p:spPr>
+              <a:xfrm rot="20302500">
+                <a:off x="884171" y="1583938"/>
+                <a:ext cx="548548" cy="246221"/>
+              </a:xfrm>
+              <a:prstGeom prst="rect">
+                <a:avLst/>
+              </a:prstGeom>
+              <a:blipFill rotWithShape="1">
+                <a:blip r:embed="rId3"/>
+                <a:stretch>
+                  <a:fillRect t="-11111" r="-14000"/>
+                </a:stretch>
+              </a:blipFill>
+            </p:spPr>
+            <p:txBody>
+              <a:bodyPr/>
+              <a:lstStyle/>
+              <a:p>
+                <a:r>
+                  <a:rPr lang="fr-FR">
+                    <a:noFill/>
+                  </a:rPr>
+                  <a:t> </a:t>
+                </a:r>
+              </a:p>
+            </p:txBody>
+          </p:sp>
+        </mc:Fallback>
+      </mc:AlternateContent>
+      <mc:AlternateContent xmlns:mc="http://schemas.openxmlformats.org/markup-compatibility/2006" xmlns:a14="http://schemas.microsoft.com/office/drawing/2010/main">
+        <mc:Choice Requires="a14">
+          <p:sp>
+            <p:nvSpPr>
+              <p:cNvPr id="41" name="ZoneTexte 40"/>
+              <p:cNvSpPr txBox="1"/>
+              <p:nvPr/>
+            </p:nvSpPr>
+            <p:spPr>
+              <a:xfrm rot="1457902">
+                <a:off x="719076" y="2254771"/>
+                <a:ext cx="725583" cy="246221"/>
+              </a:xfrm>
+              <a:prstGeom prst="rect">
+                <a:avLst/>
+              </a:prstGeom>
+              <a:noFill/>
+            </p:spPr>
+            <p:txBody>
+              <a:bodyPr wrap="none" rtlCol="0">
+                <a:spAutoFit/>
+              </a:bodyPr>
+              <a:lstStyle/>
+              <a:p>
+                <a:r>
+                  <a:rPr lang="fr-FR" sz="1000" b="0" dirty="0"/>
+                  <a:t>Glissière </a:t>
+                </a:r>
+                <a14:m>
+                  <m:oMath xmlns:m="http://schemas.openxmlformats.org/officeDocument/2006/math">
+                    <m:acc>
+                      <m:accPr>
+                        <m:chr m:val="⃗"/>
+                        <m:ctrlPr>
+                          <a:rPr lang="fr-FR" sz="1000" i="1">
+                            <a:latin typeface="Cambria Math" panose="02040503050406030204" pitchFamily="18" charset="0"/>
+                          </a:rPr>
+                        </m:ctrlPr>
+                      </m:accPr>
+                      <m:e>
+                        <m:r>
+                          <a:rPr lang="fr-FR" sz="1000" b="0" i="1" smtClean="0">
+                            <a:latin typeface="Cambria Math"/>
+                          </a:rPr>
+                          <m:t>𝑥</m:t>
+                        </m:r>
+                      </m:e>
+                    </m:acc>
+                  </m:oMath>
+                </a14:m>
+                <a:endParaRPr lang="fr-FR" sz="1000" dirty="0"/>
+              </a:p>
+            </p:txBody>
+          </p:sp>
+        </mc:Choice>
+        <mc:Fallback xmlns="">
+          <p:sp>
+            <p:nvSpPr>
+              <p:cNvPr id="41" name="ZoneTexte 40"/>
+              <p:cNvSpPr txBox="1">
+                <a:spLocks noRot="1" noChangeAspect="1" noMove="1" noResize="1" noEditPoints="1" noAdjustHandles="1" noChangeArrowheads="1" noChangeShapeType="1" noTextEdit="1"/>
+              </p:cNvSpPr>
+              <p:nvPr/>
+            </p:nvSpPr>
+            <p:spPr>
+              <a:xfrm rot="1457902">
+                <a:off x="719076" y="2254771"/>
+                <a:ext cx="725583" cy="246221"/>
+              </a:xfrm>
+              <a:prstGeom prst="rect">
+                <a:avLst/>
+              </a:prstGeom>
+              <a:blipFill rotWithShape="1">
+                <a:blip r:embed="rId4"/>
+                <a:stretch>
+                  <a:fillRect r="-13386" b="-2326"/>
+                </a:stretch>
+              </a:blipFill>
+            </p:spPr>
+            <p:txBody>
+              <a:bodyPr/>
+              <a:lstStyle/>
+              <a:p>
+                <a:r>
+                  <a:rPr lang="fr-FR">
+                    <a:noFill/>
+                  </a:rPr>
+                  <a:t> </a:t>
+                </a:r>
+              </a:p>
+            </p:txBody>
+          </p:sp>
+        </mc:Fallback>
+      </mc:AlternateContent>
+      <p:sp>
+        <p:nvSpPr>
+          <p:cNvPr id="43" name="Rectangle 42"/>
+          <p:cNvSpPr/>
+          <p:nvPr/>
+        </p:nvSpPr>
+        <p:spPr>
+          <a:xfrm>
+            <a:off x="0" y="1813200"/>
+            <a:ext cx="152400" cy="286396"/>
+          </a:xfrm>
+          <a:prstGeom prst="rect">
+            <a:avLst/>
+          </a:prstGeom>
+          <a:solidFill>
+            <a:schemeClr val="accent6">
+              <a:lumMod val="20000"/>
+              <a:lumOff val="80000"/>
+            </a:schemeClr>
+          </a:solidFill>
+          <a:ln w="19050">
+            <a:noFill/>
+          </a:ln>
+        </p:spPr>
+        <p:style>
+          <a:lnRef idx="2">
+            <a:schemeClr val="accent1">
+              <a:shade val="50000"/>
+            </a:schemeClr>
+          </a:lnRef>
+          <a:fillRef idx="1">
+            <a:schemeClr val="accent1"/>
+          </a:fillRef>
+          <a:effectRef idx="0">
+            <a:schemeClr val="accent1"/>
+          </a:effectRef>
+          <a:fontRef idx="minor">
+            <a:schemeClr val="lt1"/>
+          </a:fontRef>
+        </p:style>
+        <p:txBody>
+          <a:bodyPr rtlCol="0" anchor="ctr"/>
+          <a:lstStyle/>
+          <a:p>
+            <a:pPr algn="ctr"/>
+            <a:endParaRPr lang="fr-FR" sz="1400" b="1">
+              <a:solidFill>
+                <a:schemeClr val="accent6">
+                  <a:lumMod val="50000"/>
+                </a:schemeClr>
+              </a:solidFill>
+            </a:endParaRPr>
+          </a:p>
+        </p:txBody>
+      </p:sp>
+      <p:cxnSp>
+        <p:nvCxnSpPr>
+          <p:cNvPr id="44" name="Connecteur droit 43"/>
+          <p:cNvCxnSpPr/>
+          <p:nvPr/>
+        </p:nvCxnSpPr>
+        <p:spPr>
+          <a:xfrm>
+            <a:off x="152400" y="1957215"/>
+            <a:ext cx="171128" cy="0"/>
+          </a:xfrm>
+          <a:prstGeom prst="line">
+            <a:avLst/>
+          </a:prstGeom>
+          <a:solidFill>
+            <a:schemeClr val="accent6">
+              <a:lumMod val="20000"/>
+              <a:lumOff val="80000"/>
+            </a:schemeClr>
+          </a:solidFill>
+          <a:ln w="19050">
+            <a:solidFill>
+              <a:schemeClr val="accent6">
+                <a:lumMod val="50000"/>
+              </a:schemeClr>
+            </a:solidFill>
+          </a:ln>
+        </p:spPr>
+        <p:style>
+          <a:lnRef idx="2">
+            <a:schemeClr val="accent1">
+              <a:shade val="50000"/>
+            </a:schemeClr>
+          </a:lnRef>
+          <a:fillRef idx="1">
+            <a:schemeClr val="accent1"/>
+          </a:fillRef>
+          <a:effectRef idx="0">
+            <a:schemeClr val="accent1"/>
+          </a:effectRef>
+          <a:fontRef idx="minor">
+            <a:schemeClr val="lt1"/>
+          </a:fontRef>
+        </p:style>
+      </p:cxnSp>
+      <p:cxnSp>
+        <p:nvCxnSpPr>
+          <p:cNvPr id="45" name="Connecteur droit 44"/>
+          <p:cNvCxnSpPr/>
+          <p:nvPr/>
+        </p:nvCxnSpPr>
+        <p:spPr>
+          <a:xfrm flipV="1">
+            <a:off x="152400" y="1813200"/>
+            <a:ext cx="0" cy="288031"/>
+          </a:xfrm>
+          <a:prstGeom prst="line">
+            <a:avLst/>
+          </a:prstGeom>
+          <a:solidFill>
+            <a:schemeClr val="accent6">
+              <a:lumMod val="20000"/>
+              <a:lumOff val="80000"/>
+            </a:schemeClr>
+          </a:solidFill>
+          <a:ln w="19050">
+            <a:solidFill>
+              <a:schemeClr val="accent6">
+                <a:lumMod val="50000"/>
+              </a:schemeClr>
+            </a:solidFill>
+          </a:ln>
+        </p:spPr>
+        <p:style>
+          <a:lnRef idx="2">
+            <a:schemeClr val="accent1">
+              <a:shade val="50000"/>
+            </a:schemeClr>
+          </a:lnRef>
+          <a:fillRef idx="1">
+            <a:schemeClr val="accent1"/>
+          </a:fillRef>
+          <a:effectRef idx="0">
+            <a:schemeClr val="accent1"/>
+          </a:effectRef>
+          <a:fontRef idx="minor">
+            <a:schemeClr val="lt1"/>
+          </a:fontRef>
+        </p:style>
+      </p:cxnSp>
+      <p:sp>
+        <p:nvSpPr>
+          <p:cNvPr id="13" name="Ellipse 12"/>
+          <p:cNvSpPr/>
+          <p:nvPr/>
+        </p:nvSpPr>
+        <p:spPr>
+          <a:xfrm>
+            <a:off x="1691680" y="1268760"/>
+            <a:ext cx="288032" cy="288032"/>
+          </a:xfrm>
+          <a:prstGeom prst="ellipse">
+            <a:avLst/>
+          </a:prstGeom>
+          <a:solidFill>
+            <a:schemeClr val="accent4">
+              <a:lumMod val="20000"/>
+              <a:lumOff val="80000"/>
+            </a:schemeClr>
+          </a:solidFill>
+          <a:ln w="19050">
+            <a:solidFill>
+              <a:schemeClr val="accent4"/>
+            </a:solidFill>
+          </a:ln>
+        </p:spPr>
+        <p:style>
+          <a:lnRef idx="2">
+            <a:schemeClr val="accent1">
+              <a:shade val="50000"/>
+            </a:schemeClr>
+          </a:lnRef>
+          <a:fillRef idx="1">
+            <a:schemeClr val="accent1"/>
+          </a:fillRef>
+          <a:effectRef idx="0">
+            <a:schemeClr val="accent1"/>
+          </a:effectRef>
+          <a:fontRef idx="minor">
+            <a:schemeClr val="lt1"/>
+          </a:fontRef>
+        </p:style>
+        <p:txBody>
+          <a:bodyPr lIns="0" tIns="0" rIns="0" bIns="0" rtlCol="0" anchor="ctr"/>
+          <a:lstStyle/>
+          <a:p>
+            <a:pPr algn="ctr"/>
+            <a:r>
+              <a:rPr lang="fr-FR" sz="1400" b="1" dirty="0">
+                <a:solidFill>
+                  <a:schemeClr val="accent4"/>
+                </a:solidFill>
+              </a:rPr>
+              <a:t>1</a:t>
+            </a:r>
+            <a:endParaRPr lang="fr-FR" sz="1400" b="1" baseline="-25000" dirty="0">
+              <a:solidFill>
+                <a:schemeClr val="accent4"/>
+              </a:solidFill>
+            </a:endParaRPr>
+          </a:p>
+        </p:txBody>
+      </p:sp>
+      <p:cxnSp>
+        <p:nvCxnSpPr>
+          <p:cNvPr id="15" name="Connecteur droit 14"/>
+          <p:cNvCxnSpPr>
+            <a:stCxn id="8" idx="7"/>
+            <a:endCxn id="13" idx="2"/>
+          </p:cNvCxnSpPr>
+          <p:nvPr/>
+        </p:nvCxnSpPr>
+        <p:spPr>
+          <a:xfrm flipV="1">
+            <a:off x="569379" y="1412776"/>
+            <a:ext cx="1122301" cy="442604"/>
+          </a:xfrm>
+          <a:prstGeom prst="line">
+            <a:avLst/>
+          </a:prstGeom>
+          <a:ln w="19050">
+            <a:solidFill>
+              <a:schemeClr val="tx1"/>
+            </a:solidFill>
+          </a:ln>
+        </p:spPr>
+        <p:style>
+          <a:lnRef idx="1">
+            <a:schemeClr val="accent1"/>
+          </a:lnRef>
+          <a:fillRef idx="0">
+            <a:schemeClr val="accent1"/>
+          </a:fillRef>
+          <a:effectRef idx="0">
+            <a:schemeClr val="accent1"/>
+          </a:effectRef>
+          <a:fontRef idx="minor">
+            <a:schemeClr val="tx1"/>
+          </a:fontRef>
+        </p:style>
+      </p:cxnSp>
+      <p:cxnSp>
+        <p:nvCxnSpPr>
+          <p:cNvPr id="19" name="Connecteur droit 18"/>
+          <p:cNvCxnSpPr>
+            <a:stCxn id="13" idx="4"/>
+            <a:endCxn id="4" idx="0"/>
+          </p:cNvCxnSpPr>
+          <p:nvPr/>
+        </p:nvCxnSpPr>
+        <p:spPr>
+          <a:xfrm>
+            <a:off x="1835696" y="1556792"/>
+            <a:ext cx="0" cy="852453"/>
+          </a:xfrm>
+          <a:prstGeom prst="line">
+            <a:avLst/>
+          </a:prstGeom>
+          <a:ln w="19050">
+            <a:solidFill>
+              <a:schemeClr val="tx1"/>
+            </a:solidFill>
+          </a:ln>
+        </p:spPr>
+        <p:style>
+          <a:lnRef idx="1">
+            <a:schemeClr val="accent1"/>
+          </a:lnRef>
+          <a:fillRef idx="0">
+            <a:schemeClr val="accent1"/>
+          </a:fillRef>
+          <a:effectRef idx="0">
+            <a:schemeClr val="accent1"/>
+          </a:effectRef>
+          <a:fontRef idx="minor">
+            <a:schemeClr val="tx1"/>
+          </a:fontRef>
+        </p:style>
+      </p:cxnSp>
+      <p:sp>
+        <p:nvSpPr>
+          <p:cNvPr id="17" name="Rectangle 16"/>
+          <p:cNvSpPr/>
+          <p:nvPr/>
+        </p:nvSpPr>
+        <p:spPr>
+          <a:xfrm rot="16200000">
+            <a:off x="1496854" y="1859907"/>
+            <a:ext cx="1067921" cy="246221"/>
+          </a:xfrm>
+          <a:prstGeom prst="rect">
+            <a:avLst/>
+          </a:prstGeom>
+        </p:spPr>
+        <p:txBody>
+          <a:bodyPr wrap="none">
+            <a:spAutoFit/>
+          </a:bodyPr>
+          <a:lstStyle/>
+          <a:p>
+            <a:r>
+              <a:rPr lang="fr-FR" sz="1000" dirty="0"/>
+              <a:t>Poulie – courroie</a:t>
+            </a:r>
+          </a:p>
+        </p:txBody>
+      </p:sp>
+    </p:spTree>
+    <p:extLst>
+      <p:ext uri="{BB962C8B-B14F-4D97-AF65-F5344CB8AC3E}">
+        <p14:creationId xmlns:p14="http://schemas.microsoft.com/office/powerpoint/2010/main" val="3581523801"/>
+      </p:ext>
+    </p:extLst>
+  </p:cSld>
+  <p:clrMapOvr>
+    <a:masterClrMapping/>
+  </p:clrMapOvr>
+</p:sld>
+</file>
+
+<file path=ppt/slides/slide12.xml><?xml version="1.0" encoding="utf-8"?>
+<p:sld xmlns:a="http://schemas.openxmlformats.org/drawingml/2006/main" xmlns:r="http://schemas.openxmlformats.org/officeDocument/2006/relationships" xmlns:p="http://schemas.openxmlformats.org/presentationml/2006/main">
+  <p:cSld>
+    <p:spTree>
+      <p:nvGrpSpPr>
+        <p:cNvPr id="1" name=""/>
+        <p:cNvGrpSpPr/>
+        <p:nvPr/>
+      </p:nvGrpSpPr>
+      <p:grpSpPr>
+        <a:xfrm>
+          <a:off x="0" y="0"/>
+          <a:ext cx="0" cy="0"/>
+          <a:chOff x="0" y="0"/>
+          <a:chExt cx="0" cy="0"/>
+        </a:xfrm>
+      </p:grpSpPr>
+      <p:sp>
+        <p:nvSpPr>
+          <p:cNvPr id="15" name="Rectangle 14"/>
+          <p:cNvSpPr/>
+          <p:nvPr/>
+        </p:nvSpPr>
+        <p:spPr>
+          <a:xfrm>
+            <a:off x="0" y="1813200"/>
+            <a:ext cx="152400" cy="286396"/>
+          </a:xfrm>
+          <a:prstGeom prst="rect">
+            <a:avLst/>
+          </a:prstGeom>
+          <a:solidFill>
+            <a:schemeClr val="accent6">
+              <a:lumMod val="20000"/>
+              <a:lumOff val="80000"/>
+            </a:schemeClr>
+          </a:solidFill>
+          <a:ln w="19050">
+            <a:noFill/>
+          </a:ln>
+        </p:spPr>
+        <p:style>
+          <a:lnRef idx="2">
+            <a:schemeClr val="accent1">
+              <a:shade val="50000"/>
+            </a:schemeClr>
+          </a:lnRef>
+          <a:fillRef idx="1">
+            <a:schemeClr val="accent1"/>
+          </a:fillRef>
+          <a:effectRef idx="0">
+            <a:schemeClr val="accent1"/>
+          </a:effectRef>
+          <a:fontRef idx="minor">
+            <a:schemeClr val="lt1"/>
+          </a:fontRef>
+        </p:style>
+        <p:txBody>
+          <a:bodyPr rtlCol="0" anchor="ctr"/>
+          <a:lstStyle/>
+          <a:p>
+            <a:pPr algn="ctr"/>
+            <a:endParaRPr lang="fr-FR" sz="1400" b="1">
+              <a:solidFill>
+                <a:schemeClr val="accent6">
+                  <a:lumMod val="50000"/>
+                </a:schemeClr>
+              </a:solidFill>
+            </a:endParaRPr>
+          </a:p>
+        </p:txBody>
+      </p:sp>
+      <p:sp>
+        <p:nvSpPr>
+          <p:cNvPr id="4" name="Ellipse 3"/>
+          <p:cNvSpPr/>
+          <p:nvPr/>
+        </p:nvSpPr>
+        <p:spPr>
+          <a:xfrm>
+            <a:off x="1061610" y="1813199"/>
+            <a:ext cx="288032" cy="288032"/>
+          </a:xfrm>
+          <a:prstGeom prst="ellipse">
+            <a:avLst/>
+          </a:prstGeom>
+          <a:solidFill>
+            <a:schemeClr val="accent4">
+              <a:lumMod val="20000"/>
+              <a:lumOff val="80000"/>
+            </a:schemeClr>
+          </a:solidFill>
+          <a:ln w="19050">
+            <a:solidFill>
+              <a:schemeClr val="accent4"/>
+            </a:solidFill>
+          </a:ln>
+        </p:spPr>
+        <p:style>
+          <a:lnRef idx="2">
+            <a:schemeClr val="accent1">
+              <a:shade val="50000"/>
+            </a:schemeClr>
+          </a:lnRef>
+          <a:fillRef idx="1">
+            <a:schemeClr val="accent1"/>
+          </a:fillRef>
+          <a:effectRef idx="0">
+            <a:schemeClr val="accent1"/>
+          </a:effectRef>
+          <a:fontRef idx="minor">
+            <a:schemeClr val="lt1"/>
+          </a:fontRef>
+        </p:style>
+        <p:txBody>
+          <a:bodyPr rtlCol="0" anchor="ctr"/>
+          <a:lstStyle/>
+          <a:p>
+            <a:pPr algn="ctr"/>
+            <a:r>
+              <a:rPr lang="fr-FR" sz="1400" b="1" dirty="0">
+                <a:solidFill>
+                  <a:schemeClr val="accent4"/>
+                </a:solidFill>
+              </a:rPr>
+              <a:t>1</a:t>
+            </a:r>
+          </a:p>
+        </p:txBody>
+      </p:sp>
+      <p:sp>
+        <p:nvSpPr>
+          <p:cNvPr id="5" name="Ellipse 4"/>
+          <p:cNvSpPr/>
+          <p:nvPr/>
+        </p:nvSpPr>
+        <p:spPr>
+          <a:xfrm>
+            <a:off x="1799692" y="1813199"/>
+            <a:ext cx="288032" cy="288032"/>
+          </a:xfrm>
+          <a:prstGeom prst="ellipse">
+            <a:avLst/>
+          </a:prstGeom>
+          <a:solidFill>
+            <a:schemeClr val="accent2">
+              <a:lumMod val="20000"/>
+              <a:lumOff val="80000"/>
+            </a:schemeClr>
+          </a:solidFill>
+          <a:ln w="19050">
+            <a:solidFill>
+              <a:schemeClr val="accent2"/>
+            </a:solidFill>
+          </a:ln>
+        </p:spPr>
+        <p:style>
+          <a:lnRef idx="2">
+            <a:schemeClr val="accent1">
+              <a:shade val="50000"/>
+            </a:schemeClr>
+          </a:lnRef>
+          <a:fillRef idx="1">
+            <a:schemeClr val="accent1"/>
+          </a:fillRef>
+          <a:effectRef idx="0">
+            <a:schemeClr val="accent1"/>
+          </a:effectRef>
+          <a:fontRef idx="minor">
+            <a:schemeClr val="lt1"/>
+          </a:fontRef>
+        </p:style>
+        <p:txBody>
+          <a:bodyPr rtlCol="0" anchor="ctr"/>
+          <a:lstStyle/>
+          <a:p>
+            <a:pPr algn="ctr"/>
+            <a:r>
+              <a:rPr lang="fr-FR" sz="1400" b="1" dirty="0">
+                <a:solidFill>
+                  <a:schemeClr val="accent2"/>
+                </a:solidFill>
+              </a:rPr>
+              <a:t>2</a:t>
+            </a:r>
+          </a:p>
+        </p:txBody>
+      </p:sp>
+      <p:sp>
+        <p:nvSpPr>
+          <p:cNvPr id="6" name="Ellipse 5"/>
+          <p:cNvSpPr/>
+          <p:nvPr/>
+        </p:nvSpPr>
+        <p:spPr>
+          <a:xfrm>
+            <a:off x="2537774" y="1813199"/>
+            <a:ext cx="288032" cy="288032"/>
+          </a:xfrm>
+          <a:prstGeom prst="ellipse">
+            <a:avLst/>
+          </a:prstGeom>
+          <a:solidFill>
+            <a:schemeClr val="accent3">
+              <a:lumMod val="20000"/>
+              <a:lumOff val="80000"/>
+            </a:schemeClr>
+          </a:solidFill>
+          <a:ln w="19050">
+            <a:solidFill>
+              <a:schemeClr val="accent3"/>
+            </a:solidFill>
+          </a:ln>
+        </p:spPr>
+        <p:style>
+          <a:lnRef idx="2">
+            <a:schemeClr val="accent1">
+              <a:shade val="50000"/>
+            </a:schemeClr>
+          </a:lnRef>
+          <a:fillRef idx="1">
+            <a:schemeClr val="accent1"/>
+          </a:fillRef>
+          <a:effectRef idx="0">
+            <a:schemeClr val="accent1"/>
+          </a:effectRef>
+          <a:fontRef idx="minor">
+            <a:schemeClr val="lt1"/>
+          </a:fontRef>
+        </p:style>
+        <p:txBody>
+          <a:bodyPr rtlCol="0" anchor="ctr"/>
+          <a:lstStyle/>
+          <a:p>
+            <a:pPr algn="ctr"/>
+            <a:r>
+              <a:rPr lang="fr-FR" sz="1400" b="1" dirty="0">
+                <a:solidFill>
+                  <a:schemeClr val="accent3"/>
+                </a:solidFill>
+              </a:rPr>
+              <a:t>3</a:t>
+            </a:r>
+          </a:p>
+        </p:txBody>
+      </p:sp>
+      <p:sp>
+        <p:nvSpPr>
+          <p:cNvPr id="7" name="Ellipse 6"/>
+          <p:cNvSpPr/>
+          <p:nvPr/>
+        </p:nvSpPr>
+        <p:spPr>
+          <a:xfrm>
+            <a:off x="3275856" y="1813199"/>
+            <a:ext cx="288032" cy="288032"/>
+          </a:xfrm>
+          <a:prstGeom prst="ellipse">
+            <a:avLst/>
+          </a:prstGeom>
+          <a:solidFill>
+            <a:schemeClr val="bg1">
+              <a:lumMod val="85000"/>
+            </a:schemeClr>
+          </a:solidFill>
+          <a:ln w="19050">
+            <a:solidFill>
+              <a:schemeClr val="tx1"/>
+            </a:solidFill>
+          </a:ln>
+        </p:spPr>
+        <p:style>
+          <a:lnRef idx="2">
+            <a:schemeClr val="accent1">
+              <a:shade val="50000"/>
+            </a:schemeClr>
+          </a:lnRef>
+          <a:fillRef idx="1">
+            <a:schemeClr val="accent1"/>
+          </a:fillRef>
+          <a:effectRef idx="0">
+            <a:schemeClr val="accent1"/>
+          </a:effectRef>
+          <a:fontRef idx="minor">
+            <a:schemeClr val="lt1"/>
+          </a:fontRef>
+        </p:style>
+        <p:txBody>
+          <a:bodyPr rtlCol="0" anchor="ctr"/>
+          <a:lstStyle/>
+          <a:p>
+            <a:pPr algn="ctr"/>
+            <a:r>
+              <a:rPr lang="fr-FR" sz="1400" b="1" dirty="0">
+                <a:solidFill>
+                  <a:schemeClr val="tx1"/>
+                </a:solidFill>
+              </a:rPr>
+              <a:t>4</a:t>
+            </a:r>
+          </a:p>
+        </p:txBody>
+      </p:sp>
+      <p:sp>
+        <p:nvSpPr>
+          <p:cNvPr id="8" name="Ellipse 7"/>
+          <p:cNvSpPr/>
+          <p:nvPr/>
+        </p:nvSpPr>
+        <p:spPr>
+          <a:xfrm>
+            <a:off x="323528" y="1813199"/>
+            <a:ext cx="288032" cy="288032"/>
+          </a:xfrm>
+          <a:prstGeom prst="ellipse">
+            <a:avLst/>
+          </a:prstGeom>
+          <a:solidFill>
+            <a:schemeClr val="accent6">
+              <a:lumMod val="20000"/>
+              <a:lumOff val="80000"/>
+            </a:schemeClr>
+          </a:solidFill>
+          <a:ln w="19050">
+            <a:solidFill>
+              <a:schemeClr val="accent6">
+                <a:lumMod val="50000"/>
+              </a:schemeClr>
+            </a:solidFill>
+          </a:ln>
+        </p:spPr>
+        <p:style>
+          <a:lnRef idx="2">
+            <a:schemeClr val="accent1">
+              <a:shade val="50000"/>
+            </a:schemeClr>
+          </a:lnRef>
+          <a:fillRef idx="1">
+            <a:schemeClr val="accent1"/>
+          </a:fillRef>
+          <a:effectRef idx="0">
+            <a:schemeClr val="accent1"/>
+          </a:effectRef>
+          <a:fontRef idx="minor">
+            <a:schemeClr val="lt1"/>
+          </a:fontRef>
+        </p:style>
+        <p:txBody>
+          <a:bodyPr rtlCol="0" anchor="ctr"/>
+          <a:lstStyle/>
+          <a:p>
+            <a:pPr algn="ctr"/>
+            <a:r>
+              <a:rPr lang="fr-FR" sz="1400" b="1" dirty="0">
+                <a:solidFill>
+                  <a:schemeClr val="accent6">
+                    <a:lumMod val="50000"/>
+                  </a:schemeClr>
+                </a:solidFill>
+              </a:rPr>
+              <a:t>0</a:t>
+            </a:r>
+          </a:p>
+        </p:txBody>
+      </p:sp>
+      <p:cxnSp>
+        <p:nvCxnSpPr>
+          <p:cNvPr id="10" name="Connecteur droit 9"/>
+          <p:cNvCxnSpPr>
+            <a:stCxn id="8" idx="6"/>
+            <a:endCxn id="4" idx="2"/>
+          </p:cNvCxnSpPr>
+          <p:nvPr/>
+        </p:nvCxnSpPr>
+        <p:spPr>
+          <a:xfrm>
+            <a:off x="611560" y="1957215"/>
+            <a:ext cx="450050" cy="0"/>
+          </a:xfrm>
+          <a:prstGeom prst="line">
+            <a:avLst/>
+          </a:prstGeom>
+          <a:ln w="19050">
+            <a:solidFill>
+              <a:schemeClr val="tx1"/>
+            </a:solidFill>
+          </a:ln>
+        </p:spPr>
+        <p:style>
+          <a:lnRef idx="1">
+            <a:schemeClr val="accent1"/>
+          </a:lnRef>
+          <a:fillRef idx="0">
+            <a:schemeClr val="accent1"/>
+          </a:fillRef>
+          <a:effectRef idx="0">
+            <a:schemeClr val="accent1"/>
+          </a:effectRef>
+          <a:fontRef idx="minor">
+            <a:schemeClr val="tx1"/>
+          </a:fontRef>
+        </p:style>
+      </p:cxnSp>
+      <p:cxnSp>
+        <p:nvCxnSpPr>
+          <p:cNvPr id="11" name="Connecteur droit 10"/>
+          <p:cNvCxnSpPr>
+            <a:stCxn id="5" idx="2"/>
+            <a:endCxn id="4" idx="6"/>
+          </p:cNvCxnSpPr>
+          <p:nvPr/>
+        </p:nvCxnSpPr>
+        <p:spPr>
+          <a:xfrm flipH="1">
+            <a:off x="1349642" y="1957215"/>
+            <a:ext cx="450050" cy="0"/>
+          </a:xfrm>
+          <a:prstGeom prst="line">
+            <a:avLst/>
+          </a:prstGeom>
+          <a:ln w="19050">
+            <a:solidFill>
+              <a:schemeClr val="tx1"/>
+            </a:solidFill>
+          </a:ln>
+        </p:spPr>
+        <p:style>
+          <a:lnRef idx="1">
+            <a:schemeClr val="accent1"/>
+          </a:lnRef>
+          <a:fillRef idx="0">
+            <a:schemeClr val="accent1"/>
+          </a:fillRef>
+          <a:effectRef idx="0">
+            <a:schemeClr val="accent1"/>
+          </a:effectRef>
+          <a:fontRef idx="minor">
+            <a:schemeClr val="tx1"/>
+          </a:fontRef>
+        </p:style>
+      </p:cxnSp>
+      <p:cxnSp>
+        <p:nvCxnSpPr>
+          <p:cNvPr id="14" name="Connecteur droit 13"/>
+          <p:cNvCxnSpPr>
+            <a:stCxn id="6" idx="2"/>
+            <a:endCxn id="5" idx="6"/>
+          </p:cNvCxnSpPr>
+          <p:nvPr/>
+        </p:nvCxnSpPr>
+        <p:spPr>
+          <a:xfrm flipH="1">
+            <a:off x="2087724" y="1957215"/>
+            <a:ext cx="450050" cy="0"/>
+          </a:xfrm>
+          <a:prstGeom prst="line">
+            <a:avLst/>
+          </a:prstGeom>
+          <a:ln w="19050">
+            <a:solidFill>
+              <a:schemeClr val="tx1"/>
+            </a:solidFill>
+          </a:ln>
+        </p:spPr>
+        <p:style>
+          <a:lnRef idx="1">
+            <a:schemeClr val="accent1"/>
+          </a:lnRef>
+          <a:fillRef idx="0">
+            <a:schemeClr val="accent1"/>
+          </a:fillRef>
+          <a:effectRef idx="0">
+            <a:schemeClr val="accent1"/>
+          </a:effectRef>
+          <a:fontRef idx="minor">
+            <a:schemeClr val="tx1"/>
+          </a:fontRef>
+        </p:style>
+      </p:cxnSp>
+      <p:cxnSp>
+        <p:nvCxnSpPr>
+          <p:cNvPr id="17" name="Connecteur droit 16"/>
+          <p:cNvCxnSpPr>
+            <a:stCxn id="7" idx="2"/>
+            <a:endCxn id="6" idx="6"/>
+          </p:cNvCxnSpPr>
+          <p:nvPr/>
+        </p:nvCxnSpPr>
+        <p:spPr>
+          <a:xfrm flipH="1">
+            <a:off x="2825806" y="1957215"/>
+            <a:ext cx="450050" cy="0"/>
+          </a:xfrm>
+          <a:prstGeom prst="line">
+            <a:avLst/>
+          </a:prstGeom>
+          <a:ln w="19050">
+            <a:solidFill>
+              <a:schemeClr val="tx1"/>
+            </a:solidFill>
+          </a:ln>
+        </p:spPr>
+        <p:style>
+          <a:lnRef idx="1">
+            <a:schemeClr val="accent1"/>
+          </a:lnRef>
+          <a:fillRef idx="0">
+            <a:schemeClr val="accent1"/>
+          </a:fillRef>
+          <a:effectRef idx="0">
+            <a:schemeClr val="accent1"/>
+          </a:effectRef>
+          <a:fontRef idx="minor">
+            <a:schemeClr val="tx1"/>
+          </a:fontRef>
+        </p:style>
+      </p:cxnSp>
+      <mc:AlternateContent xmlns:mc="http://schemas.openxmlformats.org/markup-compatibility/2006" xmlns:a14="http://schemas.microsoft.com/office/drawing/2010/main">
+        <mc:Choice Requires="a14">
+          <p:sp>
+            <p:nvSpPr>
+              <p:cNvPr id="31" name="ZoneTexte 30"/>
+              <p:cNvSpPr txBox="1"/>
+              <p:nvPr/>
+            </p:nvSpPr>
+            <p:spPr>
+              <a:xfrm rot="2700000">
+                <a:off x="583745" y="2358459"/>
+                <a:ext cx="901722" cy="261610"/>
+              </a:xfrm>
+              <a:prstGeom prst="rect">
+                <a:avLst/>
+              </a:prstGeom>
+              <a:noFill/>
+            </p:spPr>
+            <p:txBody>
+              <a:bodyPr wrap="none" rtlCol="0">
+                <a:spAutoFit/>
+              </a:bodyPr>
+              <a:lstStyle/>
+              <a:p>
+                <a:r>
+                  <a:rPr lang="fr-FR" sz="1100" b="0" dirty="0"/>
+                  <a:t>Pivot </a:t>
+                </a:r>
+                <a14:m>
+                  <m:oMath xmlns:m="http://schemas.openxmlformats.org/officeDocument/2006/math">
+                    <m:d>
+                      <m:dPr>
+                        <m:ctrlPr>
+                          <a:rPr lang="fr-FR" sz="1100" b="0" i="1" smtClean="0">
+                            <a:latin typeface="Cambria Math" panose="02040503050406030204" pitchFamily="18" charset="0"/>
+                          </a:rPr>
+                        </m:ctrlPr>
+                      </m:dPr>
+                      <m:e>
+                        <m:r>
+                          <a:rPr lang="fr-FR" sz="1100" b="0" i="1" smtClean="0">
+                            <a:latin typeface="Cambria Math"/>
+                          </a:rPr>
+                          <m:t>𝑂</m:t>
+                        </m:r>
+                        <m:r>
+                          <a:rPr lang="fr-FR" sz="1100" b="0" i="1" smtClean="0">
+                            <a:latin typeface="Cambria Math"/>
+                          </a:rPr>
+                          <m:t>,</m:t>
+                        </m:r>
+                        <m:acc>
+                          <m:accPr>
+                            <m:chr m:val="⃗"/>
+                            <m:ctrlPr>
+                              <a:rPr lang="fr-FR" sz="1100" b="0" i="1" smtClean="0">
+                                <a:latin typeface="Cambria Math" panose="02040503050406030204" pitchFamily="18" charset="0"/>
+                              </a:rPr>
+                            </m:ctrlPr>
+                          </m:accPr>
+                          <m:e>
+                            <m:sSub>
+                              <m:sSubPr>
+                                <m:ctrlPr>
+                                  <a:rPr lang="fr-FR" sz="1100" b="0" i="1" smtClean="0">
+                                    <a:latin typeface="Cambria Math" panose="02040503050406030204" pitchFamily="18" charset="0"/>
+                                  </a:rPr>
+                                </m:ctrlPr>
+                              </m:sSubPr>
+                              <m:e>
+                                <m:r>
+                                  <a:rPr lang="fr-FR" sz="1100" b="0" i="1" smtClean="0">
+                                    <a:latin typeface="Cambria Math"/>
+                                  </a:rPr>
+                                  <m:t>𝑧</m:t>
+                                </m:r>
+                              </m:e>
+                              <m:sub>
+                                <m:r>
+                                  <a:rPr lang="fr-FR" sz="1100" b="0" i="1" smtClean="0">
+                                    <a:latin typeface="Cambria Math"/>
+                                  </a:rPr>
+                                  <m:t>1</m:t>
+                                </m:r>
+                              </m:sub>
+                            </m:sSub>
+                          </m:e>
+                        </m:acc>
+                      </m:e>
+                    </m:d>
+                  </m:oMath>
+                </a14:m>
+                <a:endParaRPr lang="fr-FR" sz="1100" dirty="0"/>
+              </a:p>
+            </p:txBody>
+          </p:sp>
+        </mc:Choice>
+        <mc:Fallback xmlns="">
+          <p:sp>
+            <p:nvSpPr>
+              <p:cNvPr id="31" name="ZoneTexte 30"/>
+              <p:cNvSpPr txBox="1">
+                <a:spLocks noRot="1" noChangeAspect="1" noMove="1" noResize="1" noEditPoints="1" noAdjustHandles="1" noChangeArrowheads="1" noChangeShapeType="1" noTextEdit="1"/>
+              </p:cNvSpPr>
+              <p:nvPr/>
+            </p:nvSpPr>
+            <p:spPr>
+              <a:xfrm rot="2700000">
+                <a:off x="583745" y="2358459"/>
+                <a:ext cx="901722" cy="261610"/>
+              </a:xfrm>
+              <a:prstGeom prst="rect">
+                <a:avLst/>
+              </a:prstGeom>
+              <a:blipFill rotWithShape="1">
+                <a:blip r:embed="rId2"/>
+                <a:stretch>
+                  <a:fillRect l="-2941"/>
+                </a:stretch>
+              </a:blipFill>
+            </p:spPr>
+            <p:txBody>
+              <a:bodyPr/>
+              <a:lstStyle/>
+              <a:p>
+                <a:r>
+                  <a:rPr lang="fr-FR">
+                    <a:noFill/>
+                  </a:rPr>
+                  <a:t> </a:t>
+                </a:r>
+              </a:p>
+            </p:txBody>
+          </p:sp>
+        </mc:Fallback>
+      </mc:AlternateContent>
+      <mc:AlternateContent xmlns:mc="http://schemas.openxmlformats.org/markup-compatibility/2006" xmlns:a14="http://schemas.microsoft.com/office/drawing/2010/main">
+        <mc:Choice Requires="a14">
+          <p:sp>
+            <p:nvSpPr>
+              <p:cNvPr id="32" name="ZoneTexte 31"/>
+              <p:cNvSpPr txBox="1"/>
+              <p:nvPr/>
+            </p:nvSpPr>
+            <p:spPr>
+              <a:xfrm rot="2700000">
+                <a:off x="1329193" y="2358459"/>
+                <a:ext cx="904991" cy="261610"/>
+              </a:xfrm>
+              <a:prstGeom prst="rect">
+                <a:avLst/>
+              </a:prstGeom>
+              <a:noFill/>
+            </p:spPr>
+            <p:txBody>
+              <a:bodyPr wrap="none" rtlCol="0">
+                <a:spAutoFit/>
+              </a:bodyPr>
+              <a:lstStyle/>
+              <a:p>
+                <a:r>
+                  <a:rPr lang="fr-FR" sz="1100" b="0" dirty="0"/>
+                  <a:t>Pivot </a:t>
+                </a:r>
+                <a14:m>
+                  <m:oMath xmlns:m="http://schemas.openxmlformats.org/officeDocument/2006/math">
+                    <m:d>
+                      <m:dPr>
+                        <m:ctrlPr>
+                          <a:rPr lang="fr-FR" sz="1100" b="0" i="1" smtClean="0">
+                            <a:latin typeface="Cambria Math" panose="02040503050406030204" pitchFamily="18" charset="0"/>
+                          </a:rPr>
+                        </m:ctrlPr>
+                      </m:dPr>
+                      <m:e>
+                        <m:r>
+                          <a:rPr lang="fr-FR" sz="1100" b="0" i="1" smtClean="0">
+                            <a:latin typeface="Cambria Math"/>
+                          </a:rPr>
+                          <m:t>𝑂</m:t>
+                        </m:r>
+                        <m:r>
+                          <a:rPr lang="fr-FR" sz="1100" b="0" i="1" smtClean="0">
+                            <a:latin typeface="Cambria Math"/>
+                          </a:rPr>
+                          <m:t>,</m:t>
+                        </m:r>
+                        <m:acc>
+                          <m:accPr>
+                            <m:chr m:val="⃗"/>
+                            <m:ctrlPr>
+                              <a:rPr lang="fr-FR" sz="1100" b="0" i="1" smtClean="0">
+                                <a:latin typeface="Cambria Math" panose="02040503050406030204" pitchFamily="18" charset="0"/>
+                              </a:rPr>
+                            </m:ctrlPr>
+                          </m:accPr>
+                          <m:e>
+                            <m:sSub>
+                              <m:sSubPr>
+                                <m:ctrlPr>
+                                  <a:rPr lang="fr-FR" sz="1100" b="0" i="1" smtClean="0">
+                                    <a:latin typeface="Cambria Math" panose="02040503050406030204" pitchFamily="18" charset="0"/>
+                                  </a:rPr>
+                                </m:ctrlPr>
+                              </m:sSubPr>
+                              <m:e>
+                                <m:r>
+                                  <a:rPr lang="fr-FR" sz="1100" b="0" i="1" smtClean="0">
+                                    <a:latin typeface="Cambria Math"/>
+                                  </a:rPr>
+                                  <m:t>𝑧</m:t>
+                                </m:r>
+                              </m:e>
+                              <m:sub>
+                                <m:r>
+                                  <a:rPr lang="fr-FR" sz="1100" b="0" i="1" smtClean="0">
+                                    <a:latin typeface="Cambria Math"/>
+                                  </a:rPr>
+                                  <m:t>2</m:t>
+                                </m:r>
+                              </m:sub>
+                            </m:sSub>
+                          </m:e>
+                        </m:acc>
+                      </m:e>
+                    </m:d>
+                  </m:oMath>
+                </a14:m>
+                <a:endParaRPr lang="fr-FR" sz="1100" dirty="0"/>
+              </a:p>
+            </p:txBody>
+          </p:sp>
+        </mc:Choice>
+        <mc:Fallback xmlns="">
+          <p:sp>
+            <p:nvSpPr>
+              <p:cNvPr id="32" name="ZoneTexte 31"/>
+              <p:cNvSpPr txBox="1">
+                <a:spLocks noRot="1" noChangeAspect="1" noMove="1" noResize="1" noEditPoints="1" noAdjustHandles="1" noChangeArrowheads="1" noChangeShapeType="1" noTextEdit="1"/>
+              </p:cNvSpPr>
+              <p:nvPr/>
+            </p:nvSpPr>
+            <p:spPr>
+              <a:xfrm rot="2700000">
+                <a:off x="1329193" y="2358459"/>
+                <a:ext cx="904991" cy="261610"/>
+              </a:xfrm>
+              <a:prstGeom prst="rect">
+                <a:avLst/>
+              </a:prstGeom>
+              <a:blipFill rotWithShape="1">
+                <a:blip r:embed="rId3"/>
+                <a:stretch>
+                  <a:fillRect l="-2941"/>
+                </a:stretch>
+              </a:blipFill>
+            </p:spPr>
+            <p:txBody>
+              <a:bodyPr/>
+              <a:lstStyle/>
+              <a:p>
+                <a:r>
+                  <a:rPr lang="fr-FR">
+                    <a:noFill/>
+                  </a:rPr>
+                  <a:t> </a:t>
+                </a:r>
+              </a:p>
+            </p:txBody>
+          </p:sp>
+        </mc:Fallback>
+      </mc:AlternateContent>
+      <mc:AlternateContent xmlns:mc="http://schemas.openxmlformats.org/markup-compatibility/2006" xmlns:a14="http://schemas.microsoft.com/office/drawing/2010/main">
+        <mc:Choice Requires="a14">
+          <p:sp>
+            <p:nvSpPr>
+              <p:cNvPr id="33" name="ZoneTexte 32"/>
+              <p:cNvSpPr txBox="1"/>
+              <p:nvPr/>
+            </p:nvSpPr>
+            <p:spPr>
+              <a:xfrm rot="2700000">
+                <a:off x="2076276" y="2358459"/>
+                <a:ext cx="904991" cy="261610"/>
+              </a:xfrm>
+              <a:prstGeom prst="rect">
+                <a:avLst/>
+              </a:prstGeom>
+              <a:noFill/>
+            </p:spPr>
+            <p:txBody>
+              <a:bodyPr wrap="none" rtlCol="0">
+                <a:spAutoFit/>
+              </a:bodyPr>
+              <a:lstStyle/>
+              <a:p>
+                <a:r>
+                  <a:rPr lang="fr-FR" sz="1100" b="0" dirty="0"/>
+                  <a:t>Pivot </a:t>
+                </a:r>
+                <a14:m>
+                  <m:oMath xmlns:m="http://schemas.openxmlformats.org/officeDocument/2006/math">
+                    <m:d>
+                      <m:dPr>
+                        <m:ctrlPr>
+                          <a:rPr lang="fr-FR" sz="1100" b="0" i="1" smtClean="0">
+                            <a:latin typeface="Cambria Math" panose="02040503050406030204" pitchFamily="18" charset="0"/>
+                          </a:rPr>
+                        </m:ctrlPr>
+                      </m:dPr>
+                      <m:e>
+                        <m:r>
+                          <a:rPr lang="fr-FR" sz="1100" b="0" i="1" smtClean="0">
+                            <a:latin typeface="Cambria Math"/>
+                          </a:rPr>
+                          <m:t>𝑂</m:t>
+                        </m:r>
+                        <m:r>
+                          <a:rPr lang="fr-FR" sz="1100" b="0" i="1" smtClean="0">
+                            <a:latin typeface="Cambria Math"/>
+                          </a:rPr>
+                          <m:t>,</m:t>
+                        </m:r>
+                        <m:acc>
+                          <m:accPr>
+                            <m:chr m:val="⃗"/>
+                            <m:ctrlPr>
+                              <a:rPr lang="fr-FR" sz="1100" b="0" i="1" smtClean="0">
+                                <a:latin typeface="Cambria Math" panose="02040503050406030204" pitchFamily="18" charset="0"/>
+                              </a:rPr>
+                            </m:ctrlPr>
+                          </m:accPr>
+                          <m:e>
+                            <m:sSub>
+                              <m:sSubPr>
+                                <m:ctrlPr>
+                                  <a:rPr lang="fr-FR" sz="1100" b="0" i="1" smtClean="0">
+                                    <a:latin typeface="Cambria Math" panose="02040503050406030204" pitchFamily="18" charset="0"/>
+                                  </a:rPr>
+                                </m:ctrlPr>
+                              </m:sSubPr>
+                              <m:e>
+                                <m:r>
+                                  <a:rPr lang="fr-FR" sz="1100" b="0" i="1" smtClean="0">
+                                    <a:latin typeface="Cambria Math"/>
+                                  </a:rPr>
+                                  <m:t>𝑧</m:t>
+                                </m:r>
+                              </m:e>
+                              <m:sub>
+                                <m:r>
+                                  <a:rPr lang="fr-FR" sz="1100" b="0" i="1" smtClean="0">
+                                    <a:latin typeface="Cambria Math"/>
+                                  </a:rPr>
+                                  <m:t>3</m:t>
+                                </m:r>
+                              </m:sub>
+                            </m:sSub>
+                          </m:e>
+                        </m:acc>
+                      </m:e>
+                    </m:d>
+                  </m:oMath>
+                </a14:m>
+                <a:endParaRPr lang="fr-FR" sz="1100" dirty="0"/>
+              </a:p>
+            </p:txBody>
+          </p:sp>
+        </mc:Choice>
+        <mc:Fallback xmlns="">
+          <p:sp>
+            <p:nvSpPr>
+              <p:cNvPr id="33" name="ZoneTexte 32"/>
+              <p:cNvSpPr txBox="1">
+                <a:spLocks noRot="1" noChangeAspect="1" noMove="1" noResize="1" noEditPoints="1" noAdjustHandles="1" noChangeArrowheads="1" noChangeShapeType="1" noTextEdit="1"/>
+              </p:cNvSpPr>
+              <p:nvPr/>
+            </p:nvSpPr>
+            <p:spPr>
+              <a:xfrm rot="2700000">
+                <a:off x="2076276" y="2358459"/>
+                <a:ext cx="904991" cy="261610"/>
+              </a:xfrm>
+              <a:prstGeom prst="rect">
+                <a:avLst/>
+              </a:prstGeom>
+              <a:blipFill rotWithShape="1">
+                <a:blip r:embed="rId4"/>
+                <a:stretch>
+                  <a:fillRect l="-2941"/>
+                </a:stretch>
+              </a:blipFill>
+            </p:spPr>
+            <p:txBody>
+              <a:bodyPr/>
+              <a:lstStyle/>
+              <a:p>
+                <a:r>
+                  <a:rPr lang="fr-FR">
+                    <a:noFill/>
+                  </a:rPr>
+                  <a:t> </a:t>
+                </a:r>
+              </a:p>
+            </p:txBody>
+          </p:sp>
+        </mc:Fallback>
+      </mc:AlternateContent>
+      <mc:AlternateContent xmlns:mc="http://schemas.openxmlformats.org/markup-compatibility/2006" xmlns:a14="http://schemas.microsoft.com/office/drawing/2010/main">
+        <mc:Choice Requires="a14">
+          <p:sp>
+            <p:nvSpPr>
+              <p:cNvPr id="34" name="ZoneTexte 33"/>
+              <p:cNvSpPr txBox="1"/>
+              <p:nvPr/>
+            </p:nvSpPr>
+            <p:spPr>
+              <a:xfrm rot="2700000">
+                <a:off x="2800789" y="2358459"/>
+                <a:ext cx="950132" cy="261610"/>
+              </a:xfrm>
+              <a:prstGeom prst="rect">
+                <a:avLst/>
+              </a:prstGeom>
+              <a:noFill/>
+            </p:spPr>
+            <p:txBody>
+              <a:bodyPr wrap="none" rtlCol="0">
+                <a:spAutoFit/>
+              </a:bodyPr>
+              <a:lstStyle/>
+              <a:p>
+                <a:r>
+                  <a:rPr lang="fr-FR" sz="1100" b="0" dirty="0"/>
+                  <a:t>Glissière </a:t>
+                </a:r>
+                <a14:m>
+                  <m:oMath xmlns:m="http://schemas.openxmlformats.org/officeDocument/2006/math">
+                    <m:d>
+                      <m:dPr>
+                        <m:ctrlPr>
+                          <a:rPr lang="fr-FR" sz="1100" b="0" i="1" smtClean="0">
+                            <a:latin typeface="Cambria Math" panose="02040503050406030204" pitchFamily="18" charset="0"/>
+                          </a:rPr>
+                        </m:ctrlPr>
+                      </m:dPr>
+                      <m:e>
+                        <m:acc>
+                          <m:accPr>
+                            <m:chr m:val="⃗"/>
+                            <m:ctrlPr>
+                              <a:rPr lang="fr-FR" sz="1100" b="0" i="1" smtClean="0">
+                                <a:latin typeface="Cambria Math" panose="02040503050406030204" pitchFamily="18" charset="0"/>
+                              </a:rPr>
+                            </m:ctrlPr>
+                          </m:accPr>
+                          <m:e>
+                            <m:sSub>
+                              <m:sSubPr>
+                                <m:ctrlPr>
+                                  <a:rPr lang="fr-FR" sz="1100" b="0" i="1" smtClean="0">
+                                    <a:latin typeface="Cambria Math" panose="02040503050406030204" pitchFamily="18" charset="0"/>
+                                  </a:rPr>
+                                </m:ctrlPr>
+                              </m:sSubPr>
+                              <m:e>
+                                <m:r>
+                                  <a:rPr lang="fr-FR" sz="1100" b="0" i="1" smtClean="0">
+                                    <a:latin typeface="Cambria Math"/>
+                                  </a:rPr>
+                                  <m:t>𝑧</m:t>
+                                </m:r>
+                              </m:e>
+                              <m:sub>
+                                <m:r>
+                                  <a:rPr lang="fr-FR" sz="1100" b="0" i="1" smtClean="0">
+                                    <a:latin typeface="Cambria Math"/>
+                                  </a:rPr>
+                                  <m:t>3</m:t>
+                                </m:r>
+                              </m:sub>
+                            </m:sSub>
+                          </m:e>
+                        </m:acc>
+                      </m:e>
+                    </m:d>
+                  </m:oMath>
+                </a14:m>
+                <a:endParaRPr lang="fr-FR" sz="1100" dirty="0"/>
+              </a:p>
+            </p:txBody>
+          </p:sp>
+        </mc:Choice>
+        <mc:Fallback xmlns="">
+          <p:sp>
+            <p:nvSpPr>
+              <p:cNvPr id="34" name="ZoneTexte 33"/>
+              <p:cNvSpPr txBox="1">
+                <a:spLocks noRot="1" noChangeAspect="1" noMove="1" noResize="1" noEditPoints="1" noAdjustHandles="1" noChangeArrowheads="1" noChangeShapeType="1" noTextEdit="1"/>
+              </p:cNvSpPr>
+              <p:nvPr/>
+            </p:nvSpPr>
+            <p:spPr>
+              <a:xfrm rot="2700000">
+                <a:off x="2800789" y="2358459"/>
+                <a:ext cx="950132" cy="261610"/>
+              </a:xfrm>
+              <a:prstGeom prst="rect">
+                <a:avLst/>
+              </a:prstGeom>
+              <a:blipFill rotWithShape="1">
+                <a:blip r:embed="rId5"/>
+                <a:stretch>
+                  <a:fillRect l="-2837"/>
+                </a:stretch>
+              </a:blipFill>
+            </p:spPr>
+            <p:txBody>
+              <a:bodyPr/>
+              <a:lstStyle/>
+              <a:p>
+                <a:r>
+                  <a:rPr lang="fr-FR">
+                    <a:noFill/>
+                  </a:rPr>
+                  <a:t> </a:t>
+                </a:r>
+              </a:p>
+            </p:txBody>
+          </p:sp>
+        </mc:Fallback>
+      </mc:AlternateContent>
+      <p:cxnSp>
+        <p:nvCxnSpPr>
+          <p:cNvPr id="41" name="Connecteur droit 40"/>
+          <p:cNvCxnSpPr/>
+          <p:nvPr/>
+        </p:nvCxnSpPr>
+        <p:spPr>
+          <a:xfrm>
+            <a:off x="152400" y="1957215"/>
+            <a:ext cx="171128" cy="0"/>
+          </a:xfrm>
+          <a:prstGeom prst="line">
+            <a:avLst/>
+          </a:prstGeom>
+          <a:solidFill>
+            <a:schemeClr val="accent6">
+              <a:lumMod val="20000"/>
+              <a:lumOff val="80000"/>
+            </a:schemeClr>
+          </a:solidFill>
+          <a:ln w="19050">
+            <a:solidFill>
+              <a:schemeClr val="accent6">
+                <a:lumMod val="50000"/>
+              </a:schemeClr>
+            </a:solidFill>
+          </a:ln>
+        </p:spPr>
+        <p:style>
+          <a:lnRef idx="2">
+            <a:schemeClr val="accent1">
+              <a:shade val="50000"/>
+            </a:schemeClr>
+          </a:lnRef>
+          <a:fillRef idx="1">
+            <a:schemeClr val="accent1"/>
+          </a:fillRef>
+          <a:effectRef idx="0">
+            <a:schemeClr val="accent1"/>
+          </a:effectRef>
+          <a:fontRef idx="minor">
+            <a:schemeClr val="lt1"/>
+          </a:fontRef>
+        </p:style>
+      </p:cxnSp>
+      <p:cxnSp>
+        <p:nvCxnSpPr>
+          <p:cNvPr id="43" name="Connecteur droit 42"/>
+          <p:cNvCxnSpPr/>
+          <p:nvPr/>
+        </p:nvCxnSpPr>
+        <p:spPr>
+          <a:xfrm flipV="1">
+            <a:off x="152400" y="1813200"/>
+            <a:ext cx="0" cy="288031"/>
+          </a:xfrm>
+          <a:prstGeom prst="line">
+            <a:avLst/>
+          </a:prstGeom>
+          <a:solidFill>
+            <a:schemeClr val="accent6">
+              <a:lumMod val="20000"/>
+              <a:lumOff val="80000"/>
+            </a:schemeClr>
+          </a:solidFill>
+          <a:ln w="19050">
+            <a:solidFill>
+              <a:schemeClr val="accent6">
+                <a:lumMod val="50000"/>
+              </a:schemeClr>
+            </a:solidFill>
+          </a:ln>
+        </p:spPr>
+        <p:style>
+          <a:lnRef idx="2">
+            <a:schemeClr val="accent1">
+              <a:shade val="50000"/>
+            </a:schemeClr>
+          </a:lnRef>
+          <a:fillRef idx="1">
+            <a:schemeClr val="accent1"/>
+          </a:fillRef>
+          <a:effectRef idx="0">
+            <a:schemeClr val="accent1"/>
+          </a:effectRef>
+          <a:fontRef idx="minor">
+            <a:schemeClr val="lt1"/>
+          </a:fontRef>
+        </p:style>
+      </p:cxnSp>
+      <p:cxnSp>
+        <p:nvCxnSpPr>
+          <p:cNvPr id="44" name="Connecteur droit 43"/>
+          <p:cNvCxnSpPr>
+            <a:stCxn id="7" idx="1"/>
+            <a:endCxn id="8" idx="7"/>
+          </p:cNvCxnSpPr>
+          <p:nvPr/>
+        </p:nvCxnSpPr>
+        <p:spPr>
+          <a:xfrm rot="16200000" flipV="1">
+            <a:off x="1943708" y="481051"/>
+            <a:ext cx="12700" cy="2748658"/>
+          </a:xfrm>
+          <a:prstGeom prst="curvedConnector3">
+            <a:avLst>
+              <a:gd name="adj1" fmla="val 2132134"/>
+            </a:avLst>
+          </a:prstGeom>
+          <a:ln w="19050">
+            <a:solidFill>
+              <a:schemeClr val="tx1"/>
+            </a:solidFill>
+            <a:prstDash val="sysDash"/>
+          </a:ln>
+        </p:spPr>
+        <p:style>
+          <a:lnRef idx="1">
+            <a:schemeClr val="accent1"/>
+          </a:lnRef>
+          <a:fillRef idx="0">
+            <a:schemeClr val="accent1"/>
+          </a:fillRef>
+          <a:effectRef idx="0">
+            <a:schemeClr val="accent1"/>
+          </a:effectRef>
+          <a:fontRef idx="minor">
+            <a:schemeClr val="tx1"/>
+          </a:fontRef>
+        </p:style>
+      </p:cxnSp>
+      <p:sp>
+        <p:nvSpPr>
+          <p:cNvPr id="45" name="ZoneTexte 44"/>
+          <p:cNvSpPr txBox="1"/>
+          <p:nvPr/>
+        </p:nvSpPr>
+        <p:spPr>
+          <a:xfrm>
+            <a:off x="1401732" y="1340768"/>
+            <a:ext cx="1083951" cy="261610"/>
+          </a:xfrm>
+          <a:prstGeom prst="rect">
+            <a:avLst/>
+          </a:prstGeom>
+          <a:noFill/>
+        </p:spPr>
+        <p:txBody>
+          <a:bodyPr wrap="none" rtlCol="0">
+            <a:spAutoFit/>
+          </a:bodyPr>
+          <a:lstStyle/>
+          <a:p>
+            <a:r>
+              <a:rPr lang="fr-FR" sz="1100" b="0" dirty="0"/>
+              <a:t>Liaison à définir</a:t>
+            </a:r>
+            <a:endParaRPr lang="fr-FR" sz="1100" dirty="0"/>
+          </a:p>
+        </p:txBody>
+      </p:sp>
+    </p:spTree>
+    <p:extLst>
+      <p:ext uri="{BB962C8B-B14F-4D97-AF65-F5344CB8AC3E}">
+        <p14:creationId xmlns:p14="http://schemas.microsoft.com/office/powerpoint/2010/main" val="1567687556"/>
+      </p:ext>
+    </p:extLst>
+  </p:cSld>
+  <p:clrMapOvr>
+    <a:masterClrMapping/>
+  </p:clrMapOvr>
+</p:sld>
+</file>
+
+<file path=ppt/slides/slide2.xml><?xml version="1.0" encoding="utf-8"?>
 <p:sld xmlns:a="http://schemas.openxmlformats.org/drawingml/2006/main" xmlns:r="http://schemas.openxmlformats.org/officeDocument/2006/relationships" xmlns:p="http://schemas.openxmlformats.org/presentationml/2006/main">
   <p:cSld>
     <p:spTree>
@@ -4920,8 +8589,8 @@
           </p:sp>
         </mc:Fallback>
       </mc:AlternateContent>
-      <mc:AlternateContent xmlns:mc="http://schemas.openxmlformats.org/markup-compatibility/2006">
-        <mc:Choice xmlns:a14="http://schemas.microsoft.com/office/drawing/2010/main" Requires="a14">
+      <mc:AlternateContent xmlns:mc="http://schemas.openxmlformats.org/markup-compatibility/2006" xmlns:a14="http://schemas.microsoft.com/office/drawing/2010/main">
+        <mc:Choice Requires="a14">
           <p:sp>
             <p:nvSpPr>
               <p:cNvPr id="38" name="Rectangle 37">
@@ -5007,7 +8676,7 @@
             </p:txBody>
           </p:sp>
         </mc:Choice>
-        <mc:Fallback>
+        <mc:Fallback xmlns="">
           <p:sp>
             <p:nvSpPr>
               <p:cNvPr id="38" name="Rectangle 37">
@@ -5065,2081 +8734,7 @@
 </p:sld>
 </file>
 
-<file path=ppt/slides/slide10.xml><?xml version="1.0" encoding="utf-8"?>
-<p:sld xmlns:a="http://schemas.openxmlformats.org/drawingml/2006/main" xmlns:r="http://schemas.openxmlformats.org/officeDocument/2006/relationships" xmlns:p="http://schemas.openxmlformats.org/presentationml/2006/main">
-  <p:cSld>
-    <p:spTree>
-      <p:nvGrpSpPr>
-        <p:cNvPr id="1" name=""/>
-        <p:cNvGrpSpPr/>
-        <p:nvPr/>
-      </p:nvGrpSpPr>
-      <p:grpSpPr>
-        <a:xfrm>
-          <a:off x="0" y="0"/>
-          <a:ext cx="0" cy="0"/>
-          <a:chOff x="0" y="0"/>
-          <a:chExt cx="0" cy="0"/>
-        </a:xfrm>
-      </p:grpSpPr>
-      <p:sp>
-        <p:nvSpPr>
-          <p:cNvPr id="4" name="Ellipse 3"/>
-          <p:cNvSpPr/>
-          <p:nvPr/>
-        </p:nvSpPr>
-        <p:spPr>
-          <a:xfrm>
-            <a:off x="1691680" y="2409245"/>
-            <a:ext cx="288032" cy="288032"/>
-          </a:xfrm>
-          <a:prstGeom prst="ellipse">
-            <a:avLst/>
-          </a:prstGeom>
-          <a:solidFill>
-            <a:schemeClr val="accent2">
-              <a:lumMod val="20000"/>
-              <a:lumOff val="80000"/>
-            </a:schemeClr>
-          </a:solidFill>
-          <a:ln w="19050">
-            <a:solidFill>
-              <a:schemeClr val="accent2"/>
-            </a:solidFill>
-          </a:ln>
-        </p:spPr>
-        <p:style>
-          <a:lnRef idx="2">
-            <a:schemeClr val="accent1">
-              <a:shade val="50000"/>
-            </a:schemeClr>
-          </a:lnRef>
-          <a:fillRef idx="1">
-            <a:schemeClr val="accent1"/>
-          </a:fillRef>
-          <a:effectRef idx="0">
-            <a:schemeClr val="accent1"/>
-          </a:effectRef>
-          <a:fontRef idx="minor">
-            <a:schemeClr val="lt1"/>
-          </a:fontRef>
-        </p:style>
-        <p:txBody>
-          <a:bodyPr lIns="0" tIns="0" rIns="0" bIns="0" rtlCol="0" anchor="ctr"/>
-          <a:lstStyle/>
-          <a:p>
-            <a:pPr algn="ctr"/>
-            <a:r>
-              <a:rPr lang="fr-FR" sz="1400" b="1" dirty="0">
-                <a:solidFill>
-                  <a:schemeClr val="accent2"/>
-                </a:solidFill>
-              </a:rPr>
-              <a:t>2</a:t>
-            </a:r>
-            <a:endParaRPr lang="fr-FR" sz="1400" b="1" baseline="-25000" dirty="0">
-              <a:solidFill>
-                <a:schemeClr val="accent2"/>
-              </a:solidFill>
-            </a:endParaRPr>
-          </a:p>
-        </p:txBody>
-      </p:sp>
-      <p:sp>
-        <p:nvSpPr>
-          <p:cNvPr id="8" name="Ellipse 7"/>
-          <p:cNvSpPr/>
-          <p:nvPr/>
-        </p:nvSpPr>
-        <p:spPr>
-          <a:xfrm>
-            <a:off x="323528" y="1813199"/>
-            <a:ext cx="288032" cy="288032"/>
-          </a:xfrm>
-          <a:prstGeom prst="ellipse">
-            <a:avLst/>
-          </a:prstGeom>
-          <a:solidFill>
-            <a:schemeClr val="accent6">
-              <a:lumMod val="20000"/>
-              <a:lumOff val="80000"/>
-            </a:schemeClr>
-          </a:solidFill>
-          <a:ln w="19050">
-            <a:solidFill>
-              <a:schemeClr val="accent6">
-                <a:lumMod val="50000"/>
-              </a:schemeClr>
-            </a:solidFill>
-          </a:ln>
-        </p:spPr>
-        <p:style>
-          <a:lnRef idx="2">
-            <a:schemeClr val="accent1">
-              <a:shade val="50000"/>
-            </a:schemeClr>
-          </a:lnRef>
-          <a:fillRef idx="1">
-            <a:schemeClr val="accent1"/>
-          </a:fillRef>
-          <a:effectRef idx="0">
-            <a:schemeClr val="accent1"/>
-          </a:effectRef>
-          <a:fontRef idx="minor">
-            <a:schemeClr val="lt1"/>
-          </a:fontRef>
-        </p:style>
-        <p:txBody>
-          <a:bodyPr rtlCol="0" anchor="ctr"/>
-          <a:lstStyle/>
-          <a:p>
-            <a:pPr algn="ctr"/>
-            <a:r>
-              <a:rPr lang="fr-FR" sz="1400" b="1" dirty="0">
-                <a:solidFill>
-                  <a:schemeClr val="accent6">
-                    <a:lumMod val="50000"/>
-                  </a:schemeClr>
-                </a:solidFill>
-              </a:rPr>
-              <a:t>0</a:t>
-            </a:r>
-          </a:p>
-        </p:txBody>
-      </p:sp>
-      <p:cxnSp>
-        <p:nvCxnSpPr>
-          <p:cNvPr id="10" name="Connecteur droit 9"/>
-          <p:cNvCxnSpPr>
-            <a:stCxn id="8" idx="5"/>
-            <a:endCxn id="4" idx="2"/>
-          </p:cNvCxnSpPr>
-          <p:nvPr/>
-        </p:nvCxnSpPr>
-        <p:spPr>
-          <a:xfrm>
-            <a:off x="569379" y="2059050"/>
-            <a:ext cx="1122301" cy="494211"/>
-          </a:xfrm>
-          <a:prstGeom prst="line">
-            <a:avLst/>
-          </a:prstGeom>
-          <a:ln w="19050">
-            <a:solidFill>
-              <a:schemeClr val="tx1"/>
-            </a:solidFill>
-          </a:ln>
-        </p:spPr>
-        <p:style>
-          <a:lnRef idx="1">
-            <a:schemeClr val="accent1"/>
-          </a:lnRef>
-          <a:fillRef idx="0">
-            <a:schemeClr val="accent1"/>
-          </a:fillRef>
-          <a:effectRef idx="0">
-            <a:schemeClr val="accent1"/>
-          </a:effectRef>
-          <a:fontRef idx="minor">
-            <a:schemeClr val="tx1"/>
-          </a:fontRef>
-        </p:style>
-      </p:cxnSp>
-      <mc:AlternateContent xmlns:mc="http://schemas.openxmlformats.org/markup-compatibility/2006" xmlns:a14="http://schemas.microsoft.com/office/drawing/2010/main">
-        <mc:Choice Requires="a14">
-          <p:sp>
-            <p:nvSpPr>
-              <p:cNvPr id="31" name="ZoneTexte 30"/>
-              <p:cNvSpPr txBox="1"/>
-              <p:nvPr/>
-            </p:nvSpPr>
-            <p:spPr>
-              <a:xfrm rot="20294915">
-                <a:off x="701499" y="1429981"/>
-                <a:ext cx="777842" cy="246221"/>
-              </a:xfrm>
-              <a:prstGeom prst="rect">
-                <a:avLst/>
-              </a:prstGeom>
-              <a:noFill/>
-            </p:spPr>
-            <p:txBody>
-              <a:bodyPr wrap="none" rtlCol="0">
-                <a:spAutoFit/>
-              </a:bodyPr>
-              <a:lstStyle/>
-              <a:p>
-                <a:r>
-                  <a:rPr lang="fr-FR" sz="1000" b="0" dirty="0"/>
-                  <a:t>Pivot </a:t>
-                </a:r>
-                <a14:m>
-                  <m:oMath xmlns:m="http://schemas.openxmlformats.org/officeDocument/2006/math">
-                    <m:d>
-                      <m:dPr>
-                        <m:ctrlPr>
-                          <a:rPr lang="fr-FR" sz="1000" b="0" i="1" smtClean="0">
-                            <a:latin typeface="Cambria Math" panose="02040503050406030204" pitchFamily="18" charset="0"/>
-                          </a:rPr>
-                        </m:ctrlPr>
-                      </m:dPr>
-                      <m:e>
-                        <m:r>
-                          <a:rPr lang="fr-FR" sz="1000" b="0" i="1" smtClean="0">
-                            <a:latin typeface="Cambria Math"/>
-                          </a:rPr>
-                          <m:t>𝑃</m:t>
-                        </m:r>
-                        <m:r>
-                          <a:rPr lang="fr-FR" sz="1000" b="0" i="1" smtClean="0">
-                            <a:latin typeface="Cambria Math"/>
-                          </a:rPr>
-                          <m:t>,</m:t>
-                        </m:r>
-                        <m:acc>
-                          <m:accPr>
-                            <m:chr m:val="⃗"/>
-                            <m:ctrlPr>
-                              <a:rPr lang="fr-FR" sz="1000" b="0" i="1" smtClean="0">
-                                <a:latin typeface="Cambria Math" panose="02040503050406030204" pitchFamily="18" charset="0"/>
-                              </a:rPr>
-                            </m:ctrlPr>
-                          </m:accPr>
-                          <m:e>
-                            <m:r>
-                              <a:rPr lang="fr-FR" sz="1000" b="0" i="1" smtClean="0">
-                                <a:latin typeface="Cambria Math"/>
-                              </a:rPr>
-                              <m:t>𝑧</m:t>
-                            </m:r>
-                          </m:e>
-                        </m:acc>
-                      </m:e>
-                    </m:d>
-                  </m:oMath>
-                </a14:m>
-                <a:endParaRPr lang="fr-FR" sz="1000" dirty="0"/>
-              </a:p>
-            </p:txBody>
-          </p:sp>
-        </mc:Choice>
-        <mc:Fallback xmlns="">
-          <p:sp>
-            <p:nvSpPr>
-              <p:cNvPr id="31" name="ZoneTexte 30"/>
-              <p:cNvSpPr txBox="1">
-                <a:spLocks noRot="1" noChangeAspect="1" noMove="1" noResize="1" noEditPoints="1" noAdjustHandles="1" noChangeArrowheads="1" noChangeShapeType="1" noTextEdit="1"/>
-              </p:cNvSpPr>
-              <p:nvPr/>
-            </p:nvSpPr>
-            <p:spPr>
-              <a:xfrm rot="20294915">
-                <a:off x="701499" y="1429981"/>
-                <a:ext cx="777842" cy="246221"/>
-              </a:xfrm>
-              <a:prstGeom prst="rect">
-                <a:avLst/>
-              </a:prstGeom>
-              <a:blipFill rotWithShape="1">
-                <a:blip r:embed="rId2"/>
-                <a:stretch>
-                  <a:fillRect t="-5814" r="-5224" b="-3488"/>
-                </a:stretch>
-              </a:blipFill>
-            </p:spPr>
-            <p:txBody>
-              <a:bodyPr/>
-              <a:lstStyle/>
-              <a:p>
-                <a:r>
-                  <a:rPr lang="fr-FR">
-                    <a:noFill/>
-                  </a:rPr>
-                  <a:t> </a:t>
-                </a:r>
-              </a:p>
-            </p:txBody>
-          </p:sp>
-        </mc:Fallback>
-      </mc:AlternateContent>
-      <mc:AlternateContent xmlns:mc="http://schemas.openxmlformats.org/markup-compatibility/2006" xmlns:a14="http://schemas.microsoft.com/office/drawing/2010/main">
-        <mc:Choice Requires="a14">
-          <p:sp>
-            <p:nvSpPr>
-              <p:cNvPr id="37" name="Rectangle 36"/>
-              <p:cNvSpPr/>
-              <p:nvPr/>
-            </p:nvSpPr>
-            <p:spPr>
-              <a:xfrm rot="20302500">
-                <a:off x="884171" y="1583938"/>
-                <a:ext cx="548548" cy="246221"/>
-              </a:xfrm>
-              <a:prstGeom prst="rect">
-                <a:avLst/>
-              </a:prstGeom>
-            </p:spPr>
-            <p:txBody>
-              <a:bodyPr wrap="none">
-                <a:spAutoFit/>
-              </a:bodyPr>
-              <a:lstStyle/>
-              <a:p>
-                <a:pPr/>
-                <a14:m>
-                  <m:oMathPara xmlns:m="http://schemas.openxmlformats.org/officeDocument/2006/math">
-                    <m:oMathParaPr>
-                      <m:jc m:val="centerGroup"/>
-                    </m:oMathParaPr>
-                    <m:oMath xmlns:m="http://schemas.openxmlformats.org/officeDocument/2006/math">
-                      <m:sSub>
-                        <m:sSubPr>
-                          <m:ctrlPr>
-                            <a:rPr lang="fr-FR" sz="1000" i="1" smtClean="0">
-                              <a:latin typeface="Cambria Math" panose="02040503050406030204" pitchFamily="18" charset="0"/>
-                            </a:rPr>
-                          </m:ctrlPr>
-                        </m:sSubPr>
-                        <m:e>
-                          <m:r>
-                            <a:rPr lang="fr-FR" sz="1000" b="0" i="1" smtClean="0">
-                              <a:latin typeface="Cambria Math"/>
-                            </a:rPr>
-                            <m:t>𝐶</m:t>
-                          </m:r>
-                        </m:e>
-                        <m:sub>
-                          <m:r>
-                            <m:rPr>
-                              <m:sty m:val="p"/>
-                            </m:rPr>
-                            <a:rPr lang="fr-FR" sz="1000" b="0" i="0" smtClean="0">
-                              <a:latin typeface="Cambria Math"/>
-                            </a:rPr>
-                            <m:t>m</m:t>
-                          </m:r>
-                          <m:r>
-                            <a:rPr lang="fr-FR" sz="1000" b="0" i="0" smtClean="0">
-                              <a:latin typeface="Cambria Math"/>
-                            </a:rPr>
-                            <m:t>0</m:t>
-                          </m:r>
-                          <m:r>
-                            <a:rPr lang="fr-FR" sz="1000" b="0" i="1" smtClean="0">
-                              <a:latin typeface="Cambria Math"/>
-                            </a:rPr>
-                            <m:t>1</m:t>
-                          </m:r>
-                        </m:sub>
-                      </m:sSub>
-                      <m:acc>
-                        <m:accPr>
-                          <m:chr m:val="⃗"/>
-                          <m:ctrlPr>
-                            <a:rPr lang="fr-FR" sz="1000" i="1">
-                              <a:latin typeface="Cambria Math" panose="02040503050406030204" pitchFamily="18" charset="0"/>
-                            </a:rPr>
-                          </m:ctrlPr>
-                        </m:accPr>
-                        <m:e>
-                          <m:r>
-                            <a:rPr lang="fr-FR" sz="1000" i="1" smtClean="0">
-                              <a:latin typeface="Cambria Math"/>
-                            </a:rPr>
-                            <m:t>𝑧</m:t>
-                          </m:r>
-                        </m:e>
-                      </m:acc>
-                    </m:oMath>
-                  </m:oMathPara>
-                </a14:m>
-                <a:endParaRPr lang="fr-FR" sz="1000" dirty="0"/>
-              </a:p>
-            </p:txBody>
-          </p:sp>
-        </mc:Choice>
-        <mc:Fallback xmlns="">
-          <p:sp>
-            <p:nvSpPr>
-              <p:cNvPr id="37" name="Rectangle 36"/>
-              <p:cNvSpPr>
-                <a:spLocks noRot="1" noChangeAspect="1" noMove="1" noResize="1" noEditPoints="1" noAdjustHandles="1" noChangeArrowheads="1" noChangeShapeType="1" noTextEdit="1"/>
-              </p:cNvSpPr>
-              <p:nvPr/>
-            </p:nvSpPr>
-            <p:spPr>
-              <a:xfrm rot="20302500">
-                <a:off x="884171" y="1583938"/>
-                <a:ext cx="548548" cy="246221"/>
-              </a:xfrm>
-              <a:prstGeom prst="rect">
-                <a:avLst/>
-              </a:prstGeom>
-              <a:blipFill rotWithShape="1">
-                <a:blip r:embed="rId3"/>
-                <a:stretch>
-                  <a:fillRect t="-11111" r="-14000"/>
-                </a:stretch>
-              </a:blipFill>
-            </p:spPr>
-            <p:txBody>
-              <a:bodyPr/>
-              <a:lstStyle/>
-              <a:p>
-                <a:r>
-                  <a:rPr lang="fr-FR">
-                    <a:noFill/>
-                  </a:rPr>
-                  <a:t> </a:t>
-                </a:r>
-              </a:p>
-            </p:txBody>
-          </p:sp>
-        </mc:Fallback>
-      </mc:AlternateContent>
-      <mc:AlternateContent xmlns:mc="http://schemas.openxmlformats.org/markup-compatibility/2006" xmlns:a14="http://schemas.microsoft.com/office/drawing/2010/main">
-        <mc:Choice Requires="a14">
-          <p:sp>
-            <p:nvSpPr>
-              <p:cNvPr id="41" name="ZoneTexte 40"/>
-              <p:cNvSpPr txBox="1"/>
-              <p:nvPr/>
-            </p:nvSpPr>
-            <p:spPr>
-              <a:xfrm rot="1457902">
-                <a:off x="719076" y="2254771"/>
-                <a:ext cx="725583" cy="246221"/>
-              </a:xfrm>
-              <a:prstGeom prst="rect">
-                <a:avLst/>
-              </a:prstGeom>
-              <a:noFill/>
-            </p:spPr>
-            <p:txBody>
-              <a:bodyPr wrap="none" rtlCol="0">
-                <a:spAutoFit/>
-              </a:bodyPr>
-              <a:lstStyle/>
-              <a:p>
-                <a:r>
-                  <a:rPr lang="fr-FR" sz="1000" b="0" dirty="0"/>
-                  <a:t>Glissière </a:t>
-                </a:r>
-                <a14:m>
-                  <m:oMath xmlns:m="http://schemas.openxmlformats.org/officeDocument/2006/math">
-                    <m:acc>
-                      <m:accPr>
-                        <m:chr m:val="⃗"/>
-                        <m:ctrlPr>
-                          <a:rPr lang="fr-FR" sz="1000" i="1">
-                            <a:latin typeface="Cambria Math" panose="02040503050406030204" pitchFamily="18" charset="0"/>
-                          </a:rPr>
-                        </m:ctrlPr>
-                      </m:accPr>
-                      <m:e>
-                        <m:r>
-                          <a:rPr lang="fr-FR" sz="1000" b="0" i="1" smtClean="0">
-                            <a:latin typeface="Cambria Math"/>
-                          </a:rPr>
-                          <m:t>𝑥</m:t>
-                        </m:r>
-                      </m:e>
-                    </m:acc>
-                  </m:oMath>
-                </a14:m>
-                <a:endParaRPr lang="fr-FR" sz="1000" dirty="0"/>
-              </a:p>
-            </p:txBody>
-          </p:sp>
-        </mc:Choice>
-        <mc:Fallback xmlns="">
-          <p:sp>
-            <p:nvSpPr>
-              <p:cNvPr id="41" name="ZoneTexte 40"/>
-              <p:cNvSpPr txBox="1">
-                <a:spLocks noRot="1" noChangeAspect="1" noMove="1" noResize="1" noEditPoints="1" noAdjustHandles="1" noChangeArrowheads="1" noChangeShapeType="1" noTextEdit="1"/>
-              </p:cNvSpPr>
-              <p:nvPr/>
-            </p:nvSpPr>
-            <p:spPr>
-              <a:xfrm rot="1457902">
-                <a:off x="719076" y="2254771"/>
-                <a:ext cx="725583" cy="246221"/>
-              </a:xfrm>
-              <a:prstGeom prst="rect">
-                <a:avLst/>
-              </a:prstGeom>
-              <a:blipFill rotWithShape="1">
-                <a:blip r:embed="rId4"/>
-                <a:stretch>
-                  <a:fillRect r="-13386" b="-2326"/>
-                </a:stretch>
-              </a:blipFill>
-            </p:spPr>
-            <p:txBody>
-              <a:bodyPr/>
-              <a:lstStyle/>
-              <a:p>
-                <a:r>
-                  <a:rPr lang="fr-FR">
-                    <a:noFill/>
-                  </a:rPr>
-                  <a:t> </a:t>
-                </a:r>
-              </a:p>
-            </p:txBody>
-          </p:sp>
-        </mc:Fallback>
-      </mc:AlternateContent>
-      <p:sp>
-        <p:nvSpPr>
-          <p:cNvPr id="43" name="Rectangle 42"/>
-          <p:cNvSpPr/>
-          <p:nvPr/>
-        </p:nvSpPr>
-        <p:spPr>
-          <a:xfrm>
-            <a:off x="0" y="1813200"/>
-            <a:ext cx="152400" cy="286396"/>
-          </a:xfrm>
-          <a:prstGeom prst="rect">
-            <a:avLst/>
-          </a:prstGeom>
-          <a:solidFill>
-            <a:schemeClr val="accent6">
-              <a:lumMod val="20000"/>
-              <a:lumOff val="80000"/>
-            </a:schemeClr>
-          </a:solidFill>
-          <a:ln w="19050">
-            <a:noFill/>
-          </a:ln>
-        </p:spPr>
-        <p:style>
-          <a:lnRef idx="2">
-            <a:schemeClr val="accent1">
-              <a:shade val="50000"/>
-            </a:schemeClr>
-          </a:lnRef>
-          <a:fillRef idx="1">
-            <a:schemeClr val="accent1"/>
-          </a:fillRef>
-          <a:effectRef idx="0">
-            <a:schemeClr val="accent1"/>
-          </a:effectRef>
-          <a:fontRef idx="minor">
-            <a:schemeClr val="lt1"/>
-          </a:fontRef>
-        </p:style>
-        <p:txBody>
-          <a:bodyPr rtlCol="0" anchor="ctr"/>
-          <a:lstStyle/>
-          <a:p>
-            <a:pPr algn="ctr"/>
-            <a:endParaRPr lang="fr-FR" sz="1400" b="1">
-              <a:solidFill>
-                <a:schemeClr val="accent6">
-                  <a:lumMod val="50000"/>
-                </a:schemeClr>
-              </a:solidFill>
-            </a:endParaRPr>
-          </a:p>
-        </p:txBody>
-      </p:sp>
-      <p:cxnSp>
-        <p:nvCxnSpPr>
-          <p:cNvPr id="44" name="Connecteur droit 43"/>
-          <p:cNvCxnSpPr/>
-          <p:nvPr/>
-        </p:nvCxnSpPr>
-        <p:spPr>
-          <a:xfrm>
-            <a:off x="152400" y="1957215"/>
-            <a:ext cx="171128" cy="0"/>
-          </a:xfrm>
-          <a:prstGeom prst="line">
-            <a:avLst/>
-          </a:prstGeom>
-          <a:solidFill>
-            <a:schemeClr val="accent6">
-              <a:lumMod val="20000"/>
-              <a:lumOff val="80000"/>
-            </a:schemeClr>
-          </a:solidFill>
-          <a:ln w="19050">
-            <a:solidFill>
-              <a:schemeClr val="accent6">
-                <a:lumMod val="50000"/>
-              </a:schemeClr>
-            </a:solidFill>
-          </a:ln>
-        </p:spPr>
-        <p:style>
-          <a:lnRef idx="2">
-            <a:schemeClr val="accent1">
-              <a:shade val="50000"/>
-            </a:schemeClr>
-          </a:lnRef>
-          <a:fillRef idx="1">
-            <a:schemeClr val="accent1"/>
-          </a:fillRef>
-          <a:effectRef idx="0">
-            <a:schemeClr val="accent1"/>
-          </a:effectRef>
-          <a:fontRef idx="minor">
-            <a:schemeClr val="lt1"/>
-          </a:fontRef>
-        </p:style>
-      </p:cxnSp>
-      <p:cxnSp>
-        <p:nvCxnSpPr>
-          <p:cNvPr id="45" name="Connecteur droit 44"/>
-          <p:cNvCxnSpPr/>
-          <p:nvPr/>
-        </p:nvCxnSpPr>
-        <p:spPr>
-          <a:xfrm flipV="1">
-            <a:off x="152400" y="1813200"/>
-            <a:ext cx="0" cy="288031"/>
-          </a:xfrm>
-          <a:prstGeom prst="line">
-            <a:avLst/>
-          </a:prstGeom>
-          <a:solidFill>
-            <a:schemeClr val="accent6">
-              <a:lumMod val="20000"/>
-              <a:lumOff val="80000"/>
-            </a:schemeClr>
-          </a:solidFill>
-          <a:ln w="19050">
-            <a:solidFill>
-              <a:schemeClr val="accent6">
-                <a:lumMod val="50000"/>
-              </a:schemeClr>
-            </a:solidFill>
-          </a:ln>
-        </p:spPr>
-        <p:style>
-          <a:lnRef idx="2">
-            <a:schemeClr val="accent1">
-              <a:shade val="50000"/>
-            </a:schemeClr>
-          </a:lnRef>
-          <a:fillRef idx="1">
-            <a:schemeClr val="accent1"/>
-          </a:fillRef>
-          <a:effectRef idx="0">
-            <a:schemeClr val="accent1"/>
-          </a:effectRef>
-          <a:fontRef idx="minor">
-            <a:schemeClr val="lt1"/>
-          </a:fontRef>
-        </p:style>
-      </p:cxnSp>
-      <p:sp>
-        <p:nvSpPr>
-          <p:cNvPr id="13" name="Ellipse 12"/>
-          <p:cNvSpPr/>
-          <p:nvPr/>
-        </p:nvSpPr>
-        <p:spPr>
-          <a:xfrm>
-            <a:off x="1691680" y="1268760"/>
-            <a:ext cx="288032" cy="288032"/>
-          </a:xfrm>
-          <a:prstGeom prst="ellipse">
-            <a:avLst/>
-          </a:prstGeom>
-          <a:solidFill>
-            <a:schemeClr val="accent4">
-              <a:lumMod val="20000"/>
-              <a:lumOff val="80000"/>
-            </a:schemeClr>
-          </a:solidFill>
-          <a:ln w="19050">
-            <a:solidFill>
-              <a:schemeClr val="accent4"/>
-            </a:solidFill>
-          </a:ln>
-        </p:spPr>
-        <p:style>
-          <a:lnRef idx="2">
-            <a:schemeClr val="accent1">
-              <a:shade val="50000"/>
-            </a:schemeClr>
-          </a:lnRef>
-          <a:fillRef idx="1">
-            <a:schemeClr val="accent1"/>
-          </a:fillRef>
-          <a:effectRef idx="0">
-            <a:schemeClr val="accent1"/>
-          </a:effectRef>
-          <a:fontRef idx="minor">
-            <a:schemeClr val="lt1"/>
-          </a:fontRef>
-        </p:style>
-        <p:txBody>
-          <a:bodyPr lIns="0" tIns="0" rIns="0" bIns="0" rtlCol="0" anchor="ctr"/>
-          <a:lstStyle/>
-          <a:p>
-            <a:pPr algn="ctr"/>
-            <a:r>
-              <a:rPr lang="fr-FR" sz="1400" b="1" dirty="0">
-                <a:solidFill>
-                  <a:schemeClr val="accent4"/>
-                </a:solidFill>
-              </a:rPr>
-              <a:t>1</a:t>
-            </a:r>
-            <a:endParaRPr lang="fr-FR" sz="1400" b="1" baseline="-25000" dirty="0">
-              <a:solidFill>
-                <a:schemeClr val="accent4"/>
-              </a:solidFill>
-            </a:endParaRPr>
-          </a:p>
-        </p:txBody>
-      </p:sp>
-      <p:cxnSp>
-        <p:nvCxnSpPr>
-          <p:cNvPr id="15" name="Connecteur droit 14"/>
-          <p:cNvCxnSpPr>
-            <a:stCxn id="8" idx="7"/>
-            <a:endCxn id="13" idx="2"/>
-          </p:cNvCxnSpPr>
-          <p:nvPr/>
-        </p:nvCxnSpPr>
-        <p:spPr>
-          <a:xfrm flipV="1">
-            <a:off x="569379" y="1412776"/>
-            <a:ext cx="1122301" cy="442604"/>
-          </a:xfrm>
-          <a:prstGeom prst="line">
-            <a:avLst/>
-          </a:prstGeom>
-          <a:ln w="19050">
-            <a:solidFill>
-              <a:schemeClr val="tx1"/>
-            </a:solidFill>
-          </a:ln>
-        </p:spPr>
-        <p:style>
-          <a:lnRef idx="1">
-            <a:schemeClr val="accent1"/>
-          </a:lnRef>
-          <a:fillRef idx="0">
-            <a:schemeClr val="accent1"/>
-          </a:fillRef>
-          <a:effectRef idx="0">
-            <a:schemeClr val="accent1"/>
-          </a:effectRef>
-          <a:fontRef idx="minor">
-            <a:schemeClr val="tx1"/>
-          </a:fontRef>
-        </p:style>
-      </p:cxnSp>
-      <p:cxnSp>
-        <p:nvCxnSpPr>
-          <p:cNvPr id="19" name="Connecteur droit 18"/>
-          <p:cNvCxnSpPr>
-            <a:stCxn id="13" idx="4"/>
-            <a:endCxn id="4" idx="0"/>
-          </p:cNvCxnSpPr>
-          <p:nvPr/>
-        </p:nvCxnSpPr>
-        <p:spPr>
-          <a:xfrm>
-            <a:off x="1835696" y="1556792"/>
-            <a:ext cx="0" cy="852453"/>
-          </a:xfrm>
-          <a:prstGeom prst="line">
-            <a:avLst/>
-          </a:prstGeom>
-          <a:ln w="19050">
-            <a:solidFill>
-              <a:schemeClr val="tx1"/>
-            </a:solidFill>
-          </a:ln>
-        </p:spPr>
-        <p:style>
-          <a:lnRef idx="1">
-            <a:schemeClr val="accent1"/>
-          </a:lnRef>
-          <a:fillRef idx="0">
-            <a:schemeClr val="accent1"/>
-          </a:fillRef>
-          <a:effectRef idx="0">
-            <a:schemeClr val="accent1"/>
-          </a:effectRef>
-          <a:fontRef idx="minor">
-            <a:schemeClr val="tx1"/>
-          </a:fontRef>
-        </p:style>
-      </p:cxnSp>
-      <p:sp>
-        <p:nvSpPr>
-          <p:cNvPr id="17" name="Rectangle 16"/>
-          <p:cNvSpPr/>
-          <p:nvPr/>
-        </p:nvSpPr>
-        <p:spPr>
-          <a:xfrm rot="16200000">
-            <a:off x="1496854" y="1859907"/>
-            <a:ext cx="1067921" cy="246221"/>
-          </a:xfrm>
-          <a:prstGeom prst="rect">
-            <a:avLst/>
-          </a:prstGeom>
-        </p:spPr>
-        <p:txBody>
-          <a:bodyPr wrap="none">
-            <a:spAutoFit/>
-          </a:bodyPr>
-          <a:lstStyle/>
-          <a:p>
-            <a:r>
-              <a:rPr lang="fr-FR" sz="1000" dirty="0"/>
-              <a:t>Poulie – courroie</a:t>
-            </a:r>
-          </a:p>
-        </p:txBody>
-      </p:sp>
-    </p:spTree>
-    <p:extLst>
-      <p:ext uri="{BB962C8B-B14F-4D97-AF65-F5344CB8AC3E}">
-        <p14:creationId xmlns:p14="http://schemas.microsoft.com/office/powerpoint/2010/main" val="3581523801"/>
-      </p:ext>
-    </p:extLst>
-  </p:cSld>
-  <p:clrMapOvr>
-    <a:masterClrMapping/>
-  </p:clrMapOvr>
-</p:sld>
-</file>
-
-<file path=ppt/slides/slide11.xml><?xml version="1.0" encoding="utf-8"?>
-<p:sld xmlns:a="http://schemas.openxmlformats.org/drawingml/2006/main" xmlns:r="http://schemas.openxmlformats.org/officeDocument/2006/relationships" xmlns:p="http://schemas.openxmlformats.org/presentationml/2006/main">
-  <p:cSld>
-    <p:spTree>
-      <p:nvGrpSpPr>
-        <p:cNvPr id="1" name=""/>
-        <p:cNvGrpSpPr/>
-        <p:nvPr/>
-      </p:nvGrpSpPr>
-      <p:grpSpPr>
-        <a:xfrm>
-          <a:off x="0" y="0"/>
-          <a:ext cx="0" cy="0"/>
-          <a:chOff x="0" y="0"/>
-          <a:chExt cx="0" cy="0"/>
-        </a:xfrm>
-      </p:grpSpPr>
-      <p:sp>
-        <p:nvSpPr>
-          <p:cNvPr id="15" name="Rectangle 14"/>
-          <p:cNvSpPr/>
-          <p:nvPr/>
-        </p:nvSpPr>
-        <p:spPr>
-          <a:xfrm>
-            <a:off x="0" y="1813200"/>
-            <a:ext cx="152400" cy="286396"/>
-          </a:xfrm>
-          <a:prstGeom prst="rect">
-            <a:avLst/>
-          </a:prstGeom>
-          <a:solidFill>
-            <a:schemeClr val="accent6">
-              <a:lumMod val="20000"/>
-              <a:lumOff val="80000"/>
-            </a:schemeClr>
-          </a:solidFill>
-          <a:ln w="19050">
-            <a:noFill/>
-          </a:ln>
-        </p:spPr>
-        <p:style>
-          <a:lnRef idx="2">
-            <a:schemeClr val="accent1">
-              <a:shade val="50000"/>
-            </a:schemeClr>
-          </a:lnRef>
-          <a:fillRef idx="1">
-            <a:schemeClr val="accent1"/>
-          </a:fillRef>
-          <a:effectRef idx="0">
-            <a:schemeClr val="accent1"/>
-          </a:effectRef>
-          <a:fontRef idx="minor">
-            <a:schemeClr val="lt1"/>
-          </a:fontRef>
-        </p:style>
-        <p:txBody>
-          <a:bodyPr rtlCol="0" anchor="ctr"/>
-          <a:lstStyle/>
-          <a:p>
-            <a:pPr algn="ctr"/>
-            <a:endParaRPr lang="fr-FR" sz="1400" b="1">
-              <a:solidFill>
-                <a:schemeClr val="accent6">
-                  <a:lumMod val="50000"/>
-                </a:schemeClr>
-              </a:solidFill>
-            </a:endParaRPr>
-          </a:p>
-        </p:txBody>
-      </p:sp>
-      <p:sp>
-        <p:nvSpPr>
-          <p:cNvPr id="4" name="Ellipse 3"/>
-          <p:cNvSpPr/>
-          <p:nvPr/>
-        </p:nvSpPr>
-        <p:spPr>
-          <a:xfrm>
-            <a:off x="1061610" y="1813199"/>
-            <a:ext cx="288032" cy="288032"/>
-          </a:xfrm>
-          <a:prstGeom prst="ellipse">
-            <a:avLst/>
-          </a:prstGeom>
-          <a:solidFill>
-            <a:schemeClr val="accent4">
-              <a:lumMod val="20000"/>
-              <a:lumOff val="80000"/>
-            </a:schemeClr>
-          </a:solidFill>
-          <a:ln w="19050">
-            <a:solidFill>
-              <a:schemeClr val="accent4"/>
-            </a:solidFill>
-          </a:ln>
-        </p:spPr>
-        <p:style>
-          <a:lnRef idx="2">
-            <a:schemeClr val="accent1">
-              <a:shade val="50000"/>
-            </a:schemeClr>
-          </a:lnRef>
-          <a:fillRef idx="1">
-            <a:schemeClr val="accent1"/>
-          </a:fillRef>
-          <a:effectRef idx="0">
-            <a:schemeClr val="accent1"/>
-          </a:effectRef>
-          <a:fontRef idx="minor">
-            <a:schemeClr val="lt1"/>
-          </a:fontRef>
-        </p:style>
-        <p:txBody>
-          <a:bodyPr rtlCol="0" anchor="ctr"/>
-          <a:lstStyle/>
-          <a:p>
-            <a:pPr algn="ctr"/>
-            <a:r>
-              <a:rPr lang="fr-FR" sz="1400" b="1" dirty="0">
-                <a:solidFill>
-                  <a:schemeClr val="accent4"/>
-                </a:solidFill>
-              </a:rPr>
-              <a:t>1</a:t>
-            </a:r>
-          </a:p>
-        </p:txBody>
-      </p:sp>
-      <p:sp>
-        <p:nvSpPr>
-          <p:cNvPr id="5" name="Ellipse 4"/>
-          <p:cNvSpPr/>
-          <p:nvPr/>
-        </p:nvSpPr>
-        <p:spPr>
-          <a:xfrm>
-            <a:off x="1799692" y="1813199"/>
-            <a:ext cx="288032" cy="288032"/>
-          </a:xfrm>
-          <a:prstGeom prst="ellipse">
-            <a:avLst/>
-          </a:prstGeom>
-          <a:solidFill>
-            <a:schemeClr val="accent2">
-              <a:lumMod val="20000"/>
-              <a:lumOff val="80000"/>
-            </a:schemeClr>
-          </a:solidFill>
-          <a:ln w="19050">
-            <a:solidFill>
-              <a:schemeClr val="accent2"/>
-            </a:solidFill>
-          </a:ln>
-        </p:spPr>
-        <p:style>
-          <a:lnRef idx="2">
-            <a:schemeClr val="accent1">
-              <a:shade val="50000"/>
-            </a:schemeClr>
-          </a:lnRef>
-          <a:fillRef idx="1">
-            <a:schemeClr val="accent1"/>
-          </a:fillRef>
-          <a:effectRef idx="0">
-            <a:schemeClr val="accent1"/>
-          </a:effectRef>
-          <a:fontRef idx="minor">
-            <a:schemeClr val="lt1"/>
-          </a:fontRef>
-        </p:style>
-        <p:txBody>
-          <a:bodyPr rtlCol="0" anchor="ctr"/>
-          <a:lstStyle/>
-          <a:p>
-            <a:pPr algn="ctr"/>
-            <a:r>
-              <a:rPr lang="fr-FR" sz="1400" b="1" dirty="0">
-                <a:solidFill>
-                  <a:schemeClr val="accent2"/>
-                </a:solidFill>
-              </a:rPr>
-              <a:t>2</a:t>
-            </a:r>
-          </a:p>
-        </p:txBody>
-      </p:sp>
-      <p:sp>
-        <p:nvSpPr>
-          <p:cNvPr id="6" name="Ellipse 5"/>
-          <p:cNvSpPr/>
-          <p:nvPr/>
-        </p:nvSpPr>
-        <p:spPr>
-          <a:xfrm>
-            <a:off x="2537774" y="1813199"/>
-            <a:ext cx="288032" cy="288032"/>
-          </a:xfrm>
-          <a:prstGeom prst="ellipse">
-            <a:avLst/>
-          </a:prstGeom>
-          <a:solidFill>
-            <a:schemeClr val="accent3">
-              <a:lumMod val="20000"/>
-              <a:lumOff val="80000"/>
-            </a:schemeClr>
-          </a:solidFill>
-          <a:ln w="19050">
-            <a:solidFill>
-              <a:schemeClr val="accent3"/>
-            </a:solidFill>
-          </a:ln>
-        </p:spPr>
-        <p:style>
-          <a:lnRef idx="2">
-            <a:schemeClr val="accent1">
-              <a:shade val="50000"/>
-            </a:schemeClr>
-          </a:lnRef>
-          <a:fillRef idx="1">
-            <a:schemeClr val="accent1"/>
-          </a:fillRef>
-          <a:effectRef idx="0">
-            <a:schemeClr val="accent1"/>
-          </a:effectRef>
-          <a:fontRef idx="minor">
-            <a:schemeClr val="lt1"/>
-          </a:fontRef>
-        </p:style>
-        <p:txBody>
-          <a:bodyPr rtlCol="0" anchor="ctr"/>
-          <a:lstStyle/>
-          <a:p>
-            <a:pPr algn="ctr"/>
-            <a:r>
-              <a:rPr lang="fr-FR" sz="1400" b="1" dirty="0">
-                <a:solidFill>
-                  <a:schemeClr val="accent3"/>
-                </a:solidFill>
-              </a:rPr>
-              <a:t>3</a:t>
-            </a:r>
-          </a:p>
-        </p:txBody>
-      </p:sp>
-      <p:sp>
-        <p:nvSpPr>
-          <p:cNvPr id="7" name="Ellipse 6"/>
-          <p:cNvSpPr/>
-          <p:nvPr/>
-        </p:nvSpPr>
-        <p:spPr>
-          <a:xfrm>
-            <a:off x="3275856" y="1813199"/>
-            <a:ext cx="288032" cy="288032"/>
-          </a:xfrm>
-          <a:prstGeom prst="ellipse">
-            <a:avLst/>
-          </a:prstGeom>
-          <a:solidFill>
-            <a:schemeClr val="bg1">
-              <a:lumMod val="85000"/>
-            </a:schemeClr>
-          </a:solidFill>
-          <a:ln w="19050">
-            <a:solidFill>
-              <a:schemeClr val="tx1"/>
-            </a:solidFill>
-          </a:ln>
-        </p:spPr>
-        <p:style>
-          <a:lnRef idx="2">
-            <a:schemeClr val="accent1">
-              <a:shade val="50000"/>
-            </a:schemeClr>
-          </a:lnRef>
-          <a:fillRef idx="1">
-            <a:schemeClr val="accent1"/>
-          </a:fillRef>
-          <a:effectRef idx="0">
-            <a:schemeClr val="accent1"/>
-          </a:effectRef>
-          <a:fontRef idx="minor">
-            <a:schemeClr val="lt1"/>
-          </a:fontRef>
-        </p:style>
-        <p:txBody>
-          <a:bodyPr rtlCol="0" anchor="ctr"/>
-          <a:lstStyle/>
-          <a:p>
-            <a:pPr algn="ctr"/>
-            <a:r>
-              <a:rPr lang="fr-FR" sz="1400" b="1" dirty="0">
-                <a:solidFill>
-                  <a:schemeClr val="tx1"/>
-                </a:solidFill>
-              </a:rPr>
-              <a:t>4</a:t>
-            </a:r>
-          </a:p>
-        </p:txBody>
-      </p:sp>
-      <p:sp>
-        <p:nvSpPr>
-          <p:cNvPr id="8" name="Ellipse 7"/>
-          <p:cNvSpPr/>
-          <p:nvPr/>
-        </p:nvSpPr>
-        <p:spPr>
-          <a:xfrm>
-            <a:off x="323528" y="1813199"/>
-            <a:ext cx="288032" cy="288032"/>
-          </a:xfrm>
-          <a:prstGeom prst="ellipse">
-            <a:avLst/>
-          </a:prstGeom>
-          <a:solidFill>
-            <a:schemeClr val="accent6">
-              <a:lumMod val="20000"/>
-              <a:lumOff val="80000"/>
-            </a:schemeClr>
-          </a:solidFill>
-          <a:ln w="19050">
-            <a:solidFill>
-              <a:schemeClr val="accent6">
-                <a:lumMod val="50000"/>
-              </a:schemeClr>
-            </a:solidFill>
-          </a:ln>
-        </p:spPr>
-        <p:style>
-          <a:lnRef idx="2">
-            <a:schemeClr val="accent1">
-              <a:shade val="50000"/>
-            </a:schemeClr>
-          </a:lnRef>
-          <a:fillRef idx="1">
-            <a:schemeClr val="accent1"/>
-          </a:fillRef>
-          <a:effectRef idx="0">
-            <a:schemeClr val="accent1"/>
-          </a:effectRef>
-          <a:fontRef idx="minor">
-            <a:schemeClr val="lt1"/>
-          </a:fontRef>
-        </p:style>
-        <p:txBody>
-          <a:bodyPr rtlCol="0" anchor="ctr"/>
-          <a:lstStyle/>
-          <a:p>
-            <a:pPr algn="ctr"/>
-            <a:r>
-              <a:rPr lang="fr-FR" sz="1400" b="1" dirty="0">
-                <a:solidFill>
-                  <a:schemeClr val="accent6">
-                    <a:lumMod val="50000"/>
-                  </a:schemeClr>
-                </a:solidFill>
-              </a:rPr>
-              <a:t>0</a:t>
-            </a:r>
-          </a:p>
-        </p:txBody>
-      </p:sp>
-      <p:cxnSp>
-        <p:nvCxnSpPr>
-          <p:cNvPr id="10" name="Connecteur droit 9"/>
-          <p:cNvCxnSpPr>
-            <a:stCxn id="8" idx="6"/>
-            <a:endCxn id="4" idx="2"/>
-          </p:cNvCxnSpPr>
-          <p:nvPr/>
-        </p:nvCxnSpPr>
-        <p:spPr>
-          <a:xfrm>
-            <a:off x="611560" y="1957215"/>
-            <a:ext cx="450050" cy="0"/>
-          </a:xfrm>
-          <a:prstGeom prst="line">
-            <a:avLst/>
-          </a:prstGeom>
-          <a:ln w="19050">
-            <a:solidFill>
-              <a:schemeClr val="tx1"/>
-            </a:solidFill>
-          </a:ln>
-        </p:spPr>
-        <p:style>
-          <a:lnRef idx="1">
-            <a:schemeClr val="accent1"/>
-          </a:lnRef>
-          <a:fillRef idx="0">
-            <a:schemeClr val="accent1"/>
-          </a:fillRef>
-          <a:effectRef idx="0">
-            <a:schemeClr val="accent1"/>
-          </a:effectRef>
-          <a:fontRef idx="minor">
-            <a:schemeClr val="tx1"/>
-          </a:fontRef>
-        </p:style>
-      </p:cxnSp>
-      <p:cxnSp>
-        <p:nvCxnSpPr>
-          <p:cNvPr id="11" name="Connecteur droit 10"/>
-          <p:cNvCxnSpPr>
-            <a:stCxn id="5" idx="2"/>
-            <a:endCxn id="4" idx="6"/>
-          </p:cNvCxnSpPr>
-          <p:nvPr/>
-        </p:nvCxnSpPr>
-        <p:spPr>
-          <a:xfrm flipH="1">
-            <a:off x="1349642" y="1957215"/>
-            <a:ext cx="450050" cy="0"/>
-          </a:xfrm>
-          <a:prstGeom prst="line">
-            <a:avLst/>
-          </a:prstGeom>
-          <a:ln w="19050">
-            <a:solidFill>
-              <a:schemeClr val="tx1"/>
-            </a:solidFill>
-          </a:ln>
-        </p:spPr>
-        <p:style>
-          <a:lnRef idx="1">
-            <a:schemeClr val="accent1"/>
-          </a:lnRef>
-          <a:fillRef idx="0">
-            <a:schemeClr val="accent1"/>
-          </a:fillRef>
-          <a:effectRef idx="0">
-            <a:schemeClr val="accent1"/>
-          </a:effectRef>
-          <a:fontRef idx="minor">
-            <a:schemeClr val="tx1"/>
-          </a:fontRef>
-        </p:style>
-      </p:cxnSp>
-      <p:cxnSp>
-        <p:nvCxnSpPr>
-          <p:cNvPr id="14" name="Connecteur droit 13"/>
-          <p:cNvCxnSpPr>
-            <a:stCxn id="6" idx="2"/>
-            <a:endCxn id="5" idx="6"/>
-          </p:cNvCxnSpPr>
-          <p:nvPr/>
-        </p:nvCxnSpPr>
-        <p:spPr>
-          <a:xfrm flipH="1">
-            <a:off x="2087724" y="1957215"/>
-            <a:ext cx="450050" cy="0"/>
-          </a:xfrm>
-          <a:prstGeom prst="line">
-            <a:avLst/>
-          </a:prstGeom>
-          <a:ln w="19050">
-            <a:solidFill>
-              <a:schemeClr val="tx1"/>
-            </a:solidFill>
-          </a:ln>
-        </p:spPr>
-        <p:style>
-          <a:lnRef idx="1">
-            <a:schemeClr val="accent1"/>
-          </a:lnRef>
-          <a:fillRef idx="0">
-            <a:schemeClr val="accent1"/>
-          </a:fillRef>
-          <a:effectRef idx="0">
-            <a:schemeClr val="accent1"/>
-          </a:effectRef>
-          <a:fontRef idx="minor">
-            <a:schemeClr val="tx1"/>
-          </a:fontRef>
-        </p:style>
-      </p:cxnSp>
-      <p:cxnSp>
-        <p:nvCxnSpPr>
-          <p:cNvPr id="17" name="Connecteur droit 16"/>
-          <p:cNvCxnSpPr>
-            <a:stCxn id="7" idx="2"/>
-            <a:endCxn id="6" idx="6"/>
-          </p:cNvCxnSpPr>
-          <p:nvPr/>
-        </p:nvCxnSpPr>
-        <p:spPr>
-          <a:xfrm flipH="1">
-            <a:off x="2825806" y="1957215"/>
-            <a:ext cx="450050" cy="0"/>
-          </a:xfrm>
-          <a:prstGeom prst="line">
-            <a:avLst/>
-          </a:prstGeom>
-          <a:ln w="19050">
-            <a:solidFill>
-              <a:schemeClr val="tx1"/>
-            </a:solidFill>
-          </a:ln>
-        </p:spPr>
-        <p:style>
-          <a:lnRef idx="1">
-            <a:schemeClr val="accent1"/>
-          </a:lnRef>
-          <a:fillRef idx="0">
-            <a:schemeClr val="accent1"/>
-          </a:fillRef>
-          <a:effectRef idx="0">
-            <a:schemeClr val="accent1"/>
-          </a:effectRef>
-          <a:fontRef idx="minor">
-            <a:schemeClr val="tx1"/>
-          </a:fontRef>
-        </p:style>
-      </p:cxnSp>
-      <mc:AlternateContent xmlns:mc="http://schemas.openxmlformats.org/markup-compatibility/2006" xmlns:a14="http://schemas.microsoft.com/office/drawing/2010/main">
-        <mc:Choice Requires="a14">
-          <p:sp>
-            <p:nvSpPr>
-              <p:cNvPr id="31" name="ZoneTexte 30"/>
-              <p:cNvSpPr txBox="1"/>
-              <p:nvPr/>
-            </p:nvSpPr>
-            <p:spPr>
-              <a:xfrm rot="2700000">
-                <a:off x="583745" y="2358459"/>
-                <a:ext cx="901722" cy="261610"/>
-              </a:xfrm>
-              <a:prstGeom prst="rect">
-                <a:avLst/>
-              </a:prstGeom>
-              <a:noFill/>
-            </p:spPr>
-            <p:txBody>
-              <a:bodyPr wrap="none" rtlCol="0">
-                <a:spAutoFit/>
-              </a:bodyPr>
-              <a:lstStyle/>
-              <a:p>
-                <a:r>
-                  <a:rPr lang="fr-FR" sz="1100" b="0" dirty="0"/>
-                  <a:t>Pivot </a:t>
-                </a:r>
-                <a14:m>
-                  <m:oMath xmlns:m="http://schemas.openxmlformats.org/officeDocument/2006/math">
-                    <m:d>
-                      <m:dPr>
-                        <m:ctrlPr>
-                          <a:rPr lang="fr-FR" sz="1100" b="0" i="1" smtClean="0">
-                            <a:latin typeface="Cambria Math" panose="02040503050406030204" pitchFamily="18" charset="0"/>
-                          </a:rPr>
-                        </m:ctrlPr>
-                      </m:dPr>
-                      <m:e>
-                        <m:r>
-                          <a:rPr lang="fr-FR" sz="1100" b="0" i="1" smtClean="0">
-                            <a:latin typeface="Cambria Math"/>
-                          </a:rPr>
-                          <m:t>𝑂</m:t>
-                        </m:r>
-                        <m:r>
-                          <a:rPr lang="fr-FR" sz="1100" b="0" i="1" smtClean="0">
-                            <a:latin typeface="Cambria Math"/>
-                          </a:rPr>
-                          <m:t>,</m:t>
-                        </m:r>
-                        <m:acc>
-                          <m:accPr>
-                            <m:chr m:val="⃗"/>
-                            <m:ctrlPr>
-                              <a:rPr lang="fr-FR" sz="1100" b="0" i="1" smtClean="0">
-                                <a:latin typeface="Cambria Math" panose="02040503050406030204" pitchFamily="18" charset="0"/>
-                              </a:rPr>
-                            </m:ctrlPr>
-                          </m:accPr>
-                          <m:e>
-                            <m:sSub>
-                              <m:sSubPr>
-                                <m:ctrlPr>
-                                  <a:rPr lang="fr-FR" sz="1100" b="0" i="1" smtClean="0">
-                                    <a:latin typeface="Cambria Math" panose="02040503050406030204" pitchFamily="18" charset="0"/>
-                                  </a:rPr>
-                                </m:ctrlPr>
-                              </m:sSubPr>
-                              <m:e>
-                                <m:r>
-                                  <a:rPr lang="fr-FR" sz="1100" b="0" i="1" smtClean="0">
-                                    <a:latin typeface="Cambria Math"/>
-                                  </a:rPr>
-                                  <m:t>𝑧</m:t>
-                                </m:r>
-                              </m:e>
-                              <m:sub>
-                                <m:r>
-                                  <a:rPr lang="fr-FR" sz="1100" b="0" i="1" smtClean="0">
-                                    <a:latin typeface="Cambria Math"/>
-                                  </a:rPr>
-                                  <m:t>1</m:t>
-                                </m:r>
-                              </m:sub>
-                            </m:sSub>
-                          </m:e>
-                        </m:acc>
-                      </m:e>
-                    </m:d>
-                  </m:oMath>
-                </a14:m>
-                <a:endParaRPr lang="fr-FR" sz="1100" dirty="0"/>
-              </a:p>
-            </p:txBody>
-          </p:sp>
-        </mc:Choice>
-        <mc:Fallback xmlns="">
-          <p:sp>
-            <p:nvSpPr>
-              <p:cNvPr id="31" name="ZoneTexte 30"/>
-              <p:cNvSpPr txBox="1">
-                <a:spLocks noRot="1" noChangeAspect="1" noMove="1" noResize="1" noEditPoints="1" noAdjustHandles="1" noChangeArrowheads="1" noChangeShapeType="1" noTextEdit="1"/>
-              </p:cNvSpPr>
-              <p:nvPr/>
-            </p:nvSpPr>
-            <p:spPr>
-              <a:xfrm rot="2700000">
-                <a:off x="583745" y="2358459"/>
-                <a:ext cx="901722" cy="261610"/>
-              </a:xfrm>
-              <a:prstGeom prst="rect">
-                <a:avLst/>
-              </a:prstGeom>
-              <a:blipFill rotWithShape="1">
-                <a:blip r:embed="rId2"/>
-                <a:stretch>
-                  <a:fillRect l="-2941"/>
-                </a:stretch>
-              </a:blipFill>
-            </p:spPr>
-            <p:txBody>
-              <a:bodyPr/>
-              <a:lstStyle/>
-              <a:p>
-                <a:r>
-                  <a:rPr lang="fr-FR">
-                    <a:noFill/>
-                  </a:rPr>
-                  <a:t> </a:t>
-                </a:r>
-              </a:p>
-            </p:txBody>
-          </p:sp>
-        </mc:Fallback>
-      </mc:AlternateContent>
-      <mc:AlternateContent xmlns:mc="http://schemas.openxmlformats.org/markup-compatibility/2006" xmlns:a14="http://schemas.microsoft.com/office/drawing/2010/main">
-        <mc:Choice Requires="a14">
-          <p:sp>
-            <p:nvSpPr>
-              <p:cNvPr id="32" name="ZoneTexte 31"/>
-              <p:cNvSpPr txBox="1"/>
-              <p:nvPr/>
-            </p:nvSpPr>
-            <p:spPr>
-              <a:xfrm rot="2700000">
-                <a:off x="1329193" y="2358459"/>
-                <a:ext cx="904991" cy="261610"/>
-              </a:xfrm>
-              <a:prstGeom prst="rect">
-                <a:avLst/>
-              </a:prstGeom>
-              <a:noFill/>
-            </p:spPr>
-            <p:txBody>
-              <a:bodyPr wrap="none" rtlCol="0">
-                <a:spAutoFit/>
-              </a:bodyPr>
-              <a:lstStyle/>
-              <a:p>
-                <a:r>
-                  <a:rPr lang="fr-FR" sz="1100" b="0" dirty="0"/>
-                  <a:t>Pivot </a:t>
-                </a:r>
-                <a14:m>
-                  <m:oMath xmlns:m="http://schemas.openxmlformats.org/officeDocument/2006/math">
-                    <m:d>
-                      <m:dPr>
-                        <m:ctrlPr>
-                          <a:rPr lang="fr-FR" sz="1100" b="0" i="1" smtClean="0">
-                            <a:latin typeface="Cambria Math" panose="02040503050406030204" pitchFamily="18" charset="0"/>
-                          </a:rPr>
-                        </m:ctrlPr>
-                      </m:dPr>
-                      <m:e>
-                        <m:r>
-                          <a:rPr lang="fr-FR" sz="1100" b="0" i="1" smtClean="0">
-                            <a:latin typeface="Cambria Math"/>
-                          </a:rPr>
-                          <m:t>𝑂</m:t>
-                        </m:r>
-                        <m:r>
-                          <a:rPr lang="fr-FR" sz="1100" b="0" i="1" smtClean="0">
-                            <a:latin typeface="Cambria Math"/>
-                          </a:rPr>
-                          <m:t>,</m:t>
-                        </m:r>
-                        <m:acc>
-                          <m:accPr>
-                            <m:chr m:val="⃗"/>
-                            <m:ctrlPr>
-                              <a:rPr lang="fr-FR" sz="1100" b="0" i="1" smtClean="0">
-                                <a:latin typeface="Cambria Math" panose="02040503050406030204" pitchFamily="18" charset="0"/>
-                              </a:rPr>
-                            </m:ctrlPr>
-                          </m:accPr>
-                          <m:e>
-                            <m:sSub>
-                              <m:sSubPr>
-                                <m:ctrlPr>
-                                  <a:rPr lang="fr-FR" sz="1100" b="0" i="1" smtClean="0">
-                                    <a:latin typeface="Cambria Math" panose="02040503050406030204" pitchFamily="18" charset="0"/>
-                                  </a:rPr>
-                                </m:ctrlPr>
-                              </m:sSubPr>
-                              <m:e>
-                                <m:r>
-                                  <a:rPr lang="fr-FR" sz="1100" b="0" i="1" smtClean="0">
-                                    <a:latin typeface="Cambria Math"/>
-                                  </a:rPr>
-                                  <m:t>𝑧</m:t>
-                                </m:r>
-                              </m:e>
-                              <m:sub>
-                                <m:r>
-                                  <a:rPr lang="fr-FR" sz="1100" b="0" i="1" smtClean="0">
-                                    <a:latin typeface="Cambria Math"/>
-                                  </a:rPr>
-                                  <m:t>2</m:t>
-                                </m:r>
-                              </m:sub>
-                            </m:sSub>
-                          </m:e>
-                        </m:acc>
-                      </m:e>
-                    </m:d>
-                  </m:oMath>
-                </a14:m>
-                <a:endParaRPr lang="fr-FR" sz="1100" dirty="0"/>
-              </a:p>
-            </p:txBody>
-          </p:sp>
-        </mc:Choice>
-        <mc:Fallback xmlns="">
-          <p:sp>
-            <p:nvSpPr>
-              <p:cNvPr id="32" name="ZoneTexte 31"/>
-              <p:cNvSpPr txBox="1">
-                <a:spLocks noRot="1" noChangeAspect="1" noMove="1" noResize="1" noEditPoints="1" noAdjustHandles="1" noChangeArrowheads="1" noChangeShapeType="1" noTextEdit="1"/>
-              </p:cNvSpPr>
-              <p:nvPr/>
-            </p:nvSpPr>
-            <p:spPr>
-              <a:xfrm rot="2700000">
-                <a:off x="1329193" y="2358459"/>
-                <a:ext cx="904991" cy="261610"/>
-              </a:xfrm>
-              <a:prstGeom prst="rect">
-                <a:avLst/>
-              </a:prstGeom>
-              <a:blipFill rotWithShape="1">
-                <a:blip r:embed="rId3"/>
-                <a:stretch>
-                  <a:fillRect l="-2941"/>
-                </a:stretch>
-              </a:blipFill>
-            </p:spPr>
-            <p:txBody>
-              <a:bodyPr/>
-              <a:lstStyle/>
-              <a:p>
-                <a:r>
-                  <a:rPr lang="fr-FR">
-                    <a:noFill/>
-                  </a:rPr>
-                  <a:t> </a:t>
-                </a:r>
-              </a:p>
-            </p:txBody>
-          </p:sp>
-        </mc:Fallback>
-      </mc:AlternateContent>
-      <mc:AlternateContent xmlns:mc="http://schemas.openxmlformats.org/markup-compatibility/2006" xmlns:a14="http://schemas.microsoft.com/office/drawing/2010/main">
-        <mc:Choice Requires="a14">
-          <p:sp>
-            <p:nvSpPr>
-              <p:cNvPr id="33" name="ZoneTexte 32"/>
-              <p:cNvSpPr txBox="1"/>
-              <p:nvPr/>
-            </p:nvSpPr>
-            <p:spPr>
-              <a:xfrm rot="2700000">
-                <a:off x="2076276" y="2358459"/>
-                <a:ext cx="904991" cy="261610"/>
-              </a:xfrm>
-              <a:prstGeom prst="rect">
-                <a:avLst/>
-              </a:prstGeom>
-              <a:noFill/>
-            </p:spPr>
-            <p:txBody>
-              <a:bodyPr wrap="none" rtlCol="0">
-                <a:spAutoFit/>
-              </a:bodyPr>
-              <a:lstStyle/>
-              <a:p>
-                <a:r>
-                  <a:rPr lang="fr-FR" sz="1100" b="0" dirty="0"/>
-                  <a:t>Pivot </a:t>
-                </a:r>
-                <a14:m>
-                  <m:oMath xmlns:m="http://schemas.openxmlformats.org/officeDocument/2006/math">
-                    <m:d>
-                      <m:dPr>
-                        <m:ctrlPr>
-                          <a:rPr lang="fr-FR" sz="1100" b="0" i="1" smtClean="0">
-                            <a:latin typeface="Cambria Math" panose="02040503050406030204" pitchFamily="18" charset="0"/>
-                          </a:rPr>
-                        </m:ctrlPr>
-                      </m:dPr>
-                      <m:e>
-                        <m:r>
-                          <a:rPr lang="fr-FR" sz="1100" b="0" i="1" smtClean="0">
-                            <a:latin typeface="Cambria Math"/>
-                          </a:rPr>
-                          <m:t>𝑂</m:t>
-                        </m:r>
-                        <m:r>
-                          <a:rPr lang="fr-FR" sz="1100" b="0" i="1" smtClean="0">
-                            <a:latin typeface="Cambria Math"/>
-                          </a:rPr>
-                          <m:t>,</m:t>
-                        </m:r>
-                        <m:acc>
-                          <m:accPr>
-                            <m:chr m:val="⃗"/>
-                            <m:ctrlPr>
-                              <a:rPr lang="fr-FR" sz="1100" b="0" i="1" smtClean="0">
-                                <a:latin typeface="Cambria Math" panose="02040503050406030204" pitchFamily="18" charset="0"/>
-                              </a:rPr>
-                            </m:ctrlPr>
-                          </m:accPr>
-                          <m:e>
-                            <m:sSub>
-                              <m:sSubPr>
-                                <m:ctrlPr>
-                                  <a:rPr lang="fr-FR" sz="1100" b="0" i="1" smtClean="0">
-                                    <a:latin typeface="Cambria Math" panose="02040503050406030204" pitchFamily="18" charset="0"/>
-                                  </a:rPr>
-                                </m:ctrlPr>
-                              </m:sSubPr>
-                              <m:e>
-                                <m:r>
-                                  <a:rPr lang="fr-FR" sz="1100" b="0" i="1" smtClean="0">
-                                    <a:latin typeface="Cambria Math"/>
-                                  </a:rPr>
-                                  <m:t>𝑧</m:t>
-                                </m:r>
-                              </m:e>
-                              <m:sub>
-                                <m:r>
-                                  <a:rPr lang="fr-FR" sz="1100" b="0" i="1" smtClean="0">
-                                    <a:latin typeface="Cambria Math"/>
-                                  </a:rPr>
-                                  <m:t>3</m:t>
-                                </m:r>
-                              </m:sub>
-                            </m:sSub>
-                          </m:e>
-                        </m:acc>
-                      </m:e>
-                    </m:d>
-                  </m:oMath>
-                </a14:m>
-                <a:endParaRPr lang="fr-FR" sz="1100" dirty="0"/>
-              </a:p>
-            </p:txBody>
-          </p:sp>
-        </mc:Choice>
-        <mc:Fallback xmlns="">
-          <p:sp>
-            <p:nvSpPr>
-              <p:cNvPr id="33" name="ZoneTexte 32"/>
-              <p:cNvSpPr txBox="1">
-                <a:spLocks noRot="1" noChangeAspect="1" noMove="1" noResize="1" noEditPoints="1" noAdjustHandles="1" noChangeArrowheads="1" noChangeShapeType="1" noTextEdit="1"/>
-              </p:cNvSpPr>
-              <p:nvPr/>
-            </p:nvSpPr>
-            <p:spPr>
-              <a:xfrm rot="2700000">
-                <a:off x="2076276" y="2358459"/>
-                <a:ext cx="904991" cy="261610"/>
-              </a:xfrm>
-              <a:prstGeom prst="rect">
-                <a:avLst/>
-              </a:prstGeom>
-              <a:blipFill rotWithShape="1">
-                <a:blip r:embed="rId4"/>
-                <a:stretch>
-                  <a:fillRect l="-2941"/>
-                </a:stretch>
-              </a:blipFill>
-            </p:spPr>
-            <p:txBody>
-              <a:bodyPr/>
-              <a:lstStyle/>
-              <a:p>
-                <a:r>
-                  <a:rPr lang="fr-FR">
-                    <a:noFill/>
-                  </a:rPr>
-                  <a:t> </a:t>
-                </a:r>
-              </a:p>
-            </p:txBody>
-          </p:sp>
-        </mc:Fallback>
-      </mc:AlternateContent>
-      <mc:AlternateContent xmlns:mc="http://schemas.openxmlformats.org/markup-compatibility/2006" xmlns:a14="http://schemas.microsoft.com/office/drawing/2010/main">
-        <mc:Choice Requires="a14">
-          <p:sp>
-            <p:nvSpPr>
-              <p:cNvPr id="34" name="ZoneTexte 33"/>
-              <p:cNvSpPr txBox="1"/>
-              <p:nvPr/>
-            </p:nvSpPr>
-            <p:spPr>
-              <a:xfrm rot="2700000">
-                <a:off x="2800789" y="2358459"/>
-                <a:ext cx="950132" cy="261610"/>
-              </a:xfrm>
-              <a:prstGeom prst="rect">
-                <a:avLst/>
-              </a:prstGeom>
-              <a:noFill/>
-            </p:spPr>
-            <p:txBody>
-              <a:bodyPr wrap="none" rtlCol="0">
-                <a:spAutoFit/>
-              </a:bodyPr>
-              <a:lstStyle/>
-              <a:p>
-                <a:r>
-                  <a:rPr lang="fr-FR" sz="1100" b="0" dirty="0"/>
-                  <a:t>Glissière </a:t>
-                </a:r>
-                <a14:m>
-                  <m:oMath xmlns:m="http://schemas.openxmlformats.org/officeDocument/2006/math">
-                    <m:d>
-                      <m:dPr>
-                        <m:ctrlPr>
-                          <a:rPr lang="fr-FR" sz="1100" b="0" i="1" smtClean="0">
-                            <a:latin typeface="Cambria Math" panose="02040503050406030204" pitchFamily="18" charset="0"/>
-                          </a:rPr>
-                        </m:ctrlPr>
-                      </m:dPr>
-                      <m:e>
-                        <m:acc>
-                          <m:accPr>
-                            <m:chr m:val="⃗"/>
-                            <m:ctrlPr>
-                              <a:rPr lang="fr-FR" sz="1100" b="0" i="1" smtClean="0">
-                                <a:latin typeface="Cambria Math" panose="02040503050406030204" pitchFamily="18" charset="0"/>
-                              </a:rPr>
-                            </m:ctrlPr>
-                          </m:accPr>
-                          <m:e>
-                            <m:sSub>
-                              <m:sSubPr>
-                                <m:ctrlPr>
-                                  <a:rPr lang="fr-FR" sz="1100" b="0" i="1" smtClean="0">
-                                    <a:latin typeface="Cambria Math" panose="02040503050406030204" pitchFamily="18" charset="0"/>
-                                  </a:rPr>
-                                </m:ctrlPr>
-                              </m:sSubPr>
-                              <m:e>
-                                <m:r>
-                                  <a:rPr lang="fr-FR" sz="1100" b="0" i="1" smtClean="0">
-                                    <a:latin typeface="Cambria Math"/>
-                                  </a:rPr>
-                                  <m:t>𝑧</m:t>
-                                </m:r>
-                              </m:e>
-                              <m:sub>
-                                <m:r>
-                                  <a:rPr lang="fr-FR" sz="1100" b="0" i="1" smtClean="0">
-                                    <a:latin typeface="Cambria Math"/>
-                                  </a:rPr>
-                                  <m:t>3</m:t>
-                                </m:r>
-                              </m:sub>
-                            </m:sSub>
-                          </m:e>
-                        </m:acc>
-                      </m:e>
-                    </m:d>
-                  </m:oMath>
-                </a14:m>
-                <a:endParaRPr lang="fr-FR" sz="1100" dirty="0"/>
-              </a:p>
-            </p:txBody>
-          </p:sp>
-        </mc:Choice>
-        <mc:Fallback xmlns="">
-          <p:sp>
-            <p:nvSpPr>
-              <p:cNvPr id="34" name="ZoneTexte 33"/>
-              <p:cNvSpPr txBox="1">
-                <a:spLocks noRot="1" noChangeAspect="1" noMove="1" noResize="1" noEditPoints="1" noAdjustHandles="1" noChangeArrowheads="1" noChangeShapeType="1" noTextEdit="1"/>
-              </p:cNvSpPr>
-              <p:nvPr/>
-            </p:nvSpPr>
-            <p:spPr>
-              <a:xfrm rot="2700000">
-                <a:off x="2800789" y="2358459"/>
-                <a:ext cx="950132" cy="261610"/>
-              </a:xfrm>
-              <a:prstGeom prst="rect">
-                <a:avLst/>
-              </a:prstGeom>
-              <a:blipFill rotWithShape="1">
-                <a:blip r:embed="rId5"/>
-                <a:stretch>
-                  <a:fillRect l="-2837"/>
-                </a:stretch>
-              </a:blipFill>
-            </p:spPr>
-            <p:txBody>
-              <a:bodyPr/>
-              <a:lstStyle/>
-              <a:p>
-                <a:r>
-                  <a:rPr lang="fr-FR">
-                    <a:noFill/>
-                  </a:rPr>
-                  <a:t> </a:t>
-                </a:r>
-              </a:p>
-            </p:txBody>
-          </p:sp>
-        </mc:Fallback>
-      </mc:AlternateContent>
-      <p:cxnSp>
-        <p:nvCxnSpPr>
-          <p:cNvPr id="41" name="Connecteur droit 40"/>
-          <p:cNvCxnSpPr/>
-          <p:nvPr/>
-        </p:nvCxnSpPr>
-        <p:spPr>
-          <a:xfrm>
-            <a:off x="152400" y="1957215"/>
-            <a:ext cx="171128" cy="0"/>
-          </a:xfrm>
-          <a:prstGeom prst="line">
-            <a:avLst/>
-          </a:prstGeom>
-          <a:solidFill>
-            <a:schemeClr val="accent6">
-              <a:lumMod val="20000"/>
-              <a:lumOff val="80000"/>
-            </a:schemeClr>
-          </a:solidFill>
-          <a:ln w="19050">
-            <a:solidFill>
-              <a:schemeClr val="accent6">
-                <a:lumMod val="50000"/>
-              </a:schemeClr>
-            </a:solidFill>
-          </a:ln>
-        </p:spPr>
-        <p:style>
-          <a:lnRef idx="2">
-            <a:schemeClr val="accent1">
-              <a:shade val="50000"/>
-            </a:schemeClr>
-          </a:lnRef>
-          <a:fillRef idx="1">
-            <a:schemeClr val="accent1"/>
-          </a:fillRef>
-          <a:effectRef idx="0">
-            <a:schemeClr val="accent1"/>
-          </a:effectRef>
-          <a:fontRef idx="minor">
-            <a:schemeClr val="lt1"/>
-          </a:fontRef>
-        </p:style>
-      </p:cxnSp>
-      <p:cxnSp>
-        <p:nvCxnSpPr>
-          <p:cNvPr id="43" name="Connecteur droit 42"/>
-          <p:cNvCxnSpPr/>
-          <p:nvPr/>
-        </p:nvCxnSpPr>
-        <p:spPr>
-          <a:xfrm flipV="1">
-            <a:off x="152400" y="1813200"/>
-            <a:ext cx="0" cy="288031"/>
-          </a:xfrm>
-          <a:prstGeom prst="line">
-            <a:avLst/>
-          </a:prstGeom>
-          <a:solidFill>
-            <a:schemeClr val="accent6">
-              <a:lumMod val="20000"/>
-              <a:lumOff val="80000"/>
-            </a:schemeClr>
-          </a:solidFill>
-          <a:ln w="19050">
-            <a:solidFill>
-              <a:schemeClr val="accent6">
-                <a:lumMod val="50000"/>
-              </a:schemeClr>
-            </a:solidFill>
-          </a:ln>
-        </p:spPr>
-        <p:style>
-          <a:lnRef idx="2">
-            <a:schemeClr val="accent1">
-              <a:shade val="50000"/>
-            </a:schemeClr>
-          </a:lnRef>
-          <a:fillRef idx="1">
-            <a:schemeClr val="accent1"/>
-          </a:fillRef>
-          <a:effectRef idx="0">
-            <a:schemeClr val="accent1"/>
-          </a:effectRef>
-          <a:fontRef idx="minor">
-            <a:schemeClr val="lt1"/>
-          </a:fontRef>
-        </p:style>
-      </p:cxnSp>
-      <p:cxnSp>
-        <p:nvCxnSpPr>
-          <p:cNvPr id="44" name="Connecteur droit 43"/>
-          <p:cNvCxnSpPr>
-            <a:stCxn id="7" idx="1"/>
-            <a:endCxn id="8" idx="7"/>
-          </p:cNvCxnSpPr>
-          <p:nvPr/>
-        </p:nvCxnSpPr>
-        <p:spPr>
-          <a:xfrm rot="16200000" flipV="1">
-            <a:off x="1943708" y="481051"/>
-            <a:ext cx="12700" cy="2748658"/>
-          </a:xfrm>
-          <a:prstGeom prst="curvedConnector3">
-            <a:avLst>
-              <a:gd name="adj1" fmla="val 2132134"/>
-            </a:avLst>
-          </a:prstGeom>
-          <a:ln w="19050">
-            <a:solidFill>
-              <a:schemeClr val="tx1"/>
-            </a:solidFill>
-            <a:prstDash val="sysDash"/>
-          </a:ln>
-        </p:spPr>
-        <p:style>
-          <a:lnRef idx="1">
-            <a:schemeClr val="accent1"/>
-          </a:lnRef>
-          <a:fillRef idx="0">
-            <a:schemeClr val="accent1"/>
-          </a:fillRef>
-          <a:effectRef idx="0">
-            <a:schemeClr val="accent1"/>
-          </a:effectRef>
-          <a:fontRef idx="minor">
-            <a:schemeClr val="tx1"/>
-          </a:fontRef>
-        </p:style>
-      </p:cxnSp>
-      <p:sp>
-        <p:nvSpPr>
-          <p:cNvPr id="45" name="ZoneTexte 44"/>
-          <p:cNvSpPr txBox="1"/>
-          <p:nvPr/>
-        </p:nvSpPr>
-        <p:spPr>
-          <a:xfrm>
-            <a:off x="1401732" y="1340768"/>
-            <a:ext cx="1083951" cy="261610"/>
-          </a:xfrm>
-          <a:prstGeom prst="rect">
-            <a:avLst/>
-          </a:prstGeom>
-          <a:noFill/>
-        </p:spPr>
-        <p:txBody>
-          <a:bodyPr wrap="none" rtlCol="0">
-            <a:spAutoFit/>
-          </a:bodyPr>
-          <a:lstStyle/>
-          <a:p>
-            <a:r>
-              <a:rPr lang="fr-FR" sz="1100" b="0" dirty="0"/>
-              <a:t>Liaison à définir</a:t>
-            </a:r>
-            <a:endParaRPr lang="fr-FR" sz="1100" dirty="0"/>
-          </a:p>
-        </p:txBody>
-      </p:sp>
-    </p:spTree>
-    <p:extLst>
-      <p:ext uri="{BB962C8B-B14F-4D97-AF65-F5344CB8AC3E}">
-        <p14:creationId xmlns:p14="http://schemas.microsoft.com/office/powerpoint/2010/main" val="1567687556"/>
-      </p:ext>
-    </p:extLst>
-  </p:cSld>
-  <p:clrMapOvr>
-    <a:masterClrMapping/>
-  </p:clrMapOvr>
-</p:sld>
-</file>
-
-<file path=ppt/slides/slide2.xml><?xml version="1.0" encoding="utf-8"?>
+<file path=ppt/slides/slide3.xml><?xml version="1.0" encoding="utf-8"?>
 <p:sld xmlns:a="http://schemas.openxmlformats.org/drawingml/2006/main" xmlns:r="http://schemas.openxmlformats.org/officeDocument/2006/relationships" xmlns:p="http://schemas.openxmlformats.org/presentationml/2006/main">
   <p:cSld>
     <p:spTree>
@@ -10808,7 +12403,7 @@
 </p:sld>
 </file>
 
-<file path=ppt/slides/slide3.xml><?xml version="1.0" encoding="utf-8"?>
+<file path=ppt/slides/slide4.xml><?xml version="1.0" encoding="utf-8"?>
 <p:sld xmlns:a="http://schemas.openxmlformats.org/drawingml/2006/main" xmlns:r="http://schemas.openxmlformats.org/officeDocument/2006/relationships" xmlns:p="http://schemas.openxmlformats.org/presentationml/2006/main">
   <p:cSld>
     <p:spTree>
@@ -14690,7 +16285,7 @@
 </p:sld>
 </file>
 
-<file path=ppt/slides/slide4.xml><?xml version="1.0" encoding="utf-8"?>
+<file path=ppt/slides/slide5.xml><?xml version="1.0" encoding="utf-8"?>
 <p:sld xmlns:a="http://schemas.openxmlformats.org/drawingml/2006/main" xmlns:r="http://schemas.openxmlformats.org/officeDocument/2006/relationships" xmlns:p="http://schemas.openxmlformats.org/presentationml/2006/main">
   <p:cSld>
     <p:spTree>
@@ -15278,7 +16873,7 @@
 </p:sld>
 </file>
 
-<file path=ppt/slides/slide5.xml><?xml version="1.0" encoding="utf-8"?>
+<file path=ppt/slides/slide6.xml><?xml version="1.0" encoding="utf-8"?>
 <p:sld xmlns:a="http://schemas.openxmlformats.org/drawingml/2006/main" xmlns:r="http://schemas.openxmlformats.org/officeDocument/2006/relationships" xmlns:p="http://schemas.openxmlformats.org/presentationml/2006/main">
   <p:cSld>
     <p:spTree>
@@ -16083,7 +17678,7 @@
 </p:sld>
 </file>
 
-<file path=ppt/slides/slide6.xml><?xml version="1.0" encoding="utf-8"?>
+<file path=ppt/slides/slide7.xml><?xml version="1.0" encoding="utf-8"?>
 <p:sld xmlns:a="http://schemas.openxmlformats.org/drawingml/2006/main" xmlns:r="http://schemas.openxmlformats.org/officeDocument/2006/relationships" xmlns:p="http://schemas.openxmlformats.org/presentationml/2006/main">
   <p:cSld>
     <p:spTree>
@@ -16726,7 +18321,7 @@
 </p:sld>
 </file>
 
-<file path=ppt/slides/slide7.xml><?xml version="1.0" encoding="utf-8"?>
+<file path=ppt/slides/slide8.xml><?xml version="1.0" encoding="utf-8"?>
 <p:sld xmlns:a="http://schemas.openxmlformats.org/drawingml/2006/main" xmlns:r="http://schemas.openxmlformats.org/officeDocument/2006/relationships" xmlns:p="http://schemas.openxmlformats.org/presentationml/2006/main">
   <p:cSld>
     <p:spTree>
@@ -17594,7 +19189,7 @@
 </p:sld>
 </file>
 
-<file path=ppt/slides/slide8.xml><?xml version="1.0" encoding="utf-8"?>
+<file path=ppt/slides/slide9.xml><?xml version="1.0" encoding="utf-8"?>
 <p:sld xmlns:a="http://schemas.openxmlformats.org/drawingml/2006/main" xmlns:r="http://schemas.openxmlformats.org/officeDocument/2006/relationships" xmlns:p="http://schemas.openxmlformats.org/presentationml/2006/main">
   <p:cSld>
     <p:spTree>
@@ -20139,904 +21734,6 @@
 </p:sld>
 </file>
 
-<file path=ppt/slides/slide9.xml><?xml version="1.0" encoding="utf-8"?>
-<p:sld xmlns:a="http://schemas.openxmlformats.org/drawingml/2006/main" xmlns:r="http://schemas.openxmlformats.org/officeDocument/2006/relationships" xmlns:p="http://schemas.openxmlformats.org/presentationml/2006/main">
-  <p:cSld>
-    <p:spTree>
-      <p:nvGrpSpPr>
-        <p:cNvPr id="1" name=""/>
-        <p:cNvGrpSpPr/>
-        <p:nvPr/>
-      </p:nvGrpSpPr>
-      <p:grpSpPr>
-        <a:xfrm>
-          <a:off x="0" y="0"/>
-          <a:ext cx="0" cy="0"/>
-          <a:chOff x="0" y="0"/>
-          <a:chExt cx="0" cy="0"/>
-        </a:xfrm>
-      </p:grpSpPr>
-      <p:sp>
-        <p:nvSpPr>
-          <p:cNvPr id="38" name="Forme libre 37"/>
-          <p:cNvSpPr/>
-          <p:nvPr/>
-        </p:nvSpPr>
-        <p:spPr>
-          <a:xfrm flipV="1">
-            <a:off x="539552" y="2028210"/>
-            <a:ext cx="1224136" cy="146042"/>
-          </a:xfrm>
-          <a:custGeom>
-            <a:avLst/>
-            <a:gdLst>
-              <a:gd name="connsiteX0" fmla="*/ 0 w 596900"/>
-              <a:gd name="connsiteY0" fmla="*/ 209768 h 209768"/>
-              <a:gd name="connsiteX1" fmla="*/ 317500 w 596900"/>
-              <a:gd name="connsiteY1" fmla="*/ 218 h 209768"/>
-              <a:gd name="connsiteX2" fmla="*/ 596900 w 596900"/>
-              <a:gd name="connsiteY2" fmla="*/ 178018 h 209768"/>
-              <a:gd name="connsiteX0" fmla="*/ 0 w 660400"/>
-              <a:gd name="connsiteY0" fmla="*/ 210341 h 280191"/>
-              <a:gd name="connsiteX1" fmla="*/ 317500 w 660400"/>
-              <a:gd name="connsiteY1" fmla="*/ 791 h 280191"/>
-              <a:gd name="connsiteX2" fmla="*/ 660400 w 660400"/>
-              <a:gd name="connsiteY2" fmla="*/ 280191 h 280191"/>
-              <a:gd name="connsiteX0" fmla="*/ 0 w 736600"/>
-              <a:gd name="connsiteY0" fmla="*/ 273055 h 279405"/>
-              <a:gd name="connsiteX1" fmla="*/ 393700 w 736600"/>
-              <a:gd name="connsiteY1" fmla="*/ 5 h 279405"/>
-              <a:gd name="connsiteX2" fmla="*/ 736600 w 736600"/>
-              <a:gd name="connsiteY2" fmla="*/ 279405 h 279405"/>
-            </a:gdLst>
-            <a:ahLst/>
-            <a:cxnLst>
-              <a:cxn ang="0">
-                <a:pos x="connsiteX0" y="connsiteY0"/>
-              </a:cxn>
-              <a:cxn ang="0">
-                <a:pos x="connsiteX1" y="connsiteY1"/>
-              </a:cxn>
-              <a:cxn ang="0">
-                <a:pos x="connsiteX2" y="connsiteY2"/>
-              </a:cxn>
-            </a:cxnLst>
-            <a:rect l="l" t="t" r="r" b="b"/>
-            <a:pathLst>
-              <a:path w="736600" h="279405">
-                <a:moveTo>
-                  <a:pt x="0" y="273055"/>
-                </a:moveTo>
-                <a:cubicBezTo>
-                  <a:pt x="109008" y="170926"/>
-                  <a:pt x="270933" y="-1053"/>
-                  <a:pt x="393700" y="5"/>
-                </a:cubicBezTo>
-                <a:cubicBezTo>
-                  <a:pt x="516467" y="1063"/>
-                  <a:pt x="646641" y="187859"/>
-                  <a:pt x="736600" y="279405"/>
-                </a:cubicBezTo>
-              </a:path>
-            </a:pathLst>
-          </a:custGeom>
-          <a:noFill/>
-          <a:ln>
-            <a:solidFill>
-              <a:srgbClr val="C00000"/>
-            </a:solidFill>
-            <a:headEnd type="none" w="med" len="med"/>
-            <a:tailEnd type="none" w="med" len="med"/>
-          </a:ln>
-        </p:spPr>
-        <p:style>
-          <a:lnRef idx="2">
-            <a:schemeClr val="accent1">
-              <a:shade val="50000"/>
-            </a:schemeClr>
-          </a:lnRef>
-          <a:fillRef idx="1">
-            <a:schemeClr val="accent1"/>
-          </a:fillRef>
-          <a:effectRef idx="0">
-            <a:schemeClr val="accent1"/>
-          </a:effectRef>
-          <a:fontRef idx="minor">
-            <a:schemeClr val="lt1"/>
-          </a:fontRef>
-        </p:style>
-        <p:txBody>
-          <a:bodyPr rtlCol="0" anchor="ctr"/>
-          <a:lstStyle/>
-          <a:p>
-            <a:pPr algn="ctr"/>
-            <a:endParaRPr lang="fr-FR"/>
-          </a:p>
-        </p:txBody>
-      </p:sp>
-      <p:sp>
-        <p:nvSpPr>
-          <p:cNvPr id="24" name="Forme libre 23"/>
-          <p:cNvSpPr/>
-          <p:nvPr/>
-        </p:nvSpPr>
-        <p:spPr>
-          <a:xfrm>
-            <a:off x="539552" y="1700808"/>
-            <a:ext cx="1224136" cy="146042"/>
-          </a:xfrm>
-          <a:custGeom>
-            <a:avLst/>
-            <a:gdLst>
-              <a:gd name="connsiteX0" fmla="*/ 0 w 596900"/>
-              <a:gd name="connsiteY0" fmla="*/ 209768 h 209768"/>
-              <a:gd name="connsiteX1" fmla="*/ 317500 w 596900"/>
-              <a:gd name="connsiteY1" fmla="*/ 218 h 209768"/>
-              <a:gd name="connsiteX2" fmla="*/ 596900 w 596900"/>
-              <a:gd name="connsiteY2" fmla="*/ 178018 h 209768"/>
-              <a:gd name="connsiteX0" fmla="*/ 0 w 660400"/>
-              <a:gd name="connsiteY0" fmla="*/ 210341 h 280191"/>
-              <a:gd name="connsiteX1" fmla="*/ 317500 w 660400"/>
-              <a:gd name="connsiteY1" fmla="*/ 791 h 280191"/>
-              <a:gd name="connsiteX2" fmla="*/ 660400 w 660400"/>
-              <a:gd name="connsiteY2" fmla="*/ 280191 h 280191"/>
-              <a:gd name="connsiteX0" fmla="*/ 0 w 736600"/>
-              <a:gd name="connsiteY0" fmla="*/ 273055 h 279405"/>
-              <a:gd name="connsiteX1" fmla="*/ 393700 w 736600"/>
-              <a:gd name="connsiteY1" fmla="*/ 5 h 279405"/>
-              <a:gd name="connsiteX2" fmla="*/ 736600 w 736600"/>
-              <a:gd name="connsiteY2" fmla="*/ 279405 h 279405"/>
-            </a:gdLst>
-            <a:ahLst/>
-            <a:cxnLst>
-              <a:cxn ang="0">
-                <a:pos x="connsiteX0" y="connsiteY0"/>
-              </a:cxn>
-              <a:cxn ang="0">
-                <a:pos x="connsiteX1" y="connsiteY1"/>
-              </a:cxn>
-              <a:cxn ang="0">
-                <a:pos x="connsiteX2" y="connsiteY2"/>
-              </a:cxn>
-            </a:cxnLst>
-            <a:rect l="l" t="t" r="r" b="b"/>
-            <a:pathLst>
-              <a:path w="736600" h="279405">
-                <a:moveTo>
-                  <a:pt x="0" y="273055"/>
-                </a:moveTo>
-                <a:cubicBezTo>
-                  <a:pt x="109008" y="170926"/>
-                  <a:pt x="270933" y="-1053"/>
-                  <a:pt x="393700" y="5"/>
-                </a:cubicBezTo>
-                <a:cubicBezTo>
-                  <a:pt x="516467" y="1063"/>
-                  <a:pt x="646641" y="187859"/>
-                  <a:pt x="736600" y="279405"/>
-                </a:cubicBezTo>
-              </a:path>
-            </a:pathLst>
-          </a:custGeom>
-          <a:noFill/>
-          <a:ln>
-            <a:solidFill>
-              <a:srgbClr val="C00000"/>
-            </a:solidFill>
-            <a:headEnd type="none" w="med" len="med"/>
-            <a:tailEnd type="none" w="med" len="med"/>
-          </a:ln>
-        </p:spPr>
-        <p:style>
-          <a:lnRef idx="2">
-            <a:schemeClr val="accent1">
-              <a:shade val="50000"/>
-            </a:schemeClr>
-          </a:lnRef>
-          <a:fillRef idx="1">
-            <a:schemeClr val="accent1"/>
-          </a:fillRef>
-          <a:effectRef idx="0">
-            <a:schemeClr val="accent1"/>
-          </a:effectRef>
-          <a:fontRef idx="minor">
-            <a:schemeClr val="lt1"/>
-          </a:fontRef>
-        </p:style>
-        <p:txBody>
-          <a:bodyPr rtlCol="0" anchor="ctr"/>
-          <a:lstStyle/>
-          <a:p>
-            <a:pPr algn="ctr"/>
-            <a:endParaRPr lang="fr-FR"/>
-          </a:p>
-        </p:txBody>
-      </p:sp>
-      <p:sp>
-        <p:nvSpPr>
-          <p:cNvPr id="4" name="Ellipse 3"/>
-          <p:cNvSpPr/>
-          <p:nvPr/>
-        </p:nvSpPr>
-        <p:spPr>
-          <a:xfrm>
-            <a:off x="1691680" y="1813199"/>
-            <a:ext cx="288032" cy="288032"/>
-          </a:xfrm>
-          <a:prstGeom prst="ellipse">
-            <a:avLst/>
-          </a:prstGeom>
-          <a:solidFill>
-            <a:schemeClr val="accent4">
-              <a:lumMod val="20000"/>
-              <a:lumOff val="80000"/>
-            </a:schemeClr>
-          </a:solidFill>
-          <a:ln w="19050">
-            <a:solidFill>
-              <a:schemeClr val="accent4"/>
-            </a:solidFill>
-          </a:ln>
-        </p:spPr>
-        <p:style>
-          <a:lnRef idx="2">
-            <a:schemeClr val="accent1">
-              <a:shade val="50000"/>
-            </a:schemeClr>
-          </a:lnRef>
-          <a:fillRef idx="1">
-            <a:schemeClr val="accent1"/>
-          </a:fillRef>
-          <a:effectRef idx="0">
-            <a:schemeClr val="accent1"/>
-          </a:effectRef>
-          <a:fontRef idx="minor">
-            <a:schemeClr val="lt1"/>
-          </a:fontRef>
-        </p:style>
-        <p:txBody>
-          <a:bodyPr rtlCol="0" anchor="ctr"/>
-          <a:lstStyle/>
-          <a:p>
-            <a:pPr algn="ctr"/>
-            <a:r>
-              <a:rPr lang="fr-FR" sz="1400" b="1" dirty="0">
-                <a:solidFill>
-                  <a:schemeClr val="accent4"/>
-                </a:solidFill>
-              </a:rPr>
-              <a:t>1</a:t>
-            </a:r>
-          </a:p>
-        </p:txBody>
-      </p:sp>
-      <p:sp>
-        <p:nvSpPr>
-          <p:cNvPr id="8" name="Ellipse 7"/>
-          <p:cNvSpPr/>
-          <p:nvPr/>
-        </p:nvSpPr>
-        <p:spPr>
-          <a:xfrm>
-            <a:off x="323528" y="1813199"/>
-            <a:ext cx="288032" cy="288032"/>
-          </a:xfrm>
-          <a:prstGeom prst="ellipse">
-            <a:avLst/>
-          </a:prstGeom>
-          <a:solidFill>
-            <a:schemeClr val="accent6">
-              <a:lumMod val="20000"/>
-              <a:lumOff val="80000"/>
-            </a:schemeClr>
-          </a:solidFill>
-          <a:ln w="19050">
-            <a:solidFill>
-              <a:schemeClr val="accent6">
-                <a:lumMod val="50000"/>
-              </a:schemeClr>
-            </a:solidFill>
-          </a:ln>
-        </p:spPr>
-        <p:style>
-          <a:lnRef idx="2">
-            <a:schemeClr val="accent1">
-              <a:shade val="50000"/>
-            </a:schemeClr>
-          </a:lnRef>
-          <a:fillRef idx="1">
-            <a:schemeClr val="accent1"/>
-          </a:fillRef>
-          <a:effectRef idx="0">
-            <a:schemeClr val="accent1"/>
-          </a:effectRef>
-          <a:fontRef idx="minor">
-            <a:schemeClr val="lt1"/>
-          </a:fontRef>
-        </p:style>
-        <p:txBody>
-          <a:bodyPr rtlCol="0" anchor="ctr"/>
-          <a:lstStyle/>
-          <a:p>
-            <a:pPr algn="ctr"/>
-            <a:r>
-              <a:rPr lang="fr-FR" sz="1400" b="1" dirty="0">
-                <a:solidFill>
-                  <a:schemeClr val="accent6">
-                    <a:lumMod val="50000"/>
-                  </a:schemeClr>
-                </a:solidFill>
-              </a:rPr>
-              <a:t>0</a:t>
-            </a:r>
-          </a:p>
-        </p:txBody>
-      </p:sp>
-      <p:cxnSp>
-        <p:nvCxnSpPr>
-          <p:cNvPr id="10" name="Connecteur droit 9"/>
-          <p:cNvCxnSpPr>
-            <a:stCxn id="8" idx="6"/>
-            <a:endCxn id="4" idx="2"/>
-          </p:cNvCxnSpPr>
-          <p:nvPr/>
-        </p:nvCxnSpPr>
-        <p:spPr>
-          <a:xfrm>
-            <a:off x="611560" y="1957215"/>
-            <a:ext cx="1080120" cy="0"/>
-          </a:xfrm>
-          <a:prstGeom prst="line">
-            <a:avLst/>
-          </a:prstGeom>
-          <a:ln w="19050">
-            <a:solidFill>
-              <a:schemeClr val="tx1"/>
-            </a:solidFill>
-          </a:ln>
-        </p:spPr>
-        <p:style>
-          <a:lnRef idx="1">
-            <a:schemeClr val="accent1"/>
-          </a:lnRef>
-          <a:fillRef idx="0">
-            <a:schemeClr val="accent1"/>
-          </a:fillRef>
-          <a:effectRef idx="0">
-            <a:schemeClr val="accent1"/>
-          </a:effectRef>
-          <a:fontRef idx="minor">
-            <a:schemeClr val="tx1"/>
-          </a:fontRef>
-        </p:style>
-      </p:cxnSp>
-      <mc:AlternateContent xmlns:mc="http://schemas.openxmlformats.org/markup-compatibility/2006" xmlns:a14="http://schemas.microsoft.com/office/drawing/2010/main">
-        <mc:Choice Requires="a14">
-          <p:sp>
-            <p:nvSpPr>
-              <p:cNvPr id="31" name="ZoneTexte 30"/>
-              <p:cNvSpPr txBox="1"/>
-              <p:nvPr/>
-            </p:nvSpPr>
-            <p:spPr>
-              <a:xfrm>
-                <a:off x="759493" y="1471793"/>
-                <a:ext cx="777842" cy="246221"/>
-              </a:xfrm>
-              <a:prstGeom prst="rect">
-                <a:avLst/>
-              </a:prstGeom>
-              <a:noFill/>
-            </p:spPr>
-            <p:txBody>
-              <a:bodyPr wrap="none" rtlCol="0">
-                <a:spAutoFit/>
-              </a:bodyPr>
-              <a:lstStyle/>
-              <a:p>
-                <a:r>
-                  <a:rPr lang="fr-FR" sz="1000" b="0" dirty="0"/>
-                  <a:t>Pivot </a:t>
-                </a:r>
-                <a14:m>
-                  <m:oMath xmlns:m="http://schemas.openxmlformats.org/officeDocument/2006/math">
-                    <m:d>
-                      <m:dPr>
-                        <m:ctrlPr>
-                          <a:rPr lang="fr-FR" sz="1000" b="0" i="1" smtClean="0">
-                            <a:latin typeface="Cambria Math" panose="02040503050406030204" pitchFamily="18" charset="0"/>
-                          </a:rPr>
-                        </m:ctrlPr>
-                      </m:dPr>
-                      <m:e>
-                        <m:r>
-                          <a:rPr lang="fr-FR" sz="1000" b="0" i="1" smtClean="0">
-                            <a:latin typeface="Cambria Math"/>
-                          </a:rPr>
-                          <m:t>𝑃</m:t>
-                        </m:r>
-                        <m:r>
-                          <a:rPr lang="fr-FR" sz="1000" b="0" i="1" smtClean="0">
-                            <a:latin typeface="Cambria Math"/>
-                          </a:rPr>
-                          <m:t>,</m:t>
-                        </m:r>
-                        <m:acc>
-                          <m:accPr>
-                            <m:chr m:val="⃗"/>
-                            <m:ctrlPr>
-                              <a:rPr lang="fr-FR" sz="1000" b="0" i="1" smtClean="0">
-                                <a:latin typeface="Cambria Math" panose="02040503050406030204" pitchFamily="18" charset="0"/>
-                              </a:rPr>
-                            </m:ctrlPr>
-                          </m:accPr>
-                          <m:e>
-                            <m:r>
-                              <a:rPr lang="fr-FR" sz="1000" b="0" i="1" smtClean="0">
-                                <a:latin typeface="Cambria Math"/>
-                              </a:rPr>
-                              <m:t>𝑧</m:t>
-                            </m:r>
-                          </m:e>
-                        </m:acc>
-                      </m:e>
-                    </m:d>
-                  </m:oMath>
-                </a14:m>
-                <a:endParaRPr lang="fr-FR" sz="1000" dirty="0"/>
-              </a:p>
-            </p:txBody>
-          </p:sp>
-        </mc:Choice>
-        <mc:Fallback xmlns="">
-          <p:sp>
-            <p:nvSpPr>
-              <p:cNvPr id="31" name="ZoneTexte 30"/>
-              <p:cNvSpPr txBox="1">
-                <a:spLocks noRot="1" noChangeAspect="1" noMove="1" noResize="1" noEditPoints="1" noAdjustHandles="1" noChangeArrowheads="1" noChangeShapeType="1" noTextEdit="1"/>
-              </p:cNvSpPr>
-              <p:nvPr/>
-            </p:nvSpPr>
-            <p:spPr>
-              <a:xfrm>
-                <a:off x="759493" y="1471793"/>
-                <a:ext cx="777842" cy="246221"/>
-              </a:xfrm>
-              <a:prstGeom prst="rect">
-                <a:avLst/>
-              </a:prstGeom>
-              <a:blipFill rotWithShape="1">
-                <a:blip r:embed="rId2"/>
-                <a:stretch>
-                  <a:fillRect t="-4878" r="-8661" b="-12195"/>
-                </a:stretch>
-              </a:blipFill>
-            </p:spPr>
-            <p:txBody>
-              <a:bodyPr/>
-              <a:lstStyle/>
-              <a:p>
-                <a:r>
-                  <a:rPr lang="fr-FR">
-                    <a:noFill/>
-                  </a:rPr>
-                  <a:t> </a:t>
-                </a:r>
-              </a:p>
-            </p:txBody>
-          </p:sp>
-        </mc:Fallback>
-      </mc:AlternateContent>
-      <mc:AlternateContent xmlns:mc="http://schemas.openxmlformats.org/markup-compatibility/2006" xmlns:a14="http://schemas.microsoft.com/office/drawing/2010/main">
-        <mc:Choice Requires="a14">
-          <p:sp>
-            <p:nvSpPr>
-              <p:cNvPr id="37" name="Rectangle 36"/>
-              <p:cNvSpPr/>
-              <p:nvPr/>
-            </p:nvSpPr>
-            <p:spPr>
-              <a:xfrm>
-                <a:off x="877346" y="1718014"/>
-                <a:ext cx="548548" cy="246221"/>
-              </a:xfrm>
-              <a:prstGeom prst="rect">
-                <a:avLst/>
-              </a:prstGeom>
-            </p:spPr>
-            <p:txBody>
-              <a:bodyPr wrap="none">
-                <a:spAutoFit/>
-              </a:bodyPr>
-              <a:lstStyle/>
-              <a:p>
-                <a:pPr/>
-                <a14:m>
-                  <m:oMathPara xmlns:m="http://schemas.openxmlformats.org/officeDocument/2006/math">
-                    <m:oMathParaPr>
-                      <m:jc m:val="centerGroup"/>
-                    </m:oMathParaPr>
-                    <m:oMath xmlns:m="http://schemas.openxmlformats.org/officeDocument/2006/math">
-                      <m:sSub>
-                        <m:sSubPr>
-                          <m:ctrlPr>
-                            <a:rPr lang="fr-FR" sz="1000" i="1" smtClean="0">
-                              <a:latin typeface="Cambria Math" panose="02040503050406030204" pitchFamily="18" charset="0"/>
-                            </a:rPr>
-                          </m:ctrlPr>
-                        </m:sSubPr>
-                        <m:e>
-                          <m:r>
-                            <a:rPr lang="fr-FR" sz="1000" b="0" i="1" smtClean="0">
-                              <a:latin typeface="Cambria Math"/>
-                            </a:rPr>
-                            <m:t>𝐶</m:t>
-                          </m:r>
-                        </m:e>
-                        <m:sub>
-                          <m:r>
-                            <m:rPr>
-                              <m:sty m:val="p"/>
-                            </m:rPr>
-                            <a:rPr lang="fr-FR" sz="1000" b="0" i="0" smtClean="0">
-                              <a:latin typeface="Cambria Math"/>
-                            </a:rPr>
-                            <m:t>m</m:t>
-                          </m:r>
-                          <m:r>
-                            <a:rPr lang="fr-FR" sz="1000" b="0" i="0" smtClean="0">
-                              <a:latin typeface="Cambria Math"/>
-                            </a:rPr>
-                            <m:t>0</m:t>
-                          </m:r>
-                          <m:r>
-                            <a:rPr lang="fr-FR" sz="1000" b="0" i="1" smtClean="0">
-                              <a:latin typeface="Cambria Math"/>
-                            </a:rPr>
-                            <m:t>1</m:t>
-                          </m:r>
-                        </m:sub>
-                      </m:sSub>
-                      <m:acc>
-                        <m:accPr>
-                          <m:chr m:val="⃗"/>
-                          <m:ctrlPr>
-                            <a:rPr lang="fr-FR" sz="1000" i="1">
-                              <a:latin typeface="Cambria Math" panose="02040503050406030204" pitchFamily="18" charset="0"/>
-                            </a:rPr>
-                          </m:ctrlPr>
-                        </m:accPr>
-                        <m:e>
-                          <m:r>
-                            <a:rPr lang="fr-FR" sz="1000" i="1" smtClean="0">
-                              <a:latin typeface="Cambria Math"/>
-                            </a:rPr>
-                            <m:t>𝑧</m:t>
-                          </m:r>
-                        </m:e>
-                      </m:acc>
-                    </m:oMath>
-                  </m:oMathPara>
-                </a14:m>
-                <a:endParaRPr lang="fr-FR" sz="1000" dirty="0"/>
-              </a:p>
-            </p:txBody>
-          </p:sp>
-        </mc:Choice>
-        <mc:Fallback xmlns="">
-          <p:sp>
-            <p:nvSpPr>
-              <p:cNvPr id="37" name="Rectangle 36"/>
-              <p:cNvSpPr>
-                <a:spLocks noRot="1" noChangeAspect="1" noMove="1" noResize="1" noEditPoints="1" noAdjustHandles="1" noChangeArrowheads="1" noChangeShapeType="1" noTextEdit="1"/>
-              </p:cNvSpPr>
-              <p:nvPr/>
-            </p:nvSpPr>
-            <p:spPr>
-              <a:xfrm>
-                <a:off x="877346" y="1718014"/>
-                <a:ext cx="548548" cy="246221"/>
-              </a:xfrm>
-              <a:prstGeom prst="rect">
-                <a:avLst/>
-              </a:prstGeom>
-              <a:blipFill rotWithShape="1">
-                <a:blip r:embed="rId3"/>
-                <a:stretch>
-                  <a:fillRect t="-5000" r="-20000"/>
-                </a:stretch>
-              </a:blipFill>
-            </p:spPr>
-            <p:txBody>
-              <a:bodyPr/>
-              <a:lstStyle/>
-              <a:p>
-                <a:r>
-                  <a:rPr lang="fr-FR">
-                    <a:noFill/>
-                  </a:rPr>
-                  <a:t> </a:t>
-                </a:r>
-              </a:p>
-            </p:txBody>
-          </p:sp>
-        </mc:Fallback>
-      </mc:AlternateContent>
-      <mc:AlternateContent xmlns:mc="http://schemas.openxmlformats.org/markup-compatibility/2006" xmlns:a14="http://schemas.microsoft.com/office/drawing/2010/main">
-        <mc:Choice Requires="a14">
-          <p:sp>
-            <p:nvSpPr>
-              <p:cNvPr id="41" name="ZoneTexte 40"/>
-              <p:cNvSpPr txBox="1"/>
-              <p:nvPr/>
-            </p:nvSpPr>
-            <p:spPr>
-              <a:xfrm>
-                <a:off x="760796" y="2163024"/>
-                <a:ext cx="777842" cy="246221"/>
-              </a:xfrm>
-              <a:prstGeom prst="rect">
-                <a:avLst/>
-              </a:prstGeom>
-              <a:noFill/>
-            </p:spPr>
-            <p:txBody>
-              <a:bodyPr wrap="none" rtlCol="0">
-                <a:spAutoFit/>
-              </a:bodyPr>
-              <a:lstStyle/>
-              <a:p>
-                <a:r>
-                  <a:rPr lang="fr-FR" sz="1000" b="0" dirty="0"/>
-                  <a:t>Pivot </a:t>
-                </a:r>
-                <a14:m>
-                  <m:oMath xmlns:m="http://schemas.openxmlformats.org/officeDocument/2006/math">
-                    <m:d>
-                      <m:dPr>
-                        <m:ctrlPr>
-                          <a:rPr lang="fr-FR" sz="1000" b="0" i="1" smtClean="0">
-                            <a:latin typeface="Cambria Math" panose="02040503050406030204" pitchFamily="18" charset="0"/>
-                          </a:rPr>
-                        </m:ctrlPr>
-                      </m:dPr>
-                      <m:e>
-                        <m:r>
-                          <a:rPr lang="fr-FR" sz="1000" b="0" i="1" smtClean="0">
-                            <a:latin typeface="Cambria Math"/>
-                          </a:rPr>
-                          <m:t>𝑃</m:t>
-                        </m:r>
-                        <m:r>
-                          <a:rPr lang="fr-FR" sz="1000" b="0" i="1" smtClean="0">
-                            <a:latin typeface="Cambria Math"/>
-                          </a:rPr>
-                          <m:t>,</m:t>
-                        </m:r>
-                        <m:acc>
-                          <m:accPr>
-                            <m:chr m:val="⃗"/>
-                            <m:ctrlPr>
-                              <a:rPr lang="fr-FR" sz="1000" b="0" i="1" smtClean="0">
-                                <a:latin typeface="Cambria Math" panose="02040503050406030204" pitchFamily="18" charset="0"/>
-                              </a:rPr>
-                            </m:ctrlPr>
-                          </m:accPr>
-                          <m:e>
-                            <m:r>
-                              <a:rPr lang="fr-FR" sz="1000" b="0" i="1" smtClean="0">
-                                <a:latin typeface="Cambria Math"/>
-                              </a:rPr>
-                              <m:t>𝑧</m:t>
-                            </m:r>
-                          </m:e>
-                        </m:acc>
-                      </m:e>
-                    </m:d>
-                  </m:oMath>
-                </a14:m>
-                <a:endParaRPr lang="fr-FR" sz="1000" dirty="0"/>
-              </a:p>
-            </p:txBody>
-          </p:sp>
-        </mc:Choice>
-        <mc:Fallback xmlns="">
-          <p:sp>
-            <p:nvSpPr>
-              <p:cNvPr id="41" name="ZoneTexte 40"/>
-              <p:cNvSpPr txBox="1">
-                <a:spLocks noRot="1" noChangeAspect="1" noMove="1" noResize="1" noEditPoints="1" noAdjustHandles="1" noChangeArrowheads="1" noChangeShapeType="1" noTextEdit="1"/>
-              </p:cNvSpPr>
-              <p:nvPr/>
-            </p:nvSpPr>
-            <p:spPr>
-              <a:xfrm>
-                <a:off x="760796" y="2163024"/>
-                <a:ext cx="777842" cy="246221"/>
-              </a:xfrm>
-              <a:prstGeom prst="rect">
-                <a:avLst/>
-              </a:prstGeom>
-              <a:blipFill rotWithShape="1">
-                <a:blip r:embed="rId4"/>
-                <a:stretch>
-                  <a:fillRect t="-5000" r="-8661" b="-15000"/>
-                </a:stretch>
-              </a:blipFill>
-            </p:spPr>
-            <p:txBody>
-              <a:bodyPr/>
-              <a:lstStyle/>
-              <a:p>
-                <a:r>
-                  <a:rPr lang="fr-FR">
-                    <a:noFill/>
-                  </a:rPr>
-                  <a:t> </a:t>
-                </a:r>
-              </a:p>
-            </p:txBody>
-          </p:sp>
-        </mc:Fallback>
-      </mc:AlternateContent>
-      <p:sp>
-        <p:nvSpPr>
-          <p:cNvPr id="43" name="Rectangle 42"/>
-          <p:cNvSpPr/>
-          <p:nvPr/>
-        </p:nvSpPr>
-        <p:spPr>
-          <a:xfrm>
-            <a:off x="0" y="1813200"/>
-            <a:ext cx="152400" cy="286396"/>
-          </a:xfrm>
-          <a:prstGeom prst="rect">
-            <a:avLst/>
-          </a:prstGeom>
-          <a:solidFill>
-            <a:schemeClr val="accent6">
-              <a:lumMod val="20000"/>
-              <a:lumOff val="80000"/>
-            </a:schemeClr>
-          </a:solidFill>
-          <a:ln w="19050">
-            <a:noFill/>
-          </a:ln>
-        </p:spPr>
-        <p:style>
-          <a:lnRef idx="2">
-            <a:schemeClr val="accent1">
-              <a:shade val="50000"/>
-            </a:schemeClr>
-          </a:lnRef>
-          <a:fillRef idx="1">
-            <a:schemeClr val="accent1"/>
-          </a:fillRef>
-          <a:effectRef idx="0">
-            <a:schemeClr val="accent1"/>
-          </a:effectRef>
-          <a:fontRef idx="minor">
-            <a:schemeClr val="lt1"/>
-          </a:fontRef>
-        </p:style>
-        <p:txBody>
-          <a:bodyPr rtlCol="0" anchor="ctr"/>
-          <a:lstStyle/>
-          <a:p>
-            <a:pPr algn="ctr"/>
-            <a:endParaRPr lang="fr-FR" sz="1400" b="1">
-              <a:solidFill>
-                <a:schemeClr val="accent6">
-                  <a:lumMod val="50000"/>
-                </a:schemeClr>
-              </a:solidFill>
-            </a:endParaRPr>
-          </a:p>
-        </p:txBody>
-      </p:sp>
-      <p:cxnSp>
-        <p:nvCxnSpPr>
-          <p:cNvPr id="44" name="Connecteur droit 43"/>
-          <p:cNvCxnSpPr/>
-          <p:nvPr/>
-        </p:nvCxnSpPr>
-        <p:spPr>
-          <a:xfrm>
-            <a:off x="152400" y="1957215"/>
-            <a:ext cx="171128" cy="0"/>
-          </a:xfrm>
-          <a:prstGeom prst="line">
-            <a:avLst/>
-          </a:prstGeom>
-          <a:solidFill>
-            <a:schemeClr val="accent6">
-              <a:lumMod val="20000"/>
-              <a:lumOff val="80000"/>
-            </a:schemeClr>
-          </a:solidFill>
-          <a:ln w="19050">
-            <a:solidFill>
-              <a:schemeClr val="accent6">
-                <a:lumMod val="50000"/>
-              </a:schemeClr>
-            </a:solidFill>
-          </a:ln>
-        </p:spPr>
-        <p:style>
-          <a:lnRef idx="2">
-            <a:schemeClr val="accent1">
-              <a:shade val="50000"/>
-            </a:schemeClr>
-          </a:lnRef>
-          <a:fillRef idx="1">
-            <a:schemeClr val="accent1"/>
-          </a:fillRef>
-          <a:effectRef idx="0">
-            <a:schemeClr val="accent1"/>
-          </a:effectRef>
-          <a:fontRef idx="minor">
-            <a:schemeClr val="lt1"/>
-          </a:fontRef>
-        </p:style>
-      </p:cxnSp>
-      <p:cxnSp>
-        <p:nvCxnSpPr>
-          <p:cNvPr id="45" name="Connecteur droit 44"/>
-          <p:cNvCxnSpPr/>
-          <p:nvPr/>
-        </p:nvCxnSpPr>
-        <p:spPr>
-          <a:xfrm flipV="1">
-            <a:off x="152400" y="1813200"/>
-            <a:ext cx="0" cy="288031"/>
-          </a:xfrm>
-          <a:prstGeom prst="line">
-            <a:avLst/>
-          </a:prstGeom>
-          <a:solidFill>
-            <a:schemeClr val="accent6">
-              <a:lumMod val="20000"/>
-              <a:lumOff val="80000"/>
-            </a:schemeClr>
-          </a:solidFill>
-          <a:ln w="19050">
-            <a:solidFill>
-              <a:schemeClr val="accent6">
-                <a:lumMod val="50000"/>
-              </a:schemeClr>
-            </a:solidFill>
-          </a:ln>
-        </p:spPr>
-        <p:style>
-          <a:lnRef idx="2">
-            <a:schemeClr val="accent1">
-              <a:shade val="50000"/>
-            </a:schemeClr>
-          </a:lnRef>
-          <a:fillRef idx="1">
-            <a:schemeClr val="accent1"/>
-          </a:fillRef>
-          <a:effectRef idx="0">
-            <a:schemeClr val="accent1"/>
-          </a:effectRef>
-          <a:fontRef idx="minor">
-            <a:schemeClr val="lt1"/>
-          </a:fontRef>
-        </p:style>
-      </p:cxnSp>
-    </p:spTree>
-    <p:extLst>
-      <p:ext uri="{BB962C8B-B14F-4D97-AF65-F5344CB8AC3E}">
-        <p14:creationId xmlns:p14="http://schemas.microsoft.com/office/powerpoint/2010/main" val="4197868350"/>
-      </p:ext>
-    </p:extLst>
-  </p:cSld>
-  <p:clrMapOvr>
-    <a:masterClrMapping/>
-  </p:clrMapOvr>
-</p:sld>
-</file>
-
 <file path=ppt/theme/theme1.xml><?xml version="1.0" encoding="utf-8"?>
 <a:theme xmlns:a="http://schemas.openxmlformats.org/drawingml/2006/main" name="Thème Office">
   <a:themeElements>
